--- a/Hackathon workshop.pptx
+++ b/Hackathon workshop.pptx
@@ -10,20 +10,23 @@
     <p:sldId id="258" r:id="rId5"/>
     <p:sldId id="259" r:id="rId6"/>
     <p:sldId id="271" r:id="rId7"/>
-    <p:sldId id="272" r:id="rId8"/>
-    <p:sldId id="273" r:id="rId9"/>
-    <p:sldId id="274" r:id="rId10"/>
-    <p:sldId id="260" r:id="rId11"/>
-    <p:sldId id="261" r:id="rId12"/>
-    <p:sldId id="262" r:id="rId13"/>
-    <p:sldId id="263" r:id="rId14"/>
-    <p:sldId id="264" r:id="rId15"/>
-    <p:sldId id="265" r:id="rId16"/>
-    <p:sldId id="266" r:id="rId17"/>
-    <p:sldId id="267" r:id="rId18"/>
-    <p:sldId id="268" r:id="rId19"/>
-    <p:sldId id="269" r:id="rId20"/>
-    <p:sldId id="270" r:id="rId21"/>
+    <p:sldId id="288" r:id="rId8"/>
+    <p:sldId id="287" r:id="rId9"/>
+    <p:sldId id="289" r:id="rId10"/>
+    <p:sldId id="272" r:id="rId11"/>
+    <p:sldId id="273" r:id="rId12"/>
+    <p:sldId id="274" r:id="rId13"/>
+    <p:sldId id="260" r:id="rId14"/>
+    <p:sldId id="261" r:id="rId15"/>
+    <p:sldId id="262" r:id="rId16"/>
+    <p:sldId id="263" r:id="rId17"/>
+    <p:sldId id="264" r:id="rId18"/>
+    <p:sldId id="265" r:id="rId19"/>
+    <p:sldId id="266" r:id="rId20"/>
+    <p:sldId id="267" r:id="rId21"/>
+    <p:sldId id="268" r:id="rId22"/>
+    <p:sldId id="269" r:id="rId23"/>
+    <p:sldId id="270" r:id="rId24"/>
   </p:sldIdLst>
   <p:sldSz cx="12192000" cy="6858000"/>
   <p:notesSz cx="6858000" cy="9144000"/>
@@ -3638,6 +3641,168 @@
 </p:sld>
 </file>
 
+<file path=ppt/slides/slide20.xml><?xml version="1.0" encoding="utf-8"?>
+<p:sld xmlns:a="http://schemas.openxmlformats.org/drawingml/2006/main" xmlns:r="http://schemas.openxmlformats.org/officeDocument/2006/relationships" xmlns:p="http://schemas.openxmlformats.org/presentationml/2006/main">
+  <p:cSld>
+    <p:spTree>
+      <p:nvGrpSpPr>
+        <p:cNvPr id="1" name=""/>
+        <p:cNvGrpSpPr/>
+        <p:nvPr/>
+      </p:nvGrpSpPr>
+      <p:grpSpPr/>
+      <p:sp>
+        <p:nvSpPr>
+          <p:cNvPr id="2" name="Title 1"/>
+          <p:cNvSpPr>
+            <a:spLocks noGrp="1"/>
+          </p:cNvSpPr>
+          <p:nvPr>
+            <p:ph type="title"/>
+          </p:nvPr>
+        </p:nvSpPr>
+        <p:spPr/>
+        <p:txBody>
+          <a:bodyPr/>
+          <a:p>
+            <a:endParaRPr lang="en-GB" altLang="en-US"/>
+          </a:p>
+        </p:txBody>
+      </p:sp>
+      <p:sp>
+        <p:nvSpPr>
+          <p:cNvPr id="3" name="Content Placeholder 2"/>
+          <p:cNvSpPr>
+            <a:spLocks noGrp="1"/>
+          </p:cNvSpPr>
+          <p:nvPr>
+            <p:ph idx="1"/>
+          </p:nvPr>
+        </p:nvSpPr>
+        <p:spPr/>
+        <p:txBody>
+          <a:bodyPr/>
+          <a:p>
+            <a:endParaRPr lang="en-GB" altLang="en-US"/>
+          </a:p>
+        </p:txBody>
+      </p:sp>
+    </p:spTree>
+  </p:cSld>
+  <p:clrMapOvr>
+    <a:masterClrMapping/>
+  </p:clrMapOvr>
+</p:sld>
+</file>
+
+<file path=ppt/slides/slide21.xml><?xml version="1.0" encoding="utf-8"?>
+<p:sld xmlns:a="http://schemas.openxmlformats.org/drawingml/2006/main" xmlns:r="http://schemas.openxmlformats.org/officeDocument/2006/relationships" xmlns:p="http://schemas.openxmlformats.org/presentationml/2006/main">
+  <p:cSld>
+    <p:spTree>
+      <p:nvGrpSpPr>
+        <p:cNvPr id="1" name=""/>
+        <p:cNvGrpSpPr/>
+        <p:nvPr/>
+      </p:nvGrpSpPr>
+      <p:grpSpPr/>
+      <p:sp>
+        <p:nvSpPr>
+          <p:cNvPr id="2" name="Title 1"/>
+          <p:cNvSpPr>
+            <a:spLocks noGrp="1"/>
+          </p:cNvSpPr>
+          <p:nvPr>
+            <p:ph type="title"/>
+          </p:nvPr>
+        </p:nvSpPr>
+        <p:spPr/>
+        <p:txBody>
+          <a:bodyPr/>
+          <a:p>
+            <a:endParaRPr lang="en-GB" altLang="en-US"/>
+          </a:p>
+        </p:txBody>
+      </p:sp>
+      <p:sp>
+        <p:nvSpPr>
+          <p:cNvPr id="3" name="Content Placeholder 2"/>
+          <p:cNvSpPr>
+            <a:spLocks noGrp="1"/>
+          </p:cNvSpPr>
+          <p:nvPr>
+            <p:ph idx="1"/>
+          </p:nvPr>
+        </p:nvSpPr>
+        <p:spPr/>
+        <p:txBody>
+          <a:bodyPr/>
+          <a:p>
+            <a:endParaRPr lang="en-GB" altLang="en-US"/>
+          </a:p>
+        </p:txBody>
+      </p:sp>
+    </p:spTree>
+  </p:cSld>
+  <p:clrMapOvr>
+    <a:masterClrMapping/>
+  </p:clrMapOvr>
+</p:sld>
+</file>
+
+<file path=ppt/slides/slide22.xml><?xml version="1.0" encoding="utf-8"?>
+<p:sld xmlns:a="http://schemas.openxmlformats.org/drawingml/2006/main" xmlns:r="http://schemas.openxmlformats.org/officeDocument/2006/relationships" xmlns:p="http://schemas.openxmlformats.org/presentationml/2006/main">
+  <p:cSld>
+    <p:spTree>
+      <p:nvGrpSpPr>
+        <p:cNvPr id="1" name=""/>
+        <p:cNvGrpSpPr/>
+        <p:nvPr/>
+      </p:nvGrpSpPr>
+      <p:grpSpPr/>
+      <p:sp>
+        <p:nvSpPr>
+          <p:cNvPr id="2" name="Title 1"/>
+          <p:cNvSpPr>
+            <a:spLocks noGrp="1"/>
+          </p:cNvSpPr>
+          <p:nvPr>
+            <p:ph type="title"/>
+          </p:nvPr>
+        </p:nvSpPr>
+        <p:spPr/>
+        <p:txBody>
+          <a:bodyPr/>
+          <a:p>
+            <a:endParaRPr lang="en-GB" altLang="en-US"/>
+          </a:p>
+        </p:txBody>
+      </p:sp>
+      <p:sp>
+        <p:nvSpPr>
+          <p:cNvPr id="3" name="Content Placeholder 2"/>
+          <p:cNvSpPr>
+            <a:spLocks noGrp="1"/>
+          </p:cNvSpPr>
+          <p:nvPr>
+            <p:ph idx="1"/>
+          </p:nvPr>
+        </p:nvSpPr>
+        <p:spPr/>
+        <p:txBody>
+          <a:bodyPr/>
+          <a:p>
+            <a:endParaRPr lang="en-GB" altLang="en-US"/>
+          </a:p>
+        </p:txBody>
+      </p:sp>
+    </p:spTree>
+  </p:cSld>
+  <p:clrMapOvr>
+    <a:masterClrMapping/>
+  </p:clrMapOvr>
+</p:sld>
+</file>
+
 <file path=ppt/slides/slide3.xml><?xml version="1.0" encoding="utf-8"?>
 <p:sld xmlns:a="http://schemas.openxmlformats.org/drawingml/2006/main" xmlns:r="http://schemas.openxmlformats.org/officeDocument/2006/relationships" xmlns:p="http://schemas.openxmlformats.org/presentationml/2006/main">
   <p:cSld>
@@ -3790,64 +3955,97 @@
       <p:grpSpPr/>
       <p:sp>
         <p:nvSpPr>
-          <p:cNvPr id="2" name="Title 1"/>
-          <p:cNvSpPr>
-            <a:spLocks noGrp="1"/>
-          </p:cNvSpPr>
-          <p:nvPr>
-            <p:ph type="title"/>
-          </p:nvPr>
-        </p:nvSpPr>
-        <p:spPr/>
-        <p:txBody>
-          <a:bodyPr/>
+          <p:cNvPr id="3" name="Content Placeholder 2"/>
+          <p:cNvSpPr>
+            <a:spLocks noGrp="1"/>
+          </p:cNvSpPr>
+          <p:nvPr>
+            <p:ph idx="1"/>
+          </p:nvPr>
+        </p:nvSpPr>
+        <p:spPr>
+          <a:xfrm>
+            <a:off x="838200" y="805180"/>
+            <a:ext cx="10515600" cy="5372100"/>
+          </a:xfrm>
+        </p:spPr>
+        <p:txBody>
+          <a:bodyPr>
+            <a:normAutofit/>
+          </a:bodyPr>
+          <a:p>
+            <a:r>
+              <a:rPr lang="en-GB" altLang="en-US">
+                <a:sym typeface="+mn-ea"/>
+              </a:rPr>
+              <a:t>2nd step  handling null values and duplicates</a:t>
+            </a:r>
+            <a:endParaRPr lang="en-GB" altLang="en-US"/>
+          </a:p>
+          <a:p>
+            <a:endParaRPr lang="en-GB" altLang="en-US"/>
+          </a:p>
           <a:p>
             <a:r>
               <a:rPr lang="en-GB" altLang="en-US"/>
-              <a:t>2nd step  handling null values and duplicates</a:t>
-            </a:r>
-            <a:endParaRPr lang="en-GB" altLang="en-US"/>
-          </a:p>
-        </p:txBody>
-      </p:sp>
-      <p:sp>
-        <p:nvSpPr>
-          <p:cNvPr id="3" name="Content Placeholder 2"/>
-          <p:cNvSpPr>
-            <a:spLocks noGrp="1"/>
-          </p:cNvSpPr>
-          <p:nvPr>
-            <p:ph idx="1"/>
-          </p:nvPr>
-        </p:nvSpPr>
-        <p:spPr/>
-        <p:txBody>
-          <a:bodyPr/>
+              <a:t>3rd step i used text error correction to correct all the values and change the values </a:t>
+            </a:r>
+            <a:endParaRPr lang="en-GB" altLang="en-US"/>
+          </a:p>
           <a:p>
             <a:r>
               <a:rPr lang="en-GB" altLang="en-US"/>
-              <a:t>3rd step i used tesxt error correction to correct all the values and change the values </a:t>
-            </a:r>
-            <a:endParaRPr lang="en-GB" altLang="en-US"/>
-          </a:p>
-          <a:p>
+              <a:t>I classified the numbers of (fico range high and low )ranges in this for mat</a:t>
+            </a:r>
+            <a:endParaRPr lang="en-GB" altLang="en-US"/>
+          </a:p>
+          <a:p>
+            <a:pPr marL="0" indent="0">
+              <a:buNone/>
+            </a:pPr>
             <a:r>
               <a:rPr lang="en-GB" altLang="en-US"/>
-              <a:t>4th step eda analysis</a:t>
-            </a:r>
-            <a:endParaRPr lang="en-GB" altLang="en-US"/>
-          </a:p>
-          <a:p>
+              <a:t>classification or grouping of fico range: </a:t>
+            </a:r>
+            <a:endParaRPr lang="en-GB" altLang="en-US"/>
+          </a:p>
+          <a:p>
+            <a:pPr marL="0" indent="0">
+              <a:buNone/>
+            </a:pPr>
             <a:r>
               <a:rPr lang="en-GB" altLang="en-US"/>
-              <a:t>5th step logistic regression, pipelining.</a:t>
-            </a:r>
-            <a:endParaRPr lang="en-GB" altLang="en-US"/>
-          </a:p>
-          <a:p>
+              <a:t>801-900 : 'A-FR' </a:t>
+            </a:r>
+            <a:endParaRPr lang="en-GB" altLang="en-US"/>
+          </a:p>
+          <a:p>
+            <a:pPr marL="0" indent="0">
+              <a:buNone/>
+            </a:pPr>
             <a:r>
               <a:rPr lang="en-GB" altLang="en-US"/>
-              <a:t>6 th step grid search for tuning.</a:t>
+              <a:t>701-800 : 'B-FR' </a:t>
+            </a:r>
+            <a:endParaRPr lang="en-GB" altLang="en-US"/>
+          </a:p>
+          <a:p>
+            <a:pPr marL="0" indent="0">
+              <a:buNone/>
+            </a:pPr>
+            <a:r>
+              <a:rPr lang="en-GB" altLang="en-US"/>
+              <a:t>601-700 : 'C-FR'</a:t>
+            </a:r>
+            <a:endParaRPr lang="en-GB" altLang="en-US"/>
+          </a:p>
+          <a:p>
+            <a:pPr marL="0" indent="0">
+              <a:buNone/>
+            </a:pPr>
+            <a:r>
+              <a:rPr lang="en-GB" altLang="en-US"/>
+              <a:t>I have deleted the columns like subgrade, purpose,emp_title and title</a:t>
             </a:r>
             <a:endParaRPr lang="en-GB" altLang="en-US"/>
           </a:p>
@@ -3873,24 +4071,6 @@
       <p:grpSpPr/>
       <p:sp>
         <p:nvSpPr>
-          <p:cNvPr id="2" name="Title 1"/>
-          <p:cNvSpPr>
-            <a:spLocks noGrp="1"/>
-          </p:cNvSpPr>
-          <p:nvPr>
-            <p:ph type="title"/>
-          </p:nvPr>
-        </p:nvSpPr>
-        <p:spPr/>
-        <p:txBody>
-          <a:bodyPr/>
-          <a:p>
-            <a:endParaRPr lang="en-GB" altLang="en-US"/>
-          </a:p>
-        </p:txBody>
-      </p:sp>
-      <p:sp>
-        <p:nvSpPr>
           <p:cNvPr id="3" name="Content Placeholder 2"/>
           <p:cNvSpPr>
             <a:spLocks noGrp="1"/>
@@ -3899,9 +4079,84 @@
             <p:ph idx="1"/>
           </p:nvPr>
         </p:nvSpPr>
-        <p:spPr/>
-        <p:txBody>
-          <a:bodyPr/>
+        <p:spPr>
+          <a:xfrm>
+            <a:off x="313055" y="309245"/>
+            <a:ext cx="11638915" cy="6233160"/>
+          </a:xfrm>
+        </p:spPr>
+        <p:txBody>
+          <a:bodyPr/>
+          <a:p>
+            <a:r>
+              <a:rPr lang="en-GB" altLang="en-US"/>
+              <a:t>for verification status there were 3 unique values Source verified, verified and not verified. So what i did was i converted ‘Source verified’ as verified by using replace command.</a:t>
+            </a:r>
+            <a:endParaRPr lang="en-GB" altLang="en-US"/>
+          </a:p>
+          <a:p>
+            <a:r>
+              <a:rPr lang="en-GB" altLang="en-US"/>
+              <a:t>in earliest _cr_line they have given the format as Jul-1997 so i Seperated this into 2 seperate columns like </a:t>
+            </a:r>
+            <a:r>
+              <a:rPr lang="en-GB" altLang="en-US">
+                <a:sym typeface="+mn-ea"/>
+              </a:rPr>
+              <a:t>earliest _cr_linein yrs and earliest _cr_linein mths by using commandas like .apply(lambda x:x.split()[0]) and </a:t>
+            </a:r>
+            <a:r>
+              <a:rPr lang="en-GB" altLang="en-US">
+                <a:sym typeface="+mn-ea"/>
+              </a:rPr>
+              <a:t>.apply(lambda x:x.split()[0]). I used this command even for the column term in months.</a:t>
+            </a:r>
+            <a:endParaRPr lang="en-GB" altLang="en-US">
+              <a:sym typeface="+mn-ea"/>
+            </a:endParaRPr>
+          </a:p>
+          <a:p>
+            <a:r>
+              <a:rPr lang="en-GB" altLang="en-US"/>
+              <a:t>for </a:t>
+            </a:r>
+            <a:r>
+              <a:rPr lang="en-GB" altLang="en-US">
+                <a:sym typeface="+mn-ea"/>
+              </a:rPr>
+              <a:t>earliest _cr_linein yrs i classified into 4 different groups '1951-2000', '2001-2010', '2011-2020', '1901-1950'. for better understanding and clarity.</a:t>
+            </a:r>
+            <a:endParaRPr lang="en-GB" altLang="en-US">
+              <a:sym typeface="+mn-ea"/>
+            </a:endParaRPr>
+          </a:p>
+          <a:p>
+            <a:r>
+              <a:rPr lang="en-GB" altLang="en-US">
+                <a:sym typeface="+mn-ea"/>
+              </a:rPr>
+              <a:t>for emp length we have to convert the &gt;10 yrs as 10 as an integer and same for other nos ranging from 0-10.</a:t>
+            </a:r>
+            <a:endParaRPr lang="en-GB" altLang="en-US">
+              <a:sym typeface="+mn-ea"/>
+            </a:endParaRPr>
+          </a:p>
+          <a:p>
+            <a:r>
+              <a:rPr lang="en-GB" altLang="en-US">
+                <a:sym typeface="+mn-ea"/>
+              </a:rPr>
+              <a:t>we have to convert some columns like pub_rec,pub_recbankruptcies as int because it was in float. </a:t>
+            </a:r>
+            <a:endParaRPr lang="en-GB" altLang="en-US">
+              <a:sym typeface="+mn-ea"/>
+            </a:endParaRPr>
+          </a:p>
+          <a:p>
+            <a:endParaRPr lang="en-GB" altLang="en-US">
+              <a:sym typeface="+mn-ea"/>
+            </a:endParaRPr>
+          </a:p>
           <a:p>
             <a:endParaRPr lang="en-GB" altLang="en-US"/>
           </a:p>
@@ -3927,24 +4182,6 @@
       <p:grpSpPr/>
       <p:sp>
         <p:nvSpPr>
-          <p:cNvPr id="2" name="Title 1"/>
-          <p:cNvSpPr>
-            <a:spLocks noGrp="1"/>
-          </p:cNvSpPr>
-          <p:nvPr>
-            <p:ph type="title"/>
-          </p:nvPr>
-        </p:nvSpPr>
-        <p:spPr/>
-        <p:txBody>
-          <a:bodyPr/>
-          <a:p>
-            <a:endParaRPr lang="en-GB" altLang="en-US"/>
-          </a:p>
-        </p:txBody>
-      </p:sp>
-      <p:sp>
-        <p:nvSpPr>
           <p:cNvPr id="3" name="Content Placeholder 2"/>
           <p:cNvSpPr>
             <a:spLocks noGrp="1"/>
@@ -3953,9 +4190,135 @@
             <p:ph idx="1"/>
           </p:nvPr>
         </p:nvSpPr>
-        <p:spPr/>
-        <p:txBody>
-          <a:bodyPr/>
+        <p:spPr>
+          <a:xfrm>
+            <a:off x="838200" y="410845"/>
+            <a:ext cx="10515600" cy="5766435"/>
+          </a:xfrm>
+        </p:spPr>
+        <p:txBody>
+          <a:bodyPr>
+            <a:normAutofit lnSpcReduction="20000"/>
+          </a:bodyPr>
+          <a:p>
+            <a:r>
+              <a:rPr lang="en-GB" altLang="en-US"/>
+              <a:t>I seperated the train dataset in to 2 columns number dataset and categorical dataset.</a:t>
+            </a:r>
+            <a:endParaRPr lang="en-GB" altLang="en-US"/>
+          </a:p>
+          <a:p>
+            <a:r>
+              <a:rPr lang="en-GB" altLang="en-US"/>
+              <a:t>I did eda analysis for all the columns by using pie chart command. </a:t>
+            </a:r>
+            <a:endParaRPr lang="en-GB" altLang="en-US"/>
+          </a:p>
+          <a:p>
+            <a:pPr marL="0" indent="0">
+              <a:buNone/>
+            </a:pPr>
+            <a:r>
+              <a:rPr lang="en-GB" altLang="en-US"/>
+              <a:t>nrows=4</a:t>
+            </a:r>
+            <a:endParaRPr lang="en-GB" altLang="en-US"/>
+          </a:p>
+          <a:p>
+            <a:pPr marL="0" indent="0">
+              <a:buNone/>
+            </a:pPr>
+            <a:r>
+              <a:rPr lang="en-GB" altLang="en-US"/>
+              <a:t>ncols=4</a:t>
+            </a:r>
+            <a:endParaRPr lang="en-GB" altLang="en-US"/>
+          </a:p>
+          <a:p>
+            <a:pPr marL="0" indent="0">
+              <a:buNone/>
+            </a:pPr>
+            <a:r>
+              <a:rPr lang="en-GB" altLang="en-US"/>
+              <a:t>itr=1</a:t>
+            </a:r>
+            <a:endParaRPr lang="en-GB" altLang="en-US"/>
+          </a:p>
+          <a:p>
+            <a:pPr marL="0" indent="0">
+              <a:buNone/>
+            </a:pPr>
+            <a:r>
+              <a:rPr lang="en-GB" altLang="en-US"/>
+              <a:t>plt.figure(figsize=(15,15))</a:t>
+            </a:r>
+            <a:endParaRPr lang="en-GB" altLang="en-US"/>
+          </a:p>
+          <a:p>
+            <a:pPr marL="0" indent="0">
+              <a:buNone/>
+            </a:pPr>
+            <a:endParaRPr lang="en-GB" altLang="en-US"/>
+          </a:p>
+          <a:p>
+            <a:pPr marL="0" indent="0">
+              <a:buNone/>
+            </a:pPr>
+            <a:r>
+              <a:rPr lang="en-GB" altLang="en-US"/>
+              <a:t>for i in cat_cols:</a:t>
+            </a:r>
+            <a:endParaRPr lang="en-GB" altLang="en-US"/>
+          </a:p>
+          <a:p>
+            <a:pPr marL="0" indent="0">
+              <a:buNone/>
+            </a:pPr>
+            <a:r>
+              <a:rPr lang="en-GB" altLang="en-US"/>
+              <a:t>  plt.subplot(nrows,ncols,itr)</a:t>
+            </a:r>
+            <a:endParaRPr lang="en-GB" altLang="en-US"/>
+          </a:p>
+          <a:p>
+            <a:pPr marL="0" indent="0">
+              <a:buNone/>
+            </a:pPr>
+            <a:r>
+              <a:rPr lang="en-GB" altLang="en-US"/>
+              <a:t>  a=train[i].value_counts().plot.pie(autopct='%1.1f%%')</a:t>
+            </a:r>
+            <a:endParaRPr lang="en-GB" altLang="en-US"/>
+          </a:p>
+          <a:p>
+            <a:pPr marL="0" indent="0">
+              <a:buNone/>
+            </a:pPr>
+            <a:r>
+              <a:rPr lang="en-GB" altLang="en-US"/>
+              <a:t>  itr+=1</a:t>
+            </a:r>
+            <a:endParaRPr lang="en-GB" altLang="en-US"/>
+          </a:p>
+          <a:p>
+            <a:pPr marL="0" indent="0">
+              <a:buNone/>
+            </a:pPr>
+            <a:r>
+              <a:rPr lang="en-GB" altLang="en-US"/>
+              <a:t>plt.show()</a:t>
+            </a:r>
+            <a:endParaRPr lang="en-GB" altLang="en-US"/>
+          </a:p>
+          <a:p>
+            <a:pPr marL="0" indent="0">
+              <a:buNone/>
+            </a:pPr>
+            <a:endParaRPr lang="en-GB" altLang="en-US"/>
+          </a:p>
+          <a:p>
+            <a:endParaRPr lang="en-GB" altLang="en-US"/>
+          </a:p>
           <a:p>
             <a:endParaRPr lang="en-GB" altLang="en-US"/>
           </a:p>
@@ -3981,24 +4344,6 @@
       <p:grpSpPr/>
       <p:sp>
         <p:nvSpPr>
-          <p:cNvPr id="2" name="Title 1"/>
-          <p:cNvSpPr>
-            <a:spLocks noGrp="1"/>
-          </p:cNvSpPr>
-          <p:nvPr>
-            <p:ph type="title"/>
-          </p:nvPr>
-        </p:nvSpPr>
-        <p:spPr/>
-        <p:txBody>
-          <a:bodyPr/>
-          <a:p>
-            <a:endParaRPr lang="en-GB" altLang="en-US"/>
-          </a:p>
-        </p:txBody>
-      </p:sp>
-      <p:sp>
-        <p:nvSpPr>
           <p:cNvPr id="3" name="Content Placeholder 2"/>
           <p:cNvSpPr>
             <a:spLocks noGrp="1"/>
@@ -4007,9 +4352,64 @@
             <p:ph idx="1"/>
           </p:nvPr>
         </p:nvSpPr>
-        <p:spPr/>
-        <p:txBody>
-          <a:bodyPr/>
+        <p:spPr>
+          <a:xfrm>
+            <a:off x="838200" y="395605"/>
+            <a:ext cx="10515600" cy="5781675"/>
+          </a:xfrm>
+        </p:spPr>
+        <p:txBody>
+          <a:bodyPr/>
+          <a:p>
+            <a:r>
+              <a:rPr lang="en-GB" altLang="en-US"/>
+              <a:t>I had to do pipelining for both cat_cols and num_cols.</a:t>
+            </a:r>
+            <a:endParaRPr lang="en-GB" altLang="en-US"/>
+          </a:p>
+          <a:p>
+            <a:r>
+              <a:rPr lang="en-GB" altLang="en-US"/>
+              <a:t>Before doing pipelining based on logistic regression and polynomial features i had to convert  for both the unique values Charged and fully paid of </a:t>
+            </a:r>
+            <a:r>
+              <a:rPr lang="en-GB" altLang="en-US">
+                <a:sym typeface="+mn-ea"/>
+              </a:rPr>
+              <a:t>the loan status columns as 0 and 1 for finding the net log loss of logistic regression.</a:t>
+            </a:r>
+            <a:endParaRPr lang="en-GB" altLang="en-US">
+              <a:sym typeface="+mn-ea"/>
+            </a:endParaRPr>
+          </a:p>
+          <a:p>
+            <a:r>
+              <a:rPr lang="en-GB" altLang="en-US"/>
+              <a:t>I did find out logistic regression , polynomial features degree 2 using  pipelining.</a:t>
+            </a:r>
+            <a:endParaRPr lang="en-GB" altLang="en-US"/>
+          </a:p>
+          <a:p>
+            <a:r>
+              <a:rPr lang="en-GB" altLang="en-US"/>
+              <a:t>I found out the confusion matrix, classification report and accuracy score and net log loss and true positive rate or F1 score for both </a:t>
+            </a:r>
+            <a:endParaRPr lang="en-GB" altLang="en-US"/>
+          </a:p>
+          <a:p>
+            <a:r>
+              <a:rPr lang="en-GB" altLang="en-US"/>
+              <a:t>I plotted the graph of logistic regression</a:t>
+            </a:r>
+            <a:endParaRPr lang="en-GB" altLang="en-US"/>
+          </a:p>
+          <a:p>
+            <a:r>
+              <a:rPr lang="en-GB" altLang="en-US"/>
+              <a:t>I did multi model pipelining for logistic regression, random forest classifier, decisiontree classifier, Kneighbors classifiers, and then I did grid search and hyper parameter tuning based on these 4.</a:t>
+            </a:r>
+            <a:endParaRPr lang="en-GB" altLang="en-US"/>
+          </a:p>
           <a:p>
             <a:endParaRPr lang="en-GB" altLang="en-US"/>
           </a:p>

--- a/Hackathon workshop.pptx
+++ b/Hackathon workshop.pptx
@@ -6,27 +6,18 @@
   </p:sldMasterIdLst>
   <p:sldIdLst>
     <p:sldId id="256" r:id="rId3"/>
-    <p:sldId id="257" r:id="rId4"/>
-    <p:sldId id="258" r:id="rId5"/>
-    <p:sldId id="259" r:id="rId6"/>
+    <p:sldId id="258" r:id="rId4"/>
+    <p:sldId id="259" r:id="rId5"/>
+    <p:sldId id="305" r:id="rId6"/>
     <p:sldId id="271" r:id="rId7"/>
     <p:sldId id="288" r:id="rId8"/>
-    <p:sldId id="287" r:id="rId9"/>
-    <p:sldId id="289" r:id="rId10"/>
-    <p:sldId id="272" r:id="rId11"/>
-    <p:sldId id="273" r:id="rId12"/>
-    <p:sldId id="274" r:id="rId13"/>
-    <p:sldId id="260" r:id="rId14"/>
-    <p:sldId id="261" r:id="rId15"/>
-    <p:sldId id="262" r:id="rId16"/>
-    <p:sldId id="263" r:id="rId17"/>
-    <p:sldId id="264" r:id="rId18"/>
-    <p:sldId id="265" r:id="rId19"/>
-    <p:sldId id="266" r:id="rId20"/>
-    <p:sldId id="267" r:id="rId21"/>
-    <p:sldId id="268" r:id="rId22"/>
-    <p:sldId id="269" r:id="rId23"/>
-    <p:sldId id="270" r:id="rId24"/>
+    <p:sldId id="306" r:id="rId9"/>
+    <p:sldId id="287" r:id="rId10"/>
+    <p:sldId id="257" r:id="rId11"/>
+    <p:sldId id="289" r:id="rId12"/>
+    <p:sldId id="272" r:id="rId13"/>
+    <p:sldId id="273" r:id="rId14"/>
+    <p:sldId id="270" r:id="rId15"/>
   </p:sldIdLst>
   <p:sldSz cx="12192000" cy="6858000"/>
   <p:notesSz cx="6858000" cy="9144000"/>
@@ -129,8 +120,16 @@
 </file>
 
 <file path=ppt/slideLayouts/slideLayout1.xml><?xml version="1.0" encoding="utf-8"?>
-<p:sldLayout xmlns:a="http://schemas.openxmlformats.org/drawingml/2006/main" xmlns:r="http://schemas.openxmlformats.org/officeDocument/2006/relationships" xmlns:p="http://schemas.openxmlformats.org/presentationml/2006/main" type="title" preserve="1">
+<p:sldLayout xmlns:a="http://schemas.openxmlformats.org/drawingml/2006/main" xmlns:r="http://schemas.openxmlformats.org/officeDocument/2006/relationships" xmlns:p="http://schemas.openxmlformats.org/presentationml/2006/main" type="title" preserve="1" showMasterSp="0">
   <p:cSld name="Title Slide">
+    <p:bg>
+      <p:bgPr>
+        <a:solidFill>
+          <a:schemeClr val="bg1"/>
+        </a:solidFill>
+        <a:effectLst/>
+      </p:bgPr>
+    </p:bg>
     <p:spTree>
       <p:nvGrpSpPr>
         <p:cNvPr id="1" name=""/>
@@ -145,43 +144,76 @@
           <a:chExt cx="0" cy="0"/>
         </a:xfrm>
       </p:grpSpPr>
-      <p:sp>
-        <p:nvSpPr>
-          <p:cNvPr id="2" name="Title 1"/>
-          <p:cNvSpPr>
-            <a:spLocks noGrp="1"/>
-          </p:cNvSpPr>
-          <p:nvPr>
-            <p:ph type="ctrTitle"/>
-          </p:nvPr>
-        </p:nvSpPr>
+      <p:pic>
+        <p:nvPicPr>
+          <p:cNvPr id="2050" name="Picture 2"/>
+          <p:cNvPicPr>
+            <a:picLocks noChangeAspect="1"/>
+          </p:cNvPicPr>
+          <p:nvPr/>
+        </p:nvPicPr>
+        <p:blipFill>
+          <a:blip r:embed="rId2"/>
+          <a:stretch>
+            <a:fillRect/>
+          </a:stretch>
+        </p:blipFill>
         <p:spPr>
           <a:xfrm>
-            <a:off x="1524000" y="1122363"/>
-            <a:ext cx="9144000" cy="2387600"/>
+            <a:off x="0" y="0"/>
+            <a:ext cx="12208933" cy="6858000"/>
+          </a:xfrm>
+          <a:prstGeom prst="rect">
+            <a:avLst/>
+          </a:prstGeom>
+          <a:noFill/>
+          <a:ln w="9525">
+            <a:noFill/>
+          </a:ln>
+        </p:spPr>
+      </p:pic>
+      <p:sp>
+        <p:nvSpPr>
+          <p:cNvPr id="2051" name="Rectangle 3"/>
+          <p:cNvSpPr>
+            <a:spLocks noGrp="1" noChangeArrowheads="1"/>
+          </p:cNvSpPr>
+          <p:nvPr>
+            <p:ph type="ctrTitle"/>
+          </p:nvPr>
+        </p:nvSpPr>
+        <p:spPr>
+          <a:xfrm>
+            <a:off x="624417" y="1196975"/>
+            <a:ext cx="10943167" cy="1082675"/>
           </a:xfrm>
         </p:spPr>
         <p:txBody>
-          <a:bodyPr anchor="b"/>
+          <a:bodyPr/>
           <a:lstStyle>
             <a:lvl1pPr algn="ctr">
-              <a:defRPr sz="6000"/>
+              <a:defRPr>
+                <a:solidFill>
+                  <a:schemeClr val="bg1"/>
+                </a:solidFill>
+              </a:defRPr>
             </a:lvl1pPr>
           </a:lstStyle>
           <a:p>
-            <a:r>
-              <a:rPr lang="en-US" smtClean="0"/>
+            <a:pPr lvl="0"/>
+            <a:r>
+              <a:rPr lang="en-US" altLang="zh-CN" noProof="0" smtClean="0"/>
               <a:t>Click to edit Master title style</a:t>
             </a:r>
-            <a:endParaRPr lang="en-US"/>
-          </a:p>
-        </p:txBody>
-      </p:sp>
-      <p:sp>
-        <p:nvSpPr>
-          <p:cNvPr id="3" name="Subtitle 2"/>
-          <p:cNvSpPr>
-            <a:spLocks noGrp="1"/>
+            <a:endParaRPr lang="en-US" altLang="zh-CN" noProof="0" smtClean="0"/>
+          </a:p>
+        </p:txBody>
+      </p:sp>
+      <p:sp>
+        <p:nvSpPr>
+          <p:cNvPr id="2052" name="Rectangle 4"/>
+          <p:cNvSpPr>
+            <a:spLocks noGrp="1" noChangeArrowheads="1"/>
           </p:cNvSpPr>
           <p:nvPr>
             <p:ph type="subTitle" idx="1"/>
@@ -189,73 +221,88 @@
         </p:nvSpPr>
         <p:spPr>
           <a:xfrm>
-            <a:off x="1524000" y="3602038"/>
-            <a:ext cx="9144000" cy="1655762"/>
+            <a:off x="626533" y="2422525"/>
+            <a:ext cx="10949517" cy="1752600"/>
           </a:xfrm>
         </p:spPr>
         <p:txBody>
           <a:bodyPr/>
           <a:lstStyle>
             <a:lvl1pPr marL="0" indent="0" algn="ctr">
-              <a:buNone/>
-              <a:defRPr sz="2400"/>
+              <a:buFontTx/>
+              <a:buNone/>
+              <a:defRPr>
+                <a:solidFill>
+                  <a:schemeClr val="bg1"/>
+                </a:solidFill>
+              </a:defRPr>
             </a:lvl1pPr>
-            <a:lvl2pPr marL="457200" indent="0" algn="ctr">
-              <a:buNone/>
-              <a:defRPr sz="2000"/>
-            </a:lvl2pPr>
-            <a:lvl3pPr marL="914400" indent="0" algn="ctr">
-              <a:buNone/>
-              <a:defRPr sz="1800"/>
-            </a:lvl3pPr>
-            <a:lvl4pPr marL="1371600" indent="0" algn="ctr">
-              <a:buNone/>
-              <a:defRPr sz="1600"/>
-            </a:lvl4pPr>
-            <a:lvl5pPr marL="1828800" indent="0" algn="ctr">
-              <a:buNone/>
-              <a:defRPr sz="1600"/>
-            </a:lvl5pPr>
-            <a:lvl6pPr marL="2286000" indent="0" algn="ctr">
-              <a:buNone/>
-              <a:defRPr sz="1600"/>
-            </a:lvl6pPr>
-            <a:lvl7pPr marL="2743200" indent="0" algn="ctr">
-              <a:buNone/>
-              <a:defRPr sz="1600"/>
-            </a:lvl7pPr>
-            <a:lvl8pPr marL="3200400" indent="0" algn="ctr">
-              <a:buNone/>
-              <a:defRPr sz="1600"/>
-            </a:lvl8pPr>
-            <a:lvl9pPr marL="3657600" indent="0" algn="ctr">
-              <a:buNone/>
-              <a:defRPr sz="1600"/>
-            </a:lvl9pPr>
           </a:lstStyle>
           <a:p>
-            <a:r>
-              <a:rPr lang="en-US" smtClean="0"/>
+            <a:pPr lvl="0"/>
+            <a:r>
+              <a:rPr lang="en-US" altLang="zh-CN" noProof="0" smtClean="0"/>
               <a:t>Click to edit Master subtitle style</a:t>
             </a:r>
-            <a:endParaRPr lang="en-US"/>
-          </a:p>
-        </p:txBody>
-      </p:sp>
-      <p:sp>
-        <p:nvSpPr>
-          <p:cNvPr id="4" name="Date Placeholder 3"/>
-          <p:cNvSpPr>
-            <a:spLocks noGrp="1"/>
-          </p:cNvSpPr>
-          <p:nvPr>
-            <p:ph type="dt" sz="half" idx="10"/>
-          </p:nvPr>
-        </p:nvSpPr>
-        <p:spPr/>
-        <p:txBody>
-          <a:bodyPr/>
-          <a:lstStyle/>
+            <a:endParaRPr lang="en-US" altLang="zh-CN" noProof="0" smtClean="0"/>
+          </a:p>
+        </p:txBody>
+      </p:sp>
+      <p:sp>
+        <p:nvSpPr>
+          <p:cNvPr id="9" name="Rectangle 5"/>
+          <p:cNvSpPr>
+            <a:spLocks noGrp="1" noChangeArrowheads="1"/>
+          </p:cNvSpPr>
+          <p:nvPr>
+            <p:ph type="dt" sz="half" idx="2"/>
+          </p:nvPr>
+        </p:nvSpPr>
+        <p:spPr bwMode="auto">
+          <a:xfrm>
+            <a:off x="609600" y="6245225"/>
+            <a:ext cx="2844800" cy="476250"/>
+          </a:xfrm>
+          <a:prstGeom prst="rect">
+            <a:avLst/>
+          </a:prstGeom>
+          <a:noFill/>
+          <a:extLst>
+            <a:ext uri="{909E8E84-426E-40DD-AFC4-6F175D3DCCD1}">
+              <a14:hiddenFill xmlns:a14="http://schemas.microsoft.com/office/drawing/2010/main">
+                <a:solidFill>
+                  <a:schemeClr val="accent1"/>
+                </a:solidFill>
+              </a14:hiddenFill>
+            </a:ext>
+            <a:ext uri="{91240B29-F687-4F45-9708-019B960494DF}">
+              <a14:hiddenLine xmlns:a14="http://schemas.microsoft.com/office/drawing/2010/main" w="9525">
+                <a:solidFill>
+                  <a:srgbClr val="000000"/>
+                </a:solidFill>
+                <a:miter lim="800000"/>
+                <a:headEnd/>
+                <a:tailEnd/>
+              </a14:hiddenLine>
+            </a:ext>
+            <a:ext uri="{AF507438-7753-43E0-B8FC-AC1667EBCBE1}">
+              <a14:hiddenEffects xmlns:a14="http://schemas.microsoft.com/office/drawing/2010/main">
+                <a:effectLst>
+                  <a:outerShdw dist="35921" dir="2700000" algn="ctr" rotWithShape="0">
+                    <a:schemeClr val="bg2"/>
+                  </a:outerShdw>
+                </a:effectLst>
+              </a14:hiddenEffects>
+            </a:ext>
+          </a:extLst>
+        </p:spPr>
+        <p:txBody>
+          <a:bodyPr vert="horz" wrap="square" lIns="91440" tIns="45720" rIns="91440" bIns="45720" numCol="1" anchor="t" anchorCtr="0" compatLnSpc="1"/>
+          <a:lstStyle>
+            <a:lvl1pPr>
+              <a:defRPr/>
+            </a:lvl1pPr>
+          </a:lstStyle>
           <a:p>
             <a:fld id="{63A1C593-65D0-4073-BCC9-577B9352EA97}" type="datetimeFigureOut">
               <a:rPr lang="en-US" smtClean="0"/>
@@ -266,18 +313,59 @@
       </p:sp>
       <p:sp>
         <p:nvSpPr>
-          <p:cNvPr id="5" name="Footer Placeholder 4"/>
-          <p:cNvSpPr>
-            <a:spLocks noGrp="1"/>
-          </p:cNvSpPr>
-          <p:nvPr>
-            <p:ph type="ftr" sz="quarter" idx="11"/>
-          </p:nvPr>
-        </p:nvSpPr>
-        <p:spPr/>
-        <p:txBody>
-          <a:bodyPr/>
-          <a:lstStyle/>
+          <p:cNvPr id="10" name="Rectangle 6"/>
+          <p:cNvSpPr>
+            <a:spLocks noGrp="1" noChangeArrowheads="1"/>
+          </p:cNvSpPr>
+          <p:nvPr>
+            <p:ph type="ftr" sz="quarter" idx="3"/>
+          </p:nvPr>
+        </p:nvSpPr>
+        <p:spPr bwMode="auto">
+          <a:xfrm>
+            <a:off x="4165600" y="6245225"/>
+            <a:ext cx="3860800" cy="476250"/>
+          </a:xfrm>
+          <a:prstGeom prst="rect">
+            <a:avLst/>
+          </a:prstGeom>
+          <a:noFill/>
+          <a:extLst>
+            <a:ext uri="{909E8E84-426E-40DD-AFC4-6F175D3DCCD1}">
+              <a14:hiddenFill xmlns:a14="http://schemas.microsoft.com/office/drawing/2010/main">
+                <a:solidFill>
+                  <a:schemeClr val="accent1"/>
+                </a:solidFill>
+              </a14:hiddenFill>
+            </a:ext>
+            <a:ext uri="{91240B29-F687-4F45-9708-019B960494DF}">
+              <a14:hiddenLine xmlns:a14="http://schemas.microsoft.com/office/drawing/2010/main" w="9525">
+                <a:solidFill>
+                  <a:srgbClr val="000000"/>
+                </a:solidFill>
+                <a:miter lim="800000"/>
+                <a:headEnd/>
+                <a:tailEnd/>
+              </a14:hiddenLine>
+            </a:ext>
+            <a:ext uri="{AF507438-7753-43E0-B8FC-AC1667EBCBE1}">
+              <a14:hiddenEffects xmlns:a14="http://schemas.microsoft.com/office/drawing/2010/main">
+                <a:effectLst>
+                  <a:outerShdw dist="35921" dir="2700000" algn="ctr" rotWithShape="0">
+                    <a:schemeClr val="bg2"/>
+                  </a:outerShdw>
+                </a:effectLst>
+              </a14:hiddenEffects>
+            </a:ext>
+          </a:extLst>
+        </p:spPr>
+        <p:txBody>
+          <a:bodyPr vert="horz" wrap="square" lIns="91440" tIns="45720" rIns="91440" bIns="45720" numCol="1" anchor="t" anchorCtr="0" compatLnSpc="1"/>
+          <a:lstStyle>
+            <a:lvl1pPr>
+              <a:defRPr/>
+            </a:lvl1pPr>
+          </a:lstStyle>
           <a:p>
             <a:endParaRPr lang="en-US"/>
           </a:p>
@@ -285,18 +373,59 @@
       </p:sp>
       <p:sp>
         <p:nvSpPr>
-          <p:cNvPr id="6" name="Slide Number Placeholder 5"/>
-          <p:cNvSpPr>
-            <a:spLocks noGrp="1"/>
-          </p:cNvSpPr>
-          <p:nvPr>
-            <p:ph type="sldNum" sz="quarter" idx="12"/>
-          </p:nvPr>
-        </p:nvSpPr>
-        <p:spPr/>
-        <p:txBody>
-          <a:bodyPr/>
-          <a:lstStyle/>
+          <p:cNvPr id="11" name="Rectangle 7"/>
+          <p:cNvSpPr>
+            <a:spLocks noGrp="1" noChangeArrowheads="1"/>
+          </p:cNvSpPr>
+          <p:nvPr>
+            <p:ph type="sldNum" sz="quarter" idx="4"/>
+          </p:nvPr>
+        </p:nvSpPr>
+        <p:spPr bwMode="auto">
+          <a:xfrm>
+            <a:off x="8737600" y="6245225"/>
+            <a:ext cx="2844800" cy="476250"/>
+          </a:xfrm>
+          <a:prstGeom prst="rect">
+            <a:avLst/>
+          </a:prstGeom>
+          <a:noFill/>
+          <a:extLst>
+            <a:ext uri="{909E8E84-426E-40DD-AFC4-6F175D3DCCD1}">
+              <a14:hiddenFill xmlns:a14="http://schemas.microsoft.com/office/drawing/2010/main">
+                <a:solidFill>
+                  <a:schemeClr val="accent1"/>
+                </a:solidFill>
+              </a14:hiddenFill>
+            </a:ext>
+            <a:ext uri="{91240B29-F687-4F45-9708-019B960494DF}">
+              <a14:hiddenLine xmlns:a14="http://schemas.microsoft.com/office/drawing/2010/main" w="9525">
+                <a:solidFill>
+                  <a:srgbClr val="000000"/>
+                </a:solidFill>
+                <a:miter lim="800000"/>
+                <a:headEnd/>
+                <a:tailEnd/>
+              </a14:hiddenLine>
+            </a:ext>
+            <a:ext uri="{AF507438-7753-43E0-B8FC-AC1667EBCBE1}">
+              <a14:hiddenEffects xmlns:a14="http://schemas.microsoft.com/office/drawing/2010/main">
+                <a:effectLst>
+                  <a:outerShdw dist="35921" dir="2700000" algn="ctr" rotWithShape="0">
+                    <a:schemeClr val="bg2"/>
+                  </a:outerShdw>
+                </a:effectLst>
+              </a14:hiddenEffects>
+            </a:ext>
+          </a:extLst>
+        </p:spPr>
+        <p:txBody>
+          <a:bodyPr vert="horz" wrap="square" lIns="91440" tIns="45720" rIns="91440" bIns="45720" numCol="1" anchor="t" anchorCtr="0" compatLnSpc="1"/>
+          <a:lstStyle>
+            <a:lvl1pPr>
+              <a:defRPr/>
+            </a:lvl1pPr>
+          </a:lstStyle>
           <a:p>
             <a:fld id="{9B618960-8005-486C-9A75-10CB2AAC16F9}" type="slidenum">
               <a:rPr lang="en-US" smtClean="0"/>
@@ -310,6 +439,7 @@
   <p:clrMapOvr>
     <a:masterClrMapping/>
   </p:clrMapOvr>
+  <p:hf sldNum="0" hdr="0" ftr="0" dt="0"/>
 </p:sldLayout>
 </file>
 
@@ -422,7 +552,6 @@
         <p:spPr/>
         <p:txBody>
           <a:bodyPr/>
-          <a:lstStyle/>
           <a:p>
             <a:fld id="{63A1C593-65D0-4073-BCC9-577B9352EA97}" type="datetimeFigureOut">
               <a:rPr lang="en-US" smtClean="0"/>
@@ -444,7 +573,6 @@
         <p:spPr/>
         <p:txBody>
           <a:bodyPr/>
-          <a:lstStyle/>
           <a:p>
             <a:endParaRPr lang="en-US"/>
           </a:p>
@@ -463,7 +591,6 @@
         <p:spPr/>
         <p:txBody>
           <a:bodyPr/>
-          <a:lstStyle/>
           <a:p>
             <a:fld id="{9B618960-8005-486C-9A75-10CB2AAC16F9}" type="slidenum">
               <a:rPr lang="en-US" smtClean="0"/>
@@ -477,6 +604,7 @@
   <p:clrMapOvr>
     <a:masterClrMapping/>
   </p:clrMapOvr>
+  <p:hf sldNum="0" hdr="0" ftr="0" dt="0"/>
 </p:sldLayout>
 </file>
 
@@ -509,8 +637,8 @@
         </p:nvSpPr>
         <p:spPr>
           <a:xfrm>
-            <a:off x="8724900" y="365125"/>
-            <a:ext cx="2628900" cy="5811838"/>
+            <a:off x="8839200" y="190500"/>
+            <a:ext cx="2743200" cy="5937250"/>
           </a:xfrm>
         </p:spPr>
         <p:txBody>
@@ -537,8 +665,8 @@
         </p:nvSpPr>
         <p:spPr>
           <a:xfrm>
-            <a:off x="838200" y="365125"/>
-            <a:ext cx="7734300" cy="5811838"/>
+            <a:off x="609600" y="190500"/>
+            <a:ext cx="8026400" cy="5937250"/>
           </a:xfrm>
         </p:spPr>
         <p:txBody>
@@ -599,7 +727,6 @@
         <p:spPr/>
         <p:txBody>
           <a:bodyPr/>
-          <a:lstStyle/>
           <a:p>
             <a:fld id="{63A1C593-65D0-4073-BCC9-577B9352EA97}" type="datetimeFigureOut">
               <a:rPr lang="en-US" smtClean="0"/>
@@ -621,7 +748,6 @@
         <p:spPr/>
         <p:txBody>
           <a:bodyPr/>
-          <a:lstStyle/>
           <a:p>
             <a:endParaRPr lang="en-US"/>
           </a:p>
@@ -640,7 +766,6 @@
         <p:spPr/>
         <p:txBody>
           <a:bodyPr/>
-          <a:lstStyle/>
           <a:p>
             <a:fld id="{9B618960-8005-486C-9A75-10CB2AAC16F9}" type="slidenum">
               <a:rPr lang="en-US" smtClean="0"/>
@@ -654,6 +779,7 @@
   <p:clrMapOvr>
     <a:masterClrMapping/>
   </p:clrMapOvr>
+  <p:hf sldNum="0" hdr="0" ftr="0" dt="0"/>
 </p:sldLayout>
 </file>
 
@@ -766,7 +892,6 @@
         <p:spPr/>
         <p:txBody>
           <a:bodyPr/>
-          <a:lstStyle/>
           <a:p>
             <a:fld id="{63A1C593-65D0-4073-BCC9-577B9352EA97}" type="datetimeFigureOut">
               <a:rPr lang="en-US" smtClean="0"/>
@@ -788,7 +913,6 @@
         <p:spPr/>
         <p:txBody>
           <a:bodyPr/>
-          <a:lstStyle/>
           <a:p>
             <a:endParaRPr lang="en-US"/>
           </a:p>
@@ -807,7 +931,6 @@
         <p:spPr/>
         <p:txBody>
           <a:bodyPr/>
-          <a:lstStyle/>
           <a:p>
             <a:fld id="{9B618960-8005-486C-9A75-10CB2AAC16F9}" type="slidenum">
               <a:rPr lang="en-US" smtClean="0"/>
@@ -821,6 +944,7 @@
   <p:clrMapOvr>
     <a:masterClrMapping/>
   </p:clrMapOvr>
+  <p:hf sldNum="0" hdr="0" ftr="0" dt="0"/>
 </p:sldLayout>
 </file>
 
@@ -853,7 +977,7 @@
         </p:nvSpPr>
         <p:spPr>
           <a:xfrm>
-            <a:off x="831850" y="1709738"/>
+            <a:off x="831851" y="1709738"/>
             <a:ext cx="10515600" cy="2852737"/>
           </a:xfrm>
         </p:spPr>
@@ -885,7 +1009,7 @@
         </p:nvSpPr>
         <p:spPr>
           <a:xfrm>
-            <a:off x="831850" y="4589463"/>
+            <a:off x="831851" y="4589463"/>
             <a:ext cx="10515600" cy="1500187"/>
           </a:xfrm>
         </p:spPr>
@@ -894,93 +1018,39 @@
           <a:lstStyle>
             <a:lvl1pPr marL="0" indent="0">
               <a:buNone/>
-              <a:defRPr sz="2400">
-                <a:solidFill>
-                  <a:schemeClr val="tx1">
-                    <a:tint val="75000"/>
-                  </a:schemeClr>
-                </a:solidFill>
-              </a:defRPr>
+              <a:defRPr sz="2400"/>
             </a:lvl1pPr>
             <a:lvl2pPr marL="457200" indent="0">
               <a:buNone/>
-              <a:defRPr sz="2000">
-                <a:solidFill>
-                  <a:schemeClr val="tx1">
-                    <a:tint val="75000"/>
-                  </a:schemeClr>
-                </a:solidFill>
-              </a:defRPr>
+              <a:defRPr sz="2000"/>
             </a:lvl2pPr>
             <a:lvl3pPr marL="914400" indent="0">
               <a:buNone/>
-              <a:defRPr sz="1800">
-                <a:solidFill>
-                  <a:schemeClr val="tx1">
-                    <a:tint val="75000"/>
-                  </a:schemeClr>
-                </a:solidFill>
-              </a:defRPr>
+              <a:defRPr sz="1800"/>
             </a:lvl3pPr>
             <a:lvl4pPr marL="1371600" indent="0">
               <a:buNone/>
-              <a:defRPr sz="1600">
-                <a:solidFill>
-                  <a:schemeClr val="tx1">
-                    <a:tint val="75000"/>
-                  </a:schemeClr>
-                </a:solidFill>
-              </a:defRPr>
+              <a:defRPr sz="1600"/>
             </a:lvl4pPr>
             <a:lvl5pPr marL="1828800" indent="0">
               <a:buNone/>
-              <a:defRPr sz="1600">
-                <a:solidFill>
-                  <a:schemeClr val="tx1">
-                    <a:tint val="75000"/>
-                  </a:schemeClr>
-                </a:solidFill>
-              </a:defRPr>
+              <a:defRPr sz="1600"/>
             </a:lvl5pPr>
             <a:lvl6pPr marL="2286000" indent="0">
               <a:buNone/>
-              <a:defRPr sz="1600">
-                <a:solidFill>
-                  <a:schemeClr val="tx1">
-                    <a:tint val="75000"/>
-                  </a:schemeClr>
-                </a:solidFill>
-              </a:defRPr>
+              <a:defRPr sz="1600"/>
             </a:lvl6pPr>
             <a:lvl7pPr marL="2743200" indent="0">
               <a:buNone/>
-              <a:defRPr sz="1600">
-                <a:solidFill>
-                  <a:schemeClr val="tx1">
-                    <a:tint val="75000"/>
-                  </a:schemeClr>
-                </a:solidFill>
-              </a:defRPr>
+              <a:defRPr sz="1600"/>
             </a:lvl7pPr>
             <a:lvl8pPr marL="3200400" indent="0">
               <a:buNone/>
-              <a:defRPr sz="1600">
-                <a:solidFill>
-                  <a:schemeClr val="tx1">
-                    <a:tint val="75000"/>
-                  </a:schemeClr>
-                </a:solidFill>
-              </a:defRPr>
+              <a:defRPr sz="1600"/>
             </a:lvl8pPr>
             <a:lvl9pPr marL="3657600" indent="0">
               <a:buNone/>
-              <a:defRPr sz="1600">
-                <a:solidFill>
-                  <a:schemeClr val="tx1">
-                    <a:tint val="75000"/>
-                  </a:schemeClr>
-                </a:solidFill>
-              </a:defRPr>
+              <a:defRPr sz="1600"/>
             </a:lvl9pPr>
           </a:lstStyle>
           <a:p>
@@ -1006,7 +1076,6 @@
         <p:spPr/>
         <p:txBody>
           <a:bodyPr/>
-          <a:lstStyle/>
           <a:p>
             <a:fld id="{63A1C593-65D0-4073-BCC9-577B9352EA97}" type="datetimeFigureOut">
               <a:rPr lang="en-US" smtClean="0"/>
@@ -1028,7 +1097,6 @@
         <p:spPr/>
         <p:txBody>
           <a:bodyPr/>
-          <a:lstStyle/>
           <a:p>
             <a:endParaRPr lang="en-US"/>
           </a:p>
@@ -1047,7 +1115,6 @@
         <p:spPr/>
         <p:txBody>
           <a:bodyPr/>
-          <a:lstStyle/>
           <a:p>
             <a:fld id="{9B618960-8005-486C-9A75-10CB2AAC16F9}" type="slidenum">
               <a:rPr lang="en-US" smtClean="0"/>
@@ -1061,6 +1128,7 @@
   <p:clrMapOvr>
     <a:masterClrMapping/>
   </p:clrMapOvr>
+  <p:hf sldNum="0" hdr="0" ftr="0" dt="0"/>
 </p:sldLayout>
 </file>
 
@@ -1116,8 +1184,8 @@
         </p:nvSpPr>
         <p:spPr>
           <a:xfrm>
-            <a:off x="838200" y="1825625"/>
-            <a:ext cx="5181600" cy="4351338"/>
+            <a:off x="609600" y="1174750"/>
+            <a:ext cx="5384800" cy="4953000"/>
           </a:xfrm>
         </p:spPr>
         <p:txBody>
@@ -1177,8 +1245,8 @@
         </p:nvSpPr>
         <p:spPr>
           <a:xfrm>
-            <a:off x="6172200" y="1825625"/>
-            <a:ext cx="5181600" cy="4351338"/>
+            <a:off x="6197600" y="1174750"/>
+            <a:ext cx="5384800" cy="4953000"/>
           </a:xfrm>
         </p:spPr>
         <p:txBody>
@@ -1239,7 +1307,6 @@
         <p:spPr/>
         <p:txBody>
           <a:bodyPr/>
-          <a:lstStyle/>
           <a:p>
             <a:fld id="{63A1C593-65D0-4073-BCC9-577B9352EA97}" type="datetimeFigureOut">
               <a:rPr lang="en-US" smtClean="0"/>
@@ -1261,7 +1328,6 @@
         <p:spPr/>
         <p:txBody>
           <a:bodyPr/>
-          <a:lstStyle/>
           <a:p>
             <a:endParaRPr lang="en-US"/>
           </a:p>
@@ -1280,7 +1346,6 @@
         <p:spPr/>
         <p:txBody>
           <a:bodyPr/>
-          <a:lstStyle/>
           <a:p>
             <a:fld id="{9B618960-8005-486C-9A75-10CB2AAC16F9}" type="slidenum">
               <a:rPr lang="en-US" smtClean="0"/>
@@ -1294,6 +1359,7 @@
   <p:clrMapOvr>
     <a:masterClrMapping/>
   </p:clrMapOvr>
+  <p:hf sldNum="0" hdr="0" ftr="0" dt="0"/>
 </p:sldLayout>
 </file>
 
@@ -1326,7 +1392,7 @@
         </p:nvSpPr>
         <p:spPr>
           <a:xfrm>
-            <a:off x="839788" y="365125"/>
+            <a:off x="840317" y="365125"/>
             <a:ext cx="10515600" cy="1325563"/>
           </a:xfrm>
         </p:spPr>
@@ -1354,8 +1420,8 @@
         </p:nvSpPr>
         <p:spPr>
           <a:xfrm>
-            <a:off x="839788" y="1681163"/>
-            <a:ext cx="5157787" cy="823912"/>
+            <a:off x="840317" y="1681163"/>
+            <a:ext cx="5158316" cy="823912"/>
           </a:xfrm>
         </p:spPr>
         <p:txBody>
@@ -1420,8 +1486,8 @@
         </p:nvSpPr>
         <p:spPr>
           <a:xfrm>
-            <a:off x="839788" y="2505075"/>
-            <a:ext cx="5157787" cy="3684588"/>
+            <a:off x="840317" y="2505075"/>
+            <a:ext cx="5158316" cy="3684588"/>
           </a:xfrm>
         </p:spPr>
         <p:txBody>
@@ -1482,7 +1548,7 @@
         <p:spPr>
           <a:xfrm>
             <a:off x="6172200" y="1681163"/>
-            <a:ext cx="5183188" cy="823912"/>
+            <a:ext cx="5183717" cy="823912"/>
           </a:xfrm>
         </p:spPr>
         <p:txBody>
@@ -1548,7 +1614,7 @@
         <p:spPr>
           <a:xfrm>
             <a:off x="6172200" y="2505075"/>
-            <a:ext cx="5183188" cy="3684588"/>
+            <a:ext cx="5183717" cy="3684588"/>
           </a:xfrm>
         </p:spPr>
         <p:txBody>
@@ -1609,7 +1675,6 @@
         <p:spPr/>
         <p:txBody>
           <a:bodyPr/>
-          <a:lstStyle/>
           <a:p>
             <a:fld id="{63A1C593-65D0-4073-BCC9-577B9352EA97}" type="datetimeFigureOut">
               <a:rPr lang="en-US" smtClean="0"/>
@@ -1631,7 +1696,6 @@
         <p:spPr/>
         <p:txBody>
           <a:bodyPr/>
-          <a:lstStyle/>
           <a:p>
             <a:endParaRPr lang="en-US"/>
           </a:p>
@@ -1650,7 +1714,6 @@
         <p:spPr/>
         <p:txBody>
           <a:bodyPr/>
-          <a:lstStyle/>
           <a:p>
             <a:fld id="{9B618960-8005-486C-9A75-10CB2AAC16F9}" type="slidenum">
               <a:rPr lang="en-US" smtClean="0"/>
@@ -1664,6 +1727,7 @@
   <p:clrMapOvr>
     <a:masterClrMapping/>
   </p:clrMapOvr>
+  <p:hf sldNum="0" hdr="0" ftr="0" dt="0"/>
 </p:sldLayout>
 </file>
 
@@ -1720,7 +1784,6 @@
         <p:spPr/>
         <p:txBody>
           <a:bodyPr/>
-          <a:lstStyle/>
           <a:p>
             <a:fld id="{63A1C593-65D0-4073-BCC9-577B9352EA97}" type="datetimeFigureOut">
               <a:rPr lang="en-US" smtClean="0"/>
@@ -1742,7 +1805,6 @@
         <p:spPr/>
         <p:txBody>
           <a:bodyPr/>
-          <a:lstStyle/>
           <a:p>
             <a:endParaRPr lang="en-US"/>
           </a:p>
@@ -1761,7 +1823,6 @@
         <p:spPr/>
         <p:txBody>
           <a:bodyPr/>
-          <a:lstStyle/>
           <a:p>
             <a:fld id="{9B618960-8005-486C-9A75-10CB2AAC16F9}" type="slidenum">
               <a:rPr lang="en-US" smtClean="0"/>
@@ -1775,6 +1836,7 @@
   <p:clrMapOvr>
     <a:masterClrMapping/>
   </p:clrMapOvr>
+  <p:hf sldNum="0" hdr="0" ftr="0" dt="0"/>
 </p:sldLayout>
 </file>
 
@@ -1808,7 +1870,6 @@
         <p:spPr/>
         <p:txBody>
           <a:bodyPr/>
-          <a:lstStyle/>
           <a:p>
             <a:fld id="{63A1C593-65D0-4073-BCC9-577B9352EA97}" type="datetimeFigureOut">
               <a:rPr lang="en-US" smtClean="0"/>
@@ -1830,7 +1891,6 @@
         <p:spPr/>
         <p:txBody>
           <a:bodyPr/>
-          <a:lstStyle/>
           <a:p>
             <a:endParaRPr lang="en-US"/>
           </a:p>
@@ -1849,7 +1909,6 @@
         <p:spPr/>
         <p:txBody>
           <a:bodyPr/>
-          <a:lstStyle/>
           <a:p>
             <a:fld id="{9B618960-8005-486C-9A75-10CB2AAC16F9}" type="slidenum">
               <a:rPr lang="en-US" smtClean="0"/>
@@ -1863,6 +1922,7 @@
   <p:clrMapOvr>
     <a:masterClrMapping/>
   </p:clrMapOvr>
+  <p:hf sldNum="0" hdr="0" ftr="0" dt="0"/>
 </p:sldLayout>
 </file>
 
@@ -1895,8 +1955,8 @@
         </p:nvSpPr>
         <p:spPr>
           <a:xfrm>
-            <a:off x="839788" y="457200"/>
-            <a:ext cx="3932237" cy="1600200"/>
+            <a:off x="840317" y="457200"/>
+            <a:ext cx="3932767" cy="1600200"/>
           </a:xfrm>
         </p:spPr>
         <p:txBody>
@@ -1927,7 +1987,7 @@
         </p:nvSpPr>
         <p:spPr>
           <a:xfrm>
-            <a:off x="5183188" y="987425"/>
+            <a:off x="5183717" y="987425"/>
             <a:ext cx="6172200" cy="4873625"/>
           </a:xfrm>
         </p:spPr>
@@ -2016,8 +2076,8 @@
         </p:nvSpPr>
         <p:spPr>
           <a:xfrm>
-            <a:off x="839788" y="2057400"/>
-            <a:ext cx="3932237" cy="3811588"/>
+            <a:off x="840317" y="2057400"/>
+            <a:ext cx="3932767" cy="3811588"/>
           </a:xfrm>
         </p:spPr>
         <p:txBody>
@@ -2083,7 +2143,6 @@
         <p:spPr/>
         <p:txBody>
           <a:bodyPr/>
-          <a:lstStyle/>
           <a:p>
             <a:fld id="{63A1C593-65D0-4073-BCC9-577B9352EA97}" type="datetimeFigureOut">
               <a:rPr lang="en-US" smtClean="0"/>
@@ -2105,7 +2164,6 @@
         <p:spPr/>
         <p:txBody>
           <a:bodyPr/>
-          <a:lstStyle/>
           <a:p>
             <a:endParaRPr lang="en-US"/>
           </a:p>
@@ -2124,7 +2182,6 @@
         <p:spPr/>
         <p:txBody>
           <a:bodyPr/>
-          <a:lstStyle/>
           <a:p>
             <a:fld id="{9B618960-8005-486C-9A75-10CB2AAC16F9}" type="slidenum">
               <a:rPr lang="en-US" smtClean="0"/>
@@ -2138,6 +2195,7 @@
   <p:clrMapOvr>
     <a:masterClrMapping/>
   </p:clrMapOvr>
+  <p:hf sldNum="0" hdr="0" ftr="0" dt="0"/>
 </p:sldLayout>
 </file>
 
@@ -2170,8 +2228,8 @@
         </p:nvSpPr>
         <p:spPr>
           <a:xfrm>
-            <a:off x="839788" y="457200"/>
-            <a:ext cx="3932237" cy="1600200"/>
+            <a:off x="840317" y="457200"/>
+            <a:ext cx="3932767" cy="1600200"/>
           </a:xfrm>
         </p:spPr>
         <p:txBody>
@@ -2202,76 +2260,105 @@
         </p:nvSpPr>
         <p:spPr>
           <a:xfrm>
-            <a:off x="5183188" y="987425"/>
+            <a:off x="5183717" y="987425"/>
             <a:ext cx="6172200" cy="4873625"/>
           </a:xfrm>
         </p:spPr>
         <p:txBody>
+          <a:bodyPr vert="horz" wrap="square" lIns="91440" tIns="45720" rIns="91440" bIns="45720" numCol="1" anchor="t" anchorCtr="0" compatLnSpc="1"/>
+          <a:lstStyle>
+            <a:lvl1pPr marL="0" indent="0">
+              <a:buNone/>
+              <a:defRPr sz="3200"/>
+            </a:lvl1pPr>
+            <a:lvl2pPr marL="457200" indent="0">
+              <a:buNone/>
+              <a:defRPr sz="2800"/>
+            </a:lvl2pPr>
+            <a:lvl3pPr marL="914400" indent="0">
+              <a:buNone/>
+              <a:defRPr sz="2400"/>
+            </a:lvl3pPr>
+            <a:lvl4pPr marL="1371600" indent="0">
+              <a:buNone/>
+              <a:defRPr sz="2000"/>
+            </a:lvl4pPr>
+            <a:lvl5pPr marL="1828800" indent="0">
+              <a:buNone/>
+              <a:defRPr sz="2000"/>
+            </a:lvl5pPr>
+            <a:lvl6pPr marL="2286000" indent="0">
+              <a:buNone/>
+              <a:defRPr sz="2000"/>
+            </a:lvl6pPr>
+            <a:lvl7pPr marL="2743200" indent="0">
+              <a:buNone/>
+              <a:defRPr sz="2000"/>
+            </a:lvl7pPr>
+            <a:lvl8pPr marL="3200400" indent="0">
+              <a:buNone/>
+              <a:defRPr sz="2000"/>
+            </a:lvl8pPr>
+            <a:lvl9pPr marL="3657600" indent="0">
+              <a:buNone/>
+              <a:defRPr sz="2000"/>
+            </a:lvl9pPr>
+          </a:lstStyle>
+          <a:p>
+            <a:pPr marL="0" marR="0" lvl="0" indent="0" algn="l" defTabSz="914400" rtl="0" eaLnBrk="1" fontAlgn="base" latinLnBrk="0" hangingPunct="1">
+              <a:lnSpc>
+                <a:spcPct val="100000"/>
+              </a:lnSpc>
+              <a:spcBef>
+                <a:spcPct val="20000"/>
+              </a:spcBef>
+              <a:spcAft>
+                <a:spcPct val="0"/>
+              </a:spcAft>
+              <a:buClrTx/>
+              <a:buSzTx/>
+              <a:buFontTx/>
+              <a:buNone/>
+              <a:defRPr/>
+            </a:pPr>
+            <a:endParaRPr kumimoji="0" lang="en-US" sz="3200" b="0" i="0" u="none" strike="noStrike" kern="1200" cap="none" spc="0" normalizeH="0" baseline="0" noProof="0" smtClean="0">
+              <a:ln>
+                <a:noFill/>
+              </a:ln>
+              <a:solidFill>
+                <a:schemeClr val="tx1"/>
+              </a:solidFill>
+              <a:effectLst/>
+              <a:uLnTx/>
+              <a:uFillTx/>
+              <a:latin typeface="+mn-lt"/>
+              <a:ea typeface="+mn-ea"/>
+              <a:cs typeface="+mn-cs"/>
+            </a:endParaRPr>
+          </a:p>
+        </p:txBody>
+      </p:sp>
+      <p:sp>
+        <p:nvSpPr>
+          <p:cNvPr id="4" name="Text Placeholder 3"/>
+          <p:cNvSpPr>
+            <a:spLocks noGrp="1"/>
+          </p:cNvSpPr>
+          <p:nvPr>
+            <p:ph type="body" sz="half" idx="2"/>
+          </p:nvPr>
+        </p:nvSpPr>
+        <p:spPr>
+          <a:xfrm>
+            <a:off x="840317" y="2057400"/>
+            <a:ext cx="3932767" cy="3811588"/>
+          </a:xfrm>
+        </p:spPr>
+        <p:txBody>
           <a:bodyPr/>
           <a:lstStyle>
             <a:lvl1pPr marL="0" indent="0">
               <a:buNone/>
-              <a:defRPr sz="3200"/>
-            </a:lvl1pPr>
-            <a:lvl2pPr marL="457200" indent="0">
-              <a:buNone/>
-              <a:defRPr sz="2800"/>
-            </a:lvl2pPr>
-            <a:lvl3pPr marL="914400" indent="0">
-              <a:buNone/>
-              <a:defRPr sz="2400"/>
-            </a:lvl3pPr>
-            <a:lvl4pPr marL="1371600" indent="0">
-              <a:buNone/>
-              <a:defRPr sz="2000"/>
-            </a:lvl4pPr>
-            <a:lvl5pPr marL="1828800" indent="0">
-              <a:buNone/>
-              <a:defRPr sz="2000"/>
-            </a:lvl5pPr>
-            <a:lvl6pPr marL="2286000" indent="0">
-              <a:buNone/>
-              <a:defRPr sz="2000"/>
-            </a:lvl6pPr>
-            <a:lvl7pPr marL="2743200" indent="0">
-              <a:buNone/>
-              <a:defRPr sz="2000"/>
-            </a:lvl7pPr>
-            <a:lvl8pPr marL="3200400" indent="0">
-              <a:buNone/>
-              <a:defRPr sz="2000"/>
-            </a:lvl8pPr>
-            <a:lvl9pPr marL="3657600" indent="0">
-              <a:buNone/>
-              <a:defRPr sz="2000"/>
-            </a:lvl9pPr>
-          </a:lstStyle>
-          <a:p>
-            <a:endParaRPr lang="en-US"/>
-          </a:p>
-        </p:txBody>
-      </p:sp>
-      <p:sp>
-        <p:nvSpPr>
-          <p:cNvPr id="4" name="Text Placeholder 3"/>
-          <p:cNvSpPr>
-            <a:spLocks noGrp="1"/>
-          </p:cNvSpPr>
-          <p:nvPr>
-            <p:ph type="body" sz="half" idx="2"/>
-          </p:nvPr>
-        </p:nvSpPr>
-        <p:spPr>
-          <a:xfrm>
-            <a:off x="839788" y="2057400"/>
-            <a:ext cx="3932237" cy="3811588"/>
-          </a:xfrm>
-        </p:spPr>
-        <p:txBody>
-          <a:bodyPr/>
-          <a:lstStyle>
-            <a:lvl1pPr marL="0" indent="0">
-              <a:buNone/>
               <a:defRPr sz="1600"/>
             </a:lvl1pPr>
             <a:lvl2pPr marL="457200" indent="0">
@@ -2330,7 +2417,6 @@
         <p:spPr/>
         <p:txBody>
           <a:bodyPr/>
-          <a:lstStyle/>
           <a:p>
             <a:fld id="{63A1C593-65D0-4073-BCC9-577B9352EA97}" type="datetimeFigureOut">
               <a:rPr lang="en-US" smtClean="0"/>
@@ -2352,7 +2438,6 @@
         <p:spPr/>
         <p:txBody>
           <a:bodyPr/>
-          <a:lstStyle/>
           <a:p>
             <a:endParaRPr lang="en-US"/>
           </a:p>
@@ -2371,7 +2456,6 @@
         <p:spPr/>
         <p:txBody>
           <a:bodyPr/>
-          <a:lstStyle/>
           <a:p>
             <a:fld id="{9B618960-8005-486C-9A75-10CB2AAC16F9}" type="slidenum">
               <a:rPr lang="en-US" smtClean="0"/>
@@ -2385,6 +2469,7 @@
   <p:clrMapOvr>
     <a:masterClrMapping/>
   </p:clrMapOvr>
+  <p:hf sldNum="0" hdr="0" ftr="0" dt="0"/>
 </p:sldLayout>
 </file>
 
@@ -2392,9 +2477,12 @@
 <p:sldMaster xmlns:a="http://schemas.openxmlformats.org/drawingml/2006/main" xmlns:r="http://schemas.openxmlformats.org/officeDocument/2006/relationships" xmlns:p="http://schemas.openxmlformats.org/presentationml/2006/main">
   <p:cSld>
     <p:bg>
-      <p:bgRef idx="1001">
-        <a:schemeClr val="bg1"/>
-      </p:bgRef>
+      <p:bgPr>
+        <a:solidFill>
+          <a:schemeClr val="bg1"/>
+        </a:solidFill>
+        <a:effectLst/>
+      </p:bgPr>
     </p:bg>
     <p:spTree>
       <p:nvGrpSpPr>
@@ -2402,220 +2490,325 @@
         <p:cNvGrpSpPr/>
         <p:nvPr/>
       </p:nvGrpSpPr>
-      <p:grpSpPr>
-        <a:xfrm>
-          <a:off x="0" y="0"/>
-          <a:ext cx="0" cy="0"/>
-          <a:chOff x="0" y="0"/>
-          <a:chExt cx="0" cy="0"/>
-        </a:xfrm>
-      </p:grpSpPr>
-      <p:sp>
-        <p:nvSpPr>
-          <p:cNvPr id="2" name="Title Placeholder 1"/>
-          <p:cNvSpPr>
-            <a:spLocks noGrp="1"/>
-          </p:cNvSpPr>
-          <p:nvPr>
-            <p:ph type="title"/>
-          </p:nvPr>
-        </p:nvSpPr>
+      <p:grpSpPr/>
+      <p:pic>
+        <p:nvPicPr>
+          <p:cNvPr id="1026" name="Picture 9"/>
+          <p:cNvPicPr>
+            <a:picLocks noChangeAspect="1"/>
+          </p:cNvPicPr>
+          <p:nvPr/>
+        </p:nvPicPr>
+        <p:blipFill>
+          <a:blip r:embed="rId12"/>
+          <a:stretch>
+            <a:fillRect/>
+          </a:stretch>
+        </p:blipFill>
         <p:spPr>
           <a:xfrm>
-            <a:off x="838200" y="365125"/>
-            <a:ext cx="10515600" cy="1325563"/>
+            <a:off x="0" y="0"/>
+            <a:ext cx="12208933" cy="6858000"/>
           </a:xfrm>
           <a:prstGeom prst="rect">
             <a:avLst/>
           </a:prstGeom>
+          <a:noFill/>
+          <a:ln w="9525">
+            <a:noFill/>
+          </a:ln>
         </p:spPr>
-        <p:txBody>
-          <a:bodyPr vert="horz" lIns="91440" tIns="45720" rIns="91440" bIns="45720" rtlCol="0" anchor="ctr">
-            <a:normAutofit/>
-          </a:bodyPr>
-          <a:lstStyle/>
-          <a:p>
-            <a:r>
-              <a:rPr lang="en-US" smtClean="0"/>
-              <a:t>Click to edit Master title style</a:t>
-            </a:r>
-            <a:endParaRPr lang="en-US"/>
-          </a:p>
-        </p:txBody>
-      </p:sp>
-      <p:sp>
-        <p:nvSpPr>
-          <p:cNvPr id="3" name="Text Placeholder 2"/>
-          <p:cNvSpPr>
-            <a:spLocks noGrp="1"/>
-          </p:cNvSpPr>
-          <p:nvPr>
-            <p:ph type="body" idx="1"/>
+      </p:pic>
+      <p:sp>
+        <p:nvSpPr>
+          <p:cNvPr id="1027" name="Rectangle 3"/>
+          <p:cNvSpPr>
+            <a:spLocks noGrp="1"/>
+          </p:cNvSpPr>
+          <p:nvPr>
+            <p:ph type="title"/>
           </p:nvPr>
         </p:nvSpPr>
         <p:spPr>
           <a:xfrm>
-            <a:off x="838200" y="1825625"/>
-            <a:ext cx="10515600" cy="4351338"/>
+            <a:off x="609600" y="190500"/>
+            <a:ext cx="10972800" cy="582613"/>
           </a:xfrm>
           <a:prstGeom prst="rect">
             <a:avLst/>
           </a:prstGeom>
+          <a:noFill/>
+          <a:ln w="9525">
+            <a:noFill/>
+          </a:ln>
         </p:spPr>
         <p:txBody>
-          <a:bodyPr vert="horz" lIns="91440" tIns="45720" rIns="91440" bIns="45720" rtlCol="0">
-            <a:normAutofit/>
-          </a:bodyPr>
-          <a:lstStyle/>
+          <a:bodyPr anchor="ctr" anchorCtr="0"/>
           <a:p>
             <a:pPr lvl="0"/>
             <a:r>
-              <a:rPr lang="en-US" smtClean="0"/>
-              <a:t>Click to edit Master text styles</a:t>
-            </a:r>
-            <a:endParaRPr lang="en-US" smtClean="0"/>
-          </a:p>
-          <a:p>
-            <a:pPr lvl="1"/>
-            <a:r>
-              <a:rPr lang="en-US" smtClean="0"/>
-              <a:t>Second level</a:t>
-            </a:r>
-            <a:endParaRPr lang="en-US" smtClean="0"/>
-          </a:p>
-          <a:p>
-            <a:pPr lvl="2"/>
-            <a:r>
-              <a:rPr lang="en-US" smtClean="0"/>
-              <a:t>Third level</a:t>
-            </a:r>
-            <a:endParaRPr lang="en-US" smtClean="0"/>
-          </a:p>
-          <a:p>
-            <a:pPr lvl="3"/>
-            <a:r>
-              <a:rPr lang="en-US" smtClean="0"/>
-              <a:t>Fourth level</a:t>
-            </a:r>
-            <a:endParaRPr lang="en-US" smtClean="0"/>
-          </a:p>
-          <a:p>
-            <a:pPr lvl="4"/>
-            <a:r>
-              <a:rPr lang="en-US" smtClean="0"/>
-              <a:t>Fifth level</a:t>
-            </a:r>
-            <a:endParaRPr lang="en-US"/>
-          </a:p>
-        </p:txBody>
-      </p:sp>
-      <p:sp>
-        <p:nvSpPr>
-          <p:cNvPr id="4" name="Date Placeholder 3"/>
-          <p:cNvSpPr>
-            <a:spLocks noGrp="1"/>
-          </p:cNvSpPr>
-          <p:nvPr>
-            <p:ph type="dt" sz="half" idx="2"/>
+              <a:rPr lang="en-US" altLang="zh-CN" dirty="0"/>
+              <a:t>Click to edit Master title style</a:t>
+            </a:r>
+            <a:endParaRPr lang="en-US" altLang="zh-CN" dirty="0"/>
+          </a:p>
+        </p:txBody>
+      </p:sp>
+      <p:sp>
+        <p:nvSpPr>
+          <p:cNvPr id="1028" name="Rectangle 4"/>
+          <p:cNvSpPr>
+            <a:spLocks noGrp="1"/>
+          </p:cNvSpPr>
+          <p:nvPr>
+            <p:ph type="body" idx="1"/>
           </p:nvPr>
         </p:nvSpPr>
         <p:spPr>
           <a:xfrm>
-            <a:off x="838200" y="6356350"/>
-            <a:ext cx="2743200" cy="365125"/>
+            <a:off x="609600" y="1174750"/>
+            <a:ext cx="10972800" cy="4953000"/>
           </a:xfrm>
           <a:prstGeom prst="rect">
             <a:avLst/>
           </a:prstGeom>
+          <a:noFill/>
+          <a:ln w="9525">
+            <a:noFill/>
+          </a:ln>
         </p:spPr>
         <p:txBody>
-          <a:bodyPr vert="horz" lIns="91440" tIns="45720" rIns="91440" bIns="45720" rtlCol="0" anchor="ctr"/>
-          <a:lstStyle>
-            <a:lvl1pPr algn="l">
-              <a:defRPr sz="1200">
-                <a:solidFill>
-                  <a:schemeClr val="tx1">
-                    <a:tint val="75000"/>
-                  </a:schemeClr>
-                </a:solidFill>
-              </a:defRPr>
-            </a:lvl1pPr>
-          </a:lstStyle>
-          <a:p>
-            <a:fld id="{63A1C593-65D0-4073-BCC9-577B9352EA97}" type="datetimeFigureOut">
-              <a:rPr lang="en-US" smtClean="0"/>
-            </a:fld>
-            <a:endParaRPr lang="en-US"/>
-          </a:p>
-        </p:txBody>
-      </p:sp>
-      <p:sp>
-        <p:nvSpPr>
-          <p:cNvPr id="5" name="Footer Placeholder 4"/>
-          <p:cNvSpPr>
-            <a:spLocks noGrp="1"/>
-          </p:cNvSpPr>
-          <p:nvPr>
-            <p:ph type="ftr" sz="quarter" idx="3"/>
-          </p:nvPr>
-        </p:nvSpPr>
-        <p:spPr>
+          <a:bodyPr/>
+          <a:p>
+            <a:pPr lvl="0"/>
+            <a:r>
+              <a:rPr lang="en-US" altLang="zh-CN" dirty="0"/>
+              <a:t>Click to edit Master text styles</a:t>
+            </a:r>
+            <a:endParaRPr lang="en-US" altLang="zh-CN" dirty="0"/>
+          </a:p>
+          <a:p>
+            <a:pPr lvl="1"/>
+            <a:r>
+              <a:rPr lang="en-US" altLang="zh-CN" dirty="0"/>
+              <a:t>Second level</a:t>
+            </a:r>
+            <a:endParaRPr lang="en-US" altLang="zh-CN" dirty="0"/>
+          </a:p>
+          <a:p>
+            <a:pPr lvl="2"/>
+            <a:r>
+              <a:rPr lang="en-US" altLang="zh-CN" dirty="0"/>
+              <a:t>Third level</a:t>
+            </a:r>
+            <a:endParaRPr lang="en-US" altLang="zh-CN" dirty="0"/>
+          </a:p>
+          <a:p>
+            <a:pPr lvl="3"/>
+            <a:r>
+              <a:rPr lang="en-US" altLang="zh-CN" dirty="0"/>
+              <a:t>Fourth level</a:t>
+            </a:r>
+            <a:endParaRPr lang="en-US" altLang="zh-CN" dirty="0"/>
+          </a:p>
+          <a:p>
+            <a:pPr lvl="4"/>
+            <a:r>
+              <a:rPr lang="en-US" altLang="zh-CN" dirty="0"/>
+              <a:t>Fifth level</a:t>
+            </a:r>
+            <a:endParaRPr lang="en-US" altLang="zh-CN" dirty="0"/>
+          </a:p>
+        </p:txBody>
+      </p:sp>
+      <p:sp>
+        <p:nvSpPr>
+          <p:cNvPr id="1029" name="Rectangle 5"/>
+          <p:cNvSpPr>
+            <a:spLocks noGrp="1" noChangeArrowheads="1"/>
+          </p:cNvSpPr>
+          <p:nvPr>
+            <p:ph type="dt" sz="half" idx="2"/>
+          </p:nvPr>
+        </p:nvSpPr>
+        <p:spPr bwMode="auto">
           <a:xfrm>
-            <a:off x="4038600" y="6356350"/>
-            <a:ext cx="4114800" cy="365125"/>
+            <a:off x="609600" y="6245225"/>
+            <a:ext cx="2844800" cy="476250"/>
           </a:xfrm>
           <a:prstGeom prst="rect">
             <a:avLst/>
           </a:prstGeom>
+          <a:noFill/>
+          <a:ln>
+            <a:noFill/>
+          </a:ln>
+          <a:effectLst/>
+          <a:extLst>
+            <a:ext uri="{909E8E84-426E-40DD-AFC4-6F175D3DCCD1}">
+              <a14:hiddenFill xmlns:a14="http://schemas.microsoft.com/office/drawing/2010/main">
+                <a:solidFill>
+                  <a:schemeClr val="accent1"/>
+                </a:solidFill>
+              </a14:hiddenFill>
+            </a:ext>
+            <a:ext uri="{91240B29-F687-4F45-9708-019B960494DF}">
+              <a14:hiddenLine xmlns:a14="http://schemas.microsoft.com/office/drawing/2010/main" w="9525">
+                <a:solidFill>
+                  <a:srgbClr val="000000"/>
+                </a:solidFill>
+                <a:miter lim="800000"/>
+                <a:headEnd/>
+                <a:tailEnd/>
+              </a14:hiddenLine>
+            </a:ext>
+            <a:ext uri="{AF507438-7753-43E0-B8FC-AC1667EBCBE1}">
+              <a14:hiddenEffects xmlns:a14="http://schemas.microsoft.com/office/drawing/2010/main">
+                <a:effectLst>
+                  <a:outerShdw dist="35921" dir="2700000" algn="ctr" rotWithShape="0">
+                    <a:schemeClr val="bg2"/>
+                  </a:outerShdw>
+                </a:effectLst>
+              </a14:hiddenEffects>
+            </a:ext>
+          </a:extLst>
         </p:spPr>
         <p:txBody>
-          <a:bodyPr vert="horz" lIns="91440" tIns="45720" rIns="91440" bIns="45720" rtlCol="0" anchor="ctr"/>
+          <a:bodyPr vert="horz" wrap="square" lIns="91440" tIns="45720" rIns="91440" bIns="45720" numCol="1" anchor="t" anchorCtr="0" compatLnSpc="1"/>
           <a:lstStyle>
-            <a:lvl1pPr algn="ctr">
-              <a:defRPr sz="1200">
-                <a:solidFill>
-                  <a:schemeClr val="tx1">
-                    <a:tint val="75000"/>
-                  </a:schemeClr>
-                </a:solidFill>
-              </a:defRPr>
+            <a:lvl1pPr>
+              <a:defRPr sz="1400"/>
             </a:lvl1pPr>
           </a:lstStyle>
           <a:p>
+            <a:fld id="{63A1C593-65D0-4073-BCC9-577B9352EA97}" type="datetimeFigureOut">
+              <a:rPr lang="en-US" smtClean="0"/>
+            </a:fld>
             <a:endParaRPr lang="en-US"/>
           </a:p>
         </p:txBody>
       </p:sp>
       <p:sp>
         <p:nvSpPr>
-          <p:cNvPr id="6" name="Slide Number Placeholder 5"/>
-          <p:cNvSpPr>
-            <a:spLocks noGrp="1"/>
-          </p:cNvSpPr>
-          <p:nvPr>
-            <p:ph type="sldNum" sz="quarter" idx="4"/>
-          </p:nvPr>
-        </p:nvSpPr>
-        <p:spPr>
+          <p:cNvPr id="1030" name="Rectangle 6"/>
+          <p:cNvSpPr>
+            <a:spLocks noGrp="1" noChangeArrowheads="1"/>
+          </p:cNvSpPr>
+          <p:nvPr>
+            <p:ph type="ftr" sz="quarter" idx="3"/>
+          </p:nvPr>
+        </p:nvSpPr>
+        <p:spPr bwMode="auto">
           <a:xfrm>
-            <a:off x="8610600" y="6356350"/>
-            <a:ext cx="2743200" cy="365125"/>
+            <a:off x="4165600" y="6245225"/>
+            <a:ext cx="3860800" cy="476250"/>
           </a:xfrm>
           <a:prstGeom prst="rect">
             <a:avLst/>
           </a:prstGeom>
+          <a:noFill/>
+          <a:ln>
+            <a:noFill/>
+          </a:ln>
+          <a:effectLst/>
+          <a:extLst>
+            <a:ext uri="{909E8E84-426E-40DD-AFC4-6F175D3DCCD1}">
+              <a14:hiddenFill xmlns:a14="http://schemas.microsoft.com/office/drawing/2010/main">
+                <a:solidFill>
+                  <a:schemeClr val="accent1"/>
+                </a:solidFill>
+              </a14:hiddenFill>
+            </a:ext>
+            <a:ext uri="{91240B29-F687-4F45-9708-019B960494DF}">
+              <a14:hiddenLine xmlns:a14="http://schemas.microsoft.com/office/drawing/2010/main" w="9525">
+                <a:solidFill>
+                  <a:srgbClr val="000000"/>
+                </a:solidFill>
+                <a:miter lim="800000"/>
+                <a:headEnd/>
+                <a:tailEnd/>
+              </a14:hiddenLine>
+            </a:ext>
+            <a:ext uri="{AF507438-7753-43E0-B8FC-AC1667EBCBE1}">
+              <a14:hiddenEffects xmlns:a14="http://schemas.microsoft.com/office/drawing/2010/main">
+                <a:effectLst>
+                  <a:outerShdw dist="35921" dir="2700000" algn="ctr" rotWithShape="0">
+                    <a:schemeClr val="bg2"/>
+                  </a:outerShdw>
+                </a:effectLst>
+              </a14:hiddenEffects>
+            </a:ext>
+          </a:extLst>
         </p:spPr>
         <p:txBody>
-          <a:bodyPr vert="horz" lIns="91440" tIns="45720" rIns="91440" bIns="45720" rtlCol="0" anchor="ctr"/>
+          <a:bodyPr vert="horz" wrap="square" lIns="91440" tIns="45720" rIns="91440" bIns="45720" numCol="1" anchor="t" anchorCtr="0" compatLnSpc="1"/>
+          <a:lstStyle>
+            <a:lvl1pPr algn="ctr">
+              <a:defRPr sz="1400"/>
+            </a:lvl1pPr>
+          </a:lstStyle>
+          <a:p>
+            <a:endParaRPr lang="en-US"/>
+          </a:p>
+        </p:txBody>
+      </p:sp>
+      <p:sp>
+        <p:nvSpPr>
+          <p:cNvPr id="1031" name="Rectangle 7"/>
+          <p:cNvSpPr>
+            <a:spLocks noGrp="1" noChangeArrowheads="1"/>
+          </p:cNvSpPr>
+          <p:nvPr>
+            <p:ph type="sldNum" sz="quarter" idx="4"/>
+          </p:nvPr>
+        </p:nvSpPr>
+        <p:spPr bwMode="auto">
+          <a:xfrm>
+            <a:off x="8737600" y="6245225"/>
+            <a:ext cx="2844800" cy="476250"/>
+          </a:xfrm>
+          <a:prstGeom prst="rect">
+            <a:avLst/>
+          </a:prstGeom>
+          <a:noFill/>
+          <a:ln>
+            <a:noFill/>
+          </a:ln>
+          <a:effectLst/>
+          <a:extLst>
+            <a:ext uri="{909E8E84-426E-40DD-AFC4-6F175D3DCCD1}">
+              <a14:hiddenFill xmlns:a14="http://schemas.microsoft.com/office/drawing/2010/main">
+                <a:solidFill>
+                  <a:schemeClr val="accent1"/>
+                </a:solidFill>
+              </a14:hiddenFill>
+            </a:ext>
+            <a:ext uri="{91240B29-F687-4F45-9708-019B960494DF}">
+              <a14:hiddenLine xmlns:a14="http://schemas.microsoft.com/office/drawing/2010/main" w="9525">
+                <a:solidFill>
+                  <a:srgbClr val="000000"/>
+                </a:solidFill>
+                <a:miter lim="800000"/>
+                <a:headEnd/>
+                <a:tailEnd/>
+              </a14:hiddenLine>
+            </a:ext>
+            <a:ext uri="{AF507438-7753-43E0-B8FC-AC1667EBCBE1}">
+              <a14:hiddenEffects xmlns:a14="http://schemas.microsoft.com/office/drawing/2010/main">
+                <a:effectLst>
+                  <a:outerShdw dist="35921" dir="2700000" algn="ctr" rotWithShape="0">
+                    <a:schemeClr val="bg2"/>
+                  </a:outerShdw>
+                </a:effectLst>
+              </a14:hiddenEffects>
+            </a:ext>
+          </a:extLst>
+        </p:spPr>
+        <p:txBody>
+          <a:bodyPr vert="horz" wrap="square" lIns="91440" tIns="45720" rIns="91440" bIns="45720" numCol="1" anchor="t" anchorCtr="0" compatLnSpc="1"/>
           <a:lstStyle>
             <a:lvl1pPr algn="r">
-              <a:defRPr sz="1200">
-                <a:solidFill>
-                  <a:schemeClr val="tx1">
-                    <a:tint val="75000"/>
-                  </a:schemeClr>
-                </a:solidFill>
-              </a:defRPr>
+              <a:defRPr sz="1400"/>
             </a:lvl1pPr>
           </a:lstStyle>
           <a:p>
@@ -2642,17 +2835,17 @@
     <p:sldLayoutId id="2147483658" r:id="rId10"/>
     <p:sldLayoutId id="2147483659" r:id="rId11"/>
   </p:sldLayoutIdLst>
+  <p:hf sldNum="0" hdr="0" ftr="0" dt="0"/>
   <p:txStyles>
     <p:titleStyle>
-      <a:lvl1pPr algn="l" defTabSz="914400" rtl="0" eaLnBrk="1" latinLnBrk="0" hangingPunct="1">
-        <a:lnSpc>
-          <a:spcPct val="90000"/>
-        </a:lnSpc>
+      <a:lvl1pPr algn="l" rtl="0" fontAlgn="base">
         <a:spcBef>
           <a:spcPct val="0"/>
         </a:spcBef>
-        <a:buNone/>
-        <a:defRPr sz="4400" kern="1200">
+        <a:spcAft>
+          <a:spcPct val="0"/>
+        </a:spcAft>
+        <a:defRPr sz="3600" kern="1200">
           <a:solidFill>
             <a:schemeClr val="tx1"/>
           </a:solidFill>
@@ -2661,17 +2854,153 @@
           <a:cs typeface="+mj-cs"/>
         </a:defRPr>
       </a:lvl1pPr>
+      <a:lvl2pPr algn="l" rtl="0" fontAlgn="base">
+        <a:spcBef>
+          <a:spcPct val="0"/>
+        </a:spcBef>
+        <a:spcAft>
+          <a:spcPct val="0"/>
+        </a:spcAft>
+        <a:defRPr sz="3600">
+          <a:solidFill>
+            <a:schemeClr val="tx1"/>
+          </a:solidFill>
+          <a:latin typeface="Arial" panose="020B0604020202020204" pitchFamily="34" charset="0"/>
+          <a:ea typeface="SimSun" panose="02010600030101010101" pitchFamily="2" charset="-122"/>
+        </a:defRPr>
+      </a:lvl2pPr>
+      <a:lvl3pPr algn="l" rtl="0" fontAlgn="base">
+        <a:spcBef>
+          <a:spcPct val="0"/>
+        </a:spcBef>
+        <a:spcAft>
+          <a:spcPct val="0"/>
+        </a:spcAft>
+        <a:defRPr sz="3600">
+          <a:solidFill>
+            <a:schemeClr val="tx1"/>
+          </a:solidFill>
+          <a:latin typeface="Arial" panose="020B0604020202020204" pitchFamily="34" charset="0"/>
+          <a:ea typeface="SimSun" panose="02010600030101010101" pitchFamily="2" charset="-122"/>
+        </a:defRPr>
+      </a:lvl3pPr>
+      <a:lvl4pPr algn="l" rtl="0" fontAlgn="base">
+        <a:spcBef>
+          <a:spcPct val="0"/>
+        </a:spcBef>
+        <a:spcAft>
+          <a:spcPct val="0"/>
+        </a:spcAft>
+        <a:defRPr sz="3600">
+          <a:solidFill>
+            <a:schemeClr val="tx1"/>
+          </a:solidFill>
+          <a:latin typeface="Arial" panose="020B0604020202020204" pitchFamily="34" charset="0"/>
+          <a:ea typeface="SimSun" panose="02010600030101010101" pitchFamily="2" charset="-122"/>
+        </a:defRPr>
+      </a:lvl4pPr>
+      <a:lvl5pPr algn="l" rtl="0" fontAlgn="base">
+        <a:spcBef>
+          <a:spcPct val="0"/>
+        </a:spcBef>
+        <a:spcAft>
+          <a:spcPct val="0"/>
+        </a:spcAft>
+        <a:defRPr sz="3600">
+          <a:solidFill>
+            <a:schemeClr val="tx1"/>
+          </a:solidFill>
+          <a:latin typeface="Arial" panose="020B0604020202020204" pitchFamily="34" charset="0"/>
+          <a:ea typeface="SimSun" panose="02010600030101010101" pitchFamily="2" charset="-122"/>
+        </a:defRPr>
+      </a:lvl5pPr>
+      <a:lvl6pPr marL="457200" algn="l" rtl="0" fontAlgn="base">
+        <a:spcBef>
+          <a:spcPct val="0"/>
+        </a:spcBef>
+        <a:spcAft>
+          <a:spcPct val="0"/>
+        </a:spcAft>
+        <a:defRPr sz="3600">
+          <a:solidFill>
+            <a:schemeClr val="tx1"/>
+          </a:solidFill>
+          <a:latin typeface="Arial" panose="020B0604020202020204" pitchFamily="34" charset="0"/>
+          <a:ea typeface="SimSun" panose="02010600030101010101" pitchFamily="2" charset="-122"/>
+        </a:defRPr>
+      </a:lvl6pPr>
+      <a:lvl7pPr marL="914400" algn="l" rtl="0" fontAlgn="base">
+        <a:spcBef>
+          <a:spcPct val="0"/>
+        </a:spcBef>
+        <a:spcAft>
+          <a:spcPct val="0"/>
+        </a:spcAft>
+        <a:defRPr sz="3600">
+          <a:solidFill>
+            <a:schemeClr val="tx1"/>
+          </a:solidFill>
+          <a:latin typeface="Arial" panose="020B0604020202020204" pitchFamily="34" charset="0"/>
+          <a:ea typeface="SimSun" panose="02010600030101010101" pitchFamily="2" charset="-122"/>
+        </a:defRPr>
+      </a:lvl7pPr>
+      <a:lvl8pPr marL="1371600" algn="l" rtl="0" fontAlgn="base">
+        <a:spcBef>
+          <a:spcPct val="0"/>
+        </a:spcBef>
+        <a:spcAft>
+          <a:spcPct val="0"/>
+        </a:spcAft>
+        <a:defRPr sz="3600">
+          <a:solidFill>
+            <a:schemeClr val="tx1"/>
+          </a:solidFill>
+          <a:latin typeface="Arial" panose="020B0604020202020204" pitchFamily="34" charset="0"/>
+          <a:ea typeface="SimSun" panose="02010600030101010101" pitchFamily="2" charset="-122"/>
+        </a:defRPr>
+      </a:lvl8pPr>
+      <a:lvl9pPr marL="1828800" algn="l" rtl="0" fontAlgn="base">
+        <a:spcBef>
+          <a:spcPct val="0"/>
+        </a:spcBef>
+        <a:spcAft>
+          <a:spcPct val="0"/>
+        </a:spcAft>
+        <a:defRPr sz="3600">
+          <a:solidFill>
+            <a:schemeClr val="tx1"/>
+          </a:solidFill>
+          <a:latin typeface="Arial" panose="020B0604020202020204" pitchFamily="34" charset="0"/>
+          <a:ea typeface="SimSun" panose="02010600030101010101" pitchFamily="2" charset="-122"/>
+        </a:defRPr>
+      </a:lvl9pPr>
     </p:titleStyle>
     <p:bodyStyle>
-      <a:lvl1pPr marL="228600" indent="-228600" algn="l" defTabSz="914400" rtl="0" eaLnBrk="1" latinLnBrk="0" hangingPunct="1">
-        <a:lnSpc>
-          <a:spcPct val="90000"/>
-        </a:lnSpc>
+      <a:lvl1pPr marL="342900" indent="-342900" algn="l" rtl="0" fontAlgn="base">
         <a:spcBef>
-          <a:spcPts val="1000"/>
+          <a:spcPct val="20000"/>
         </a:spcBef>
-        <a:buFont typeface="Arial" panose="020B0604020202020204" pitchFamily="34" charset="0"/>
+        <a:spcAft>
+          <a:spcPct val="0"/>
+        </a:spcAft>
         <a:buChar char="•"/>
+        <a:defRPr sz="3200" kern="1200">
+          <a:solidFill>
+            <a:schemeClr val="tx1"/>
+          </a:solidFill>
+          <a:latin typeface="+mn-lt"/>
+          <a:ea typeface="+mn-ea"/>
+          <a:cs typeface="+mn-cs"/>
+        </a:defRPr>
+      </a:lvl1pPr>
+      <a:lvl2pPr marL="742950" indent="-285750" algn="l" rtl="0" fontAlgn="base">
+        <a:spcBef>
+          <a:spcPct val="20000"/>
+        </a:spcBef>
+        <a:spcAft>
+          <a:spcPct val="0"/>
+        </a:spcAft>
+        <a:buChar char="–"/>
         <a:defRPr sz="2800" kern="1200">
           <a:solidFill>
             <a:schemeClr val="tx1"/>
@@ -2680,15 +3009,14 @@
           <a:ea typeface="+mn-ea"/>
           <a:cs typeface="+mn-cs"/>
         </a:defRPr>
-      </a:lvl1pPr>
-      <a:lvl2pPr marL="685800" indent="-228600" algn="l" defTabSz="914400" rtl="0" eaLnBrk="1" latinLnBrk="0" hangingPunct="1">
-        <a:lnSpc>
-          <a:spcPct val="90000"/>
-        </a:lnSpc>
+      </a:lvl2pPr>
+      <a:lvl3pPr marL="1143000" indent="-228600" algn="l" rtl="0" fontAlgn="base">
         <a:spcBef>
-          <a:spcPts val="500"/>
+          <a:spcPct val="20000"/>
         </a:spcBef>
-        <a:buFont typeface="Arial" panose="020B0604020202020204" pitchFamily="34" charset="0"/>
+        <a:spcAft>
+          <a:spcPct val="0"/>
+        </a:spcAft>
         <a:buChar char="•"/>
         <a:defRPr sz="2400" kern="1200">
           <a:solidFill>
@@ -2698,16 +3026,15 @@
           <a:ea typeface="+mn-ea"/>
           <a:cs typeface="+mn-cs"/>
         </a:defRPr>
-      </a:lvl2pPr>
-      <a:lvl3pPr marL="1143000" indent="-228600" algn="l" defTabSz="914400" rtl="0" eaLnBrk="1" latinLnBrk="0" hangingPunct="1">
-        <a:lnSpc>
-          <a:spcPct val="90000"/>
-        </a:lnSpc>
+      </a:lvl3pPr>
+      <a:lvl4pPr marL="1600200" indent="-228600" algn="l" rtl="0" fontAlgn="base">
         <a:spcBef>
-          <a:spcPts val="500"/>
+          <a:spcPct val="20000"/>
         </a:spcBef>
-        <a:buFont typeface="Arial" panose="020B0604020202020204" pitchFamily="34" charset="0"/>
-        <a:buChar char="•"/>
+        <a:spcAft>
+          <a:spcPct val="0"/>
+        </a:spcAft>
+        <a:buChar char="–"/>
         <a:defRPr sz="2000" kern="1200">
           <a:solidFill>
             <a:schemeClr val="tx1"/>
@@ -2716,35 +3043,16 @@
           <a:ea typeface="+mn-ea"/>
           <a:cs typeface="+mn-cs"/>
         </a:defRPr>
-      </a:lvl3pPr>
-      <a:lvl4pPr marL="1600200" indent="-228600" algn="l" defTabSz="914400" rtl="0" eaLnBrk="1" latinLnBrk="0" hangingPunct="1">
-        <a:lnSpc>
-          <a:spcPct val="90000"/>
-        </a:lnSpc>
+      </a:lvl4pPr>
+      <a:lvl5pPr marL="2057400" indent="-228600" algn="l" rtl="0" fontAlgn="base">
         <a:spcBef>
-          <a:spcPts val="500"/>
+          <a:spcPct val="20000"/>
         </a:spcBef>
-        <a:buFont typeface="Arial" panose="020B0604020202020204" pitchFamily="34" charset="0"/>
-        <a:buChar char="•"/>
-        <a:defRPr sz="1800" kern="1200">
-          <a:solidFill>
-            <a:schemeClr val="tx1"/>
-          </a:solidFill>
-          <a:latin typeface="+mn-lt"/>
-          <a:ea typeface="+mn-ea"/>
-          <a:cs typeface="+mn-cs"/>
-        </a:defRPr>
-      </a:lvl4pPr>
-      <a:lvl5pPr marL="2057400" indent="-228600" algn="l" defTabSz="914400" rtl="0" eaLnBrk="1" latinLnBrk="0" hangingPunct="1">
-        <a:lnSpc>
-          <a:spcPct val="90000"/>
-        </a:lnSpc>
-        <a:spcBef>
-          <a:spcPts val="500"/>
-        </a:spcBef>
-        <a:buFont typeface="Arial" panose="020B0604020202020204" pitchFamily="34" charset="0"/>
-        <a:buChar char="•"/>
-        <a:defRPr sz="1800" kern="1200">
+        <a:spcAft>
+          <a:spcPct val="0"/>
+        </a:spcAft>
+        <a:buChar char="»"/>
+        <a:defRPr sz="2000" kern="1200">
           <a:solidFill>
             <a:schemeClr val="tx1"/>
           </a:solidFill>
@@ -2979,7 +3287,12 @@
             <p:ph type="subTitle" idx="1"/>
           </p:nvPr>
         </p:nvSpPr>
-        <p:spPr/>
+        <p:spPr>
+          <a:xfrm>
+            <a:off x="626533" y="3225165"/>
+            <a:ext cx="10949517" cy="1752600"/>
+          </a:xfrm>
+        </p:spPr>
         <p:txBody>
           <a:bodyPr/>
           <a:p>
@@ -3011,24 +3324,6 @@
       <p:grpSpPr/>
       <p:sp>
         <p:nvSpPr>
-          <p:cNvPr id="2" name="Title 1"/>
-          <p:cNvSpPr>
-            <a:spLocks noGrp="1"/>
-          </p:cNvSpPr>
-          <p:nvPr>
-            <p:ph type="title"/>
-          </p:nvPr>
-        </p:nvSpPr>
-        <p:spPr/>
-        <p:txBody>
-          <a:bodyPr/>
-          <a:p>
-            <a:endParaRPr lang="en-GB" altLang="en-US"/>
-          </a:p>
-        </p:txBody>
-      </p:sp>
-      <p:sp>
-        <p:nvSpPr>
           <p:cNvPr id="3" name="Content Placeholder 2"/>
           <p:cNvSpPr>
             <a:spLocks noGrp="1"/>
@@ -3037,14 +3332,136 @@
             <p:ph idx="1"/>
           </p:nvPr>
         </p:nvSpPr>
-        <p:spPr/>
-        <p:txBody>
-          <a:bodyPr/>
-          <a:p>
-            <a:endParaRPr lang="en-GB" altLang="en-US"/>
-          </a:p>
-        </p:txBody>
-      </p:sp>
+        <p:spPr>
+          <a:xfrm>
+            <a:off x="196215" y="147955"/>
+            <a:ext cx="7379335" cy="2324735"/>
+          </a:xfrm>
+        </p:spPr>
+        <p:txBody>
+          <a:bodyPr>
+            <a:noAutofit/>
+          </a:bodyPr>
+          <a:p>
+            <a:r>
+              <a:rPr lang="en-GB" altLang="en-US" sz="1600"/>
+              <a:t>I had to do pipelining for both cat_cols and num_cols.</a:t>
+            </a:r>
+            <a:endParaRPr lang="en-GB" altLang="en-US" sz="1600"/>
+          </a:p>
+          <a:p>
+            <a:r>
+              <a:rPr lang="en-GB" altLang="en-US" sz="1600"/>
+              <a:t>Before doing pipelining based on logistic regression and polynomial features i had to convert  for both the unique values Charged and fully paid of </a:t>
+            </a:r>
+            <a:r>
+              <a:rPr lang="en-GB" altLang="en-US" sz="1600">
+                <a:sym typeface="+mn-ea"/>
+              </a:rPr>
+              <a:t>the loan status columns as 0 and 1 for finding the net log loss of logistic regression.  Also i had to do train and test split method based on this pielining.</a:t>
+            </a:r>
+            <a:endParaRPr lang="en-GB" altLang="en-US" sz="1600">
+              <a:sym typeface="+mn-ea"/>
+            </a:endParaRPr>
+          </a:p>
+          <a:p>
+            <a:r>
+              <a:rPr lang="en-GB" altLang="en-US" sz="1600"/>
+              <a:t>I did find out logistic regression , polynomial features degree 2 using  pipelining.</a:t>
+            </a:r>
+            <a:endParaRPr lang="en-GB" altLang="en-US" sz="1600"/>
+          </a:p>
+          <a:p>
+            <a:r>
+              <a:rPr lang="en-GB" altLang="en-US" sz="1600"/>
+              <a:t>I found out the confusion matrix, classification report and accuracy score and net log loss and true positive rate or F1 score for both train and test</a:t>
+            </a:r>
+            <a:endParaRPr lang="en-GB" altLang="en-US" sz="1600"/>
+          </a:p>
+          <a:p>
+            <a:r>
+              <a:rPr lang="en-GB" altLang="en-US" sz="1600"/>
+              <a:t>I plotted the graph of logistic regression and area under the charateristic curve.</a:t>
+            </a:r>
+            <a:endParaRPr lang="en-GB" altLang="en-US" sz="1600"/>
+          </a:p>
+          <a:p>
+            <a:endParaRPr lang="en-GB" altLang="en-US" sz="1600"/>
+          </a:p>
+        </p:txBody>
+      </p:sp>
+      <p:pic>
+        <p:nvPicPr>
+          <p:cNvPr id="2" name="Picture 1"/>
+          <p:cNvPicPr>
+            <a:picLocks noChangeAspect="1"/>
+          </p:cNvPicPr>
+          <p:nvPr/>
+        </p:nvPicPr>
+        <p:blipFill>
+          <a:blip r:embed="rId1"/>
+          <a:stretch>
+            <a:fillRect/>
+          </a:stretch>
+        </p:blipFill>
+        <p:spPr>
+          <a:xfrm>
+            <a:off x="342265" y="4356735"/>
+            <a:ext cx="4305300" cy="1866900"/>
+          </a:xfrm>
+          <a:prstGeom prst="rect">
+            <a:avLst/>
+          </a:prstGeom>
+        </p:spPr>
+      </p:pic>
+      <p:pic>
+        <p:nvPicPr>
+          <p:cNvPr id="4" name="Picture 3"/>
+          <p:cNvPicPr>
+            <a:picLocks noChangeAspect="1"/>
+          </p:cNvPicPr>
+          <p:nvPr/>
+        </p:nvPicPr>
+        <p:blipFill>
+          <a:blip r:embed="rId2"/>
+          <a:stretch>
+            <a:fillRect/>
+          </a:stretch>
+        </p:blipFill>
+        <p:spPr>
+          <a:xfrm>
+            <a:off x="8603615" y="494665"/>
+            <a:ext cx="3402965" cy="1820545"/>
+          </a:xfrm>
+          <a:prstGeom prst="rect">
+            <a:avLst/>
+          </a:prstGeom>
+        </p:spPr>
+      </p:pic>
+      <p:pic>
+        <p:nvPicPr>
+          <p:cNvPr id="5" name="Picture 4"/>
+          <p:cNvPicPr>
+            <a:picLocks noChangeAspect="1"/>
+          </p:cNvPicPr>
+          <p:nvPr/>
+        </p:nvPicPr>
+        <p:blipFill>
+          <a:blip r:embed="rId3"/>
+          <a:stretch>
+            <a:fillRect/>
+          </a:stretch>
+        </p:blipFill>
+        <p:spPr>
+          <a:xfrm>
+            <a:off x="6210300" y="3362960"/>
+            <a:ext cx="4842510" cy="3290570"/>
+          </a:xfrm>
+          <a:prstGeom prst="rect">
+            <a:avLst/>
+          </a:prstGeom>
+        </p:spPr>
+      </p:pic>
     </p:spTree>
   </p:cSld>
   <p:clrMapOvr>
@@ -3065,40 +3482,81 @@
       <p:grpSpPr/>
       <p:sp>
         <p:nvSpPr>
-          <p:cNvPr id="2" name="Title 1"/>
-          <p:cNvSpPr>
-            <a:spLocks noGrp="1"/>
-          </p:cNvSpPr>
-          <p:nvPr>
-            <p:ph type="title"/>
-          </p:nvPr>
-        </p:nvSpPr>
-        <p:spPr/>
+          <p:cNvPr id="3" name="Content Placeholder 2"/>
+          <p:cNvSpPr>
+            <a:spLocks noGrp="1"/>
+          </p:cNvSpPr>
+          <p:nvPr>
+            <p:ph idx="1"/>
+          </p:nvPr>
+        </p:nvSpPr>
+        <p:spPr>
+          <a:xfrm>
+            <a:off x="838200" y="468630"/>
+            <a:ext cx="10515600" cy="1462405"/>
+          </a:xfrm>
+        </p:spPr>
         <p:txBody>
           <a:bodyPr/>
           <a:p>
+            <a:r>
+              <a:rPr lang="en-GB" altLang="en-US">
+                <a:sym typeface="+mn-ea"/>
+              </a:rPr>
+              <a:t>I did multi model pipelining for logistic regression, random forest classifier, decisiontree classifier, Kneighbors classifiers, and then I did grid search and hyper parameter tuning based on these 4.</a:t>
+            </a:r>
             <a:endParaRPr lang="en-GB" altLang="en-US"/>
           </a:p>
         </p:txBody>
       </p:sp>
-      <p:sp>
-        <p:nvSpPr>
-          <p:cNvPr id="3" name="Content Placeholder 2"/>
-          <p:cNvSpPr>
-            <a:spLocks noGrp="1"/>
-          </p:cNvSpPr>
-          <p:nvPr>
-            <p:ph idx="1"/>
-          </p:nvPr>
-        </p:nvSpPr>
-        <p:spPr/>
-        <p:txBody>
-          <a:bodyPr/>
-          <a:p>
-            <a:endParaRPr lang="en-GB" altLang="en-US"/>
-          </a:p>
-        </p:txBody>
-      </p:sp>
+      <p:pic>
+        <p:nvPicPr>
+          <p:cNvPr id="4" name="Picture 3"/>
+          <p:cNvPicPr>
+            <a:picLocks noChangeAspect="1"/>
+          </p:cNvPicPr>
+          <p:nvPr/>
+        </p:nvPicPr>
+        <p:blipFill>
+          <a:blip r:embed="rId1"/>
+          <a:stretch>
+            <a:fillRect/>
+          </a:stretch>
+        </p:blipFill>
+        <p:spPr>
+          <a:xfrm>
+            <a:off x="838200" y="3331845"/>
+            <a:ext cx="4300220" cy="2760345"/>
+          </a:xfrm>
+          <a:prstGeom prst="rect">
+            <a:avLst/>
+          </a:prstGeom>
+        </p:spPr>
+      </p:pic>
+      <p:pic>
+        <p:nvPicPr>
+          <p:cNvPr id="5" name="Picture 4"/>
+          <p:cNvPicPr>
+            <a:picLocks noChangeAspect="1"/>
+          </p:cNvPicPr>
+          <p:nvPr/>
+        </p:nvPicPr>
+        <p:blipFill>
+          <a:blip r:embed="rId2"/>
+          <a:stretch>
+            <a:fillRect/>
+          </a:stretch>
+        </p:blipFill>
+        <p:spPr>
+          <a:xfrm>
+            <a:off x="5998210" y="3010535"/>
+            <a:ext cx="4732655" cy="2962910"/>
+          </a:xfrm>
+          <a:prstGeom prst="rect">
+            <a:avLst/>
+          </a:prstGeom>
+        </p:spPr>
+      </p:pic>
     </p:spTree>
   </p:cSld>
   <p:clrMapOvr>
@@ -3215,330 +3673,6 @@
 </p:sld>
 </file>
 
-<file path=ppt/slides/slide14.xml><?xml version="1.0" encoding="utf-8"?>
-<p:sld xmlns:a="http://schemas.openxmlformats.org/drawingml/2006/main" xmlns:r="http://schemas.openxmlformats.org/officeDocument/2006/relationships" xmlns:p="http://schemas.openxmlformats.org/presentationml/2006/main">
-  <p:cSld>
-    <p:spTree>
-      <p:nvGrpSpPr>
-        <p:cNvPr id="1" name=""/>
-        <p:cNvGrpSpPr/>
-        <p:nvPr/>
-      </p:nvGrpSpPr>
-      <p:grpSpPr/>
-      <p:sp>
-        <p:nvSpPr>
-          <p:cNvPr id="2" name="Title 1"/>
-          <p:cNvSpPr>
-            <a:spLocks noGrp="1"/>
-          </p:cNvSpPr>
-          <p:nvPr>
-            <p:ph type="title"/>
-          </p:nvPr>
-        </p:nvSpPr>
-        <p:spPr/>
-        <p:txBody>
-          <a:bodyPr/>
-          <a:p>
-            <a:endParaRPr lang="en-GB" altLang="en-US"/>
-          </a:p>
-        </p:txBody>
-      </p:sp>
-      <p:sp>
-        <p:nvSpPr>
-          <p:cNvPr id="3" name="Content Placeholder 2"/>
-          <p:cNvSpPr>
-            <a:spLocks noGrp="1"/>
-          </p:cNvSpPr>
-          <p:nvPr>
-            <p:ph idx="1"/>
-          </p:nvPr>
-        </p:nvSpPr>
-        <p:spPr/>
-        <p:txBody>
-          <a:bodyPr/>
-          <a:p>
-            <a:endParaRPr lang="en-GB" altLang="en-US"/>
-          </a:p>
-        </p:txBody>
-      </p:sp>
-    </p:spTree>
-  </p:cSld>
-  <p:clrMapOvr>
-    <a:masterClrMapping/>
-  </p:clrMapOvr>
-</p:sld>
-</file>
-
-<file path=ppt/slides/slide15.xml><?xml version="1.0" encoding="utf-8"?>
-<p:sld xmlns:a="http://schemas.openxmlformats.org/drawingml/2006/main" xmlns:r="http://schemas.openxmlformats.org/officeDocument/2006/relationships" xmlns:p="http://schemas.openxmlformats.org/presentationml/2006/main">
-  <p:cSld>
-    <p:spTree>
-      <p:nvGrpSpPr>
-        <p:cNvPr id="1" name=""/>
-        <p:cNvGrpSpPr/>
-        <p:nvPr/>
-      </p:nvGrpSpPr>
-      <p:grpSpPr/>
-      <p:sp>
-        <p:nvSpPr>
-          <p:cNvPr id="2" name="Title 1"/>
-          <p:cNvSpPr>
-            <a:spLocks noGrp="1"/>
-          </p:cNvSpPr>
-          <p:nvPr>
-            <p:ph type="title"/>
-          </p:nvPr>
-        </p:nvSpPr>
-        <p:spPr/>
-        <p:txBody>
-          <a:bodyPr/>
-          <a:p>
-            <a:endParaRPr lang="en-GB" altLang="en-US"/>
-          </a:p>
-        </p:txBody>
-      </p:sp>
-      <p:sp>
-        <p:nvSpPr>
-          <p:cNvPr id="3" name="Content Placeholder 2"/>
-          <p:cNvSpPr>
-            <a:spLocks noGrp="1"/>
-          </p:cNvSpPr>
-          <p:nvPr>
-            <p:ph idx="1"/>
-          </p:nvPr>
-        </p:nvSpPr>
-        <p:spPr/>
-        <p:txBody>
-          <a:bodyPr/>
-          <a:p>
-            <a:endParaRPr lang="en-GB" altLang="en-US"/>
-          </a:p>
-        </p:txBody>
-      </p:sp>
-    </p:spTree>
-  </p:cSld>
-  <p:clrMapOvr>
-    <a:masterClrMapping/>
-  </p:clrMapOvr>
-</p:sld>
-</file>
-
-<file path=ppt/slides/slide16.xml><?xml version="1.0" encoding="utf-8"?>
-<p:sld xmlns:a="http://schemas.openxmlformats.org/drawingml/2006/main" xmlns:r="http://schemas.openxmlformats.org/officeDocument/2006/relationships" xmlns:p="http://schemas.openxmlformats.org/presentationml/2006/main">
-  <p:cSld>
-    <p:spTree>
-      <p:nvGrpSpPr>
-        <p:cNvPr id="1" name=""/>
-        <p:cNvGrpSpPr/>
-        <p:nvPr/>
-      </p:nvGrpSpPr>
-      <p:grpSpPr/>
-      <p:sp>
-        <p:nvSpPr>
-          <p:cNvPr id="2" name="Title 1"/>
-          <p:cNvSpPr>
-            <a:spLocks noGrp="1"/>
-          </p:cNvSpPr>
-          <p:nvPr>
-            <p:ph type="title"/>
-          </p:nvPr>
-        </p:nvSpPr>
-        <p:spPr/>
-        <p:txBody>
-          <a:bodyPr/>
-          <a:p>
-            <a:endParaRPr lang="en-GB" altLang="en-US"/>
-          </a:p>
-        </p:txBody>
-      </p:sp>
-      <p:sp>
-        <p:nvSpPr>
-          <p:cNvPr id="3" name="Content Placeholder 2"/>
-          <p:cNvSpPr>
-            <a:spLocks noGrp="1"/>
-          </p:cNvSpPr>
-          <p:nvPr>
-            <p:ph idx="1"/>
-          </p:nvPr>
-        </p:nvSpPr>
-        <p:spPr/>
-        <p:txBody>
-          <a:bodyPr/>
-          <a:p>
-            <a:endParaRPr lang="en-GB" altLang="en-US"/>
-          </a:p>
-        </p:txBody>
-      </p:sp>
-    </p:spTree>
-  </p:cSld>
-  <p:clrMapOvr>
-    <a:masterClrMapping/>
-  </p:clrMapOvr>
-</p:sld>
-</file>
-
-<file path=ppt/slides/slide17.xml><?xml version="1.0" encoding="utf-8"?>
-<p:sld xmlns:a="http://schemas.openxmlformats.org/drawingml/2006/main" xmlns:r="http://schemas.openxmlformats.org/officeDocument/2006/relationships" xmlns:p="http://schemas.openxmlformats.org/presentationml/2006/main">
-  <p:cSld>
-    <p:spTree>
-      <p:nvGrpSpPr>
-        <p:cNvPr id="1" name=""/>
-        <p:cNvGrpSpPr/>
-        <p:nvPr/>
-      </p:nvGrpSpPr>
-      <p:grpSpPr/>
-      <p:sp>
-        <p:nvSpPr>
-          <p:cNvPr id="2" name="Title 1"/>
-          <p:cNvSpPr>
-            <a:spLocks noGrp="1"/>
-          </p:cNvSpPr>
-          <p:nvPr>
-            <p:ph type="title"/>
-          </p:nvPr>
-        </p:nvSpPr>
-        <p:spPr/>
-        <p:txBody>
-          <a:bodyPr/>
-          <a:p>
-            <a:endParaRPr lang="en-GB" altLang="en-US"/>
-          </a:p>
-        </p:txBody>
-      </p:sp>
-      <p:sp>
-        <p:nvSpPr>
-          <p:cNvPr id="3" name="Content Placeholder 2"/>
-          <p:cNvSpPr>
-            <a:spLocks noGrp="1"/>
-          </p:cNvSpPr>
-          <p:nvPr>
-            <p:ph idx="1"/>
-          </p:nvPr>
-        </p:nvSpPr>
-        <p:spPr/>
-        <p:txBody>
-          <a:bodyPr/>
-          <a:p>
-            <a:endParaRPr lang="en-GB" altLang="en-US"/>
-          </a:p>
-        </p:txBody>
-      </p:sp>
-    </p:spTree>
-  </p:cSld>
-  <p:clrMapOvr>
-    <a:masterClrMapping/>
-  </p:clrMapOvr>
-</p:sld>
-</file>
-
-<file path=ppt/slides/slide18.xml><?xml version="1.0" encoding="utf-8"?>
-<p:sld xmlns:a="http://schemas.openxmlformats.org/drawingml/2006/main" xmlns:r="http://schemas.openxmlformats.org/officeDocument/2006/relationships" xmlns:p="http://schemas.openxmlformats.org/presentationml/2006/main">
-  <p:cSld>
-    <p:spTree>
-      <p:nvGrpSpPr>
-        <p:cNvPr id="1" name=""/>
-        <p:cNvGrpSpPr/>
-        <p:nvPr/>
-      </p:nvGrpSpPr>
-      <p:grpSpPr/>
-      <p:sp>
-        <p:nvSpPr>
-          <p:cNvPr id="2" name="Title 1"/>
-          <p:cNvSpPr>
-            <a:spLocks noGrp="1"/>
-          </p:cNvSpPr>
-          <p:nvPr>
-            <p:ph type="title"/>
-          </p:nvPr>
-        </p:nvSpPr>
-        <p:spPr/>
-        <p:txBody>
-          <a:bodyPr/>
-          <a:p>
-            <a:endParaRPr lang="en-GB" altLang="en-US"/>
-          </a:p>
-        </p:txBody>
-      </p:sp>
-      <p:sp>
-        <p:nvSpPr>
-          <p:cNvPr id="3" name="Content Placeholder 2"/>
-          <p:cNvSpPr>
-            <a:spLocks noGrp="1"/>
-          </p:cNvSpPr>
-          <p:nvPr>
-            <p:ph idx="1"/>
-          </p:nvPr>
-        </p:nvSpPr>
-        <p:spPr/>
-        <p:txBody>
-          <a:bodyPr/>
-          <a:p>
-            <a:endParaRPr lang="en-GB" altLang="en-US"/>
-          </a:p>
-        </p:txBody>
-      </p:sp>
-    </p:spTree>
-  </p:cSld>
-  <p:clrMapOvr>
-    <a:masterClrMapping/>
-  </p:clrMapOvr>
-</p:sld>
-</file>
-
-<file path=ppt/slides/slide19.xml><?xml version="1.0" encoding="utf-8"?>
-<p:sld xmlns:a="http://schemas.openxmlformats.org/drawingml/2006/main" xmlns:r="http://schemas.openxmlformats.org/officeDocument/2006/relationships" xmlns:p="http://schemas.openxmlformats.org/presentationml/2006/main">
-  <p:cSld>
-    <p:spTree>
-      <p:nvGrpSpPr>
-        <p:cNvPr id="1" name=""/>
-        <p:cNvGrpSpPr/>
-        <p:nvPr/>
-      </p:nvGrpSpPr>
-      <p:grpSpPr/>
-      <p:sp>
-        <p:nvSpPr>
-          <p:cNvPr id="2" name="Title 1"/>
-          <p:cNvSpPr>
-            <a:spLocks noGrp="1"/>
-          </p:cNvSpPr>
-          <p:nvPr>
-            <p:ph type="title"/>
-          </p:nvPr>
-        </p:nvSpPr>
-        <p:spPr/>
-        <p:txBody>
-          <a:bodyPr/>
-          <a:p>
-            <a:endParaRPr lang="en-GB" altLang="en-US"/>
-          </a:p>
-        </p:txBody>
-      </p:sp>
-      <p:sp>
-        <p:nvSpPr>
-          <p:cNvPr id="3" name="Content Placeholder 2"/>
-          <p:cNvSpPr>
-            <a:spLocks noGrp="1"/>
-          </p:cNvSpPr>
-          <p:nvPr>
-            <p:ph idx="1"/>
-          </p:nvPr>
-        </p:nvSpPr>
-        <p:spPr/>
-        <p:txBody>
-          <a:bodyPr/>
-          <a:p>
-            <a:endParaRPr lang="en-GB" altLang="en-US"/>
-          </a:p>
-        </p:txBody>
-      </p:sp>
-    </p:spTree>
-  </p:cSld>
-  <p:clrMapOvr>
-    <a:masterClrMapping/>
-  </p:clrMapOvr>
-</p:sld>
-</file>
-
 <file path=ppt/slides/slide2.xml><?xml version="1.0" encoding="utf-8"?>
 <p:sld xmlns:a="http://schemas.openxmlformats.org/drawingml/2006/main" xmlns:r="http://schemas.openxmlformats.org/officeDocument/2006/relationships" xmlns:p="http://schemas.openxmlformats.org/presentationml/2006/main">
   <p:cSld>
@@ -3551,246 +3685,73 @@
       <p:grpSpPr/>
       <p:sp>
         <p:nvSpPr>
-          <p:cNvPr id="2" name="Title 1"/>
-          <p:cNvSpPr>
-            <a:spLocks noGrp="1"/>
-          </p:cNvSpPr>
-          <p:nvPr>
-            <p:ph type="title"/>
-          </p:nvPr>
-        </p:nvSpPr>
-        <p:spPr/>
+          <p:cNvPr id="3" name="Content Placeholder 2"/>
+          <p:cNvSpPr>
+            <a:spLocks noGrp="1"/>
+          </p:cNvSpPr>
+          <p:nvPr>
+            <p:ph idx="1"/>
+          </p:nvPr>
+        </p:nvSpPr>
+        <p:spPr>
+          <a:xfrm>
+            <a:off x="196215" y="264795"/>
+            <a:ext cx="10515600" cy="1623060"/>
+          </a:xfrm>
+        </p:spPr>
         <p:txBody>
           <a:bodyPr>
-            <a:normAutofit/>
+            <a:normAutofit fontScale="25000"/>
           </a:bodyPr>
           <a:p>
             <a:r>
-              <a:rPr lang="en-GB" altLang="en-US"/>
-              <a:t>	To be done for classification</a:t>
-            </a:r>
+              <a:rPr lang="en-GB" altLang="en-US" sz="13200"/>
+              <a:t>  The agenda for this project is to predict the loan_status i.ie. to find out whether the loan_status is charged and fully paid for all the rows.</a:t>
+            </a:r>
+            <a:endParaRPr lang="en-GB" altLang="en-US" sz="13200"/>
+          </a:p>
+          <a:p>
+            <a:r>
+              <a:rPr lang="en-GB" altLang="en-US" sz="13200">
+                <a:sym typeface="+mn-ea"/>
+              </a:rPr>
+              <a:t>  I used google colaboratory as the software to do the project.</a:t>
+            </a:r>
+            <a:endParaRPr lang="en-GB" altLang="en-US" sz="13200">
+              <a:sym typeface="+mn-ea"/>
+            </a:endParaRPr>
+          </a:p>
+          <a:p>
+            <a:endParaRPr lang="en-GB" altLang="en-US" sz="13200">
+              <a:sym typeface="+mn-ea"/>
+            </a:endParaRPr>
+          </a:p>
+          <a:p>
+            <a:r>
+              <a:rPr lang="en-GB" altLang="en-US" sz="13200">
+                <a:sym typeface="+mn-ea"/>
+              </a:rPr>
+              <a:t>Reference :   https://colab.research.google.com/drive/1_ymQQDt7RZNmLG8rnuRpCtvI2-AibDHL#scrollTo=62_V2xbjd5Qn</a:t>
+            </a:r>
+            <a:endParaRPr lang="en-GB" altLang="en-US" sz="13200">
+              <a:sym typeface="+mn-ea"/>
+            </a:endParaRPr>
+          </a:p>
+          <a:p>
+            <a:endParaRPr lang="en-GB" altLang="en-US">
+              <a:sym typeface="+mn-ea"/>
+            </a:endParaRPr>
+          </a:p>
+          <a:p>
+            <a:pPr marL="0" indent="0">
+              <a:buNone/>
+            </a:pPr>
             <a:endParaRPr lang="en-GB" altLang="en-US"/>
           </a:p>
-        </p:txBody>
-      </p:sp>
-      <p:sp>
-        <p:nvSpPr>
-          <p:cNvPr id="3" name="Content Placeholder 2"/>
-          <p:cNvSpPr>
-            <a:spLocks noGrp="1"/>
-          </p:cNvSpPr>
-          <p:nvPr>
-            <p:ph idx="1"/>
-          </p:nvPr>
-        </p:nvSpPr>
-        <p:spPr/>
-        <p:txBody>
-          <a:bodyPr/>
-          <a:p>
-            <a:r>
-              <a:rPr lang="en-GB" altLang="en-US"/>
-              <a:t> Supervised learning algorithms</a:t>
-            </a:r>
-            <a:endParaRPr lang="en-GB" altLang="en-US"/>
-          </a:p>
-          <a:p>
-            <a:r>
-              <a:rPr lang="en-GB" altLang="en-US"/>
-              <a:t>KNN (kd tree algorithm) </a:t>
-            </a:r>
-            <a:endParaRPr lang="en-GB" altLang="en-US"/>
-          </a:p>
-          <a:p>
-            <a:r>
-              <a:rPr lang="en-GB" altLang="en-US"/>
-              <a:t>decision tree</a:t>
-            </a:r>
-            <a:endParaRPr lang="en-GB" altLang="en-US"/>
-          </a:p>
-          <a:p>
-            <a:r>
-              <a:rPr lang="en-GB" altLang="en-US"/>
-              <a:t>random forest</a:t>
-            </a:r>
-            <a:endParaRPr lang="en-GB" altLang="en-US"/>
-          </a:p>
-          <a:p>
-            <a:r>
-              <a:rPr lang="en-GB" altLang="en-US"/>
-              <a:t>Bagging</a:t>
-            </a:r>
-            <a:endParaRPr lang="en-GB" altLang="en-US"/>
-          </a:p>
-          <a:p>
-            <a:r>
-              <a:rPr lang="en-GB" altLang="en-US"/>
-              <a:t>Boost strapping/Boosting</a:t>
-            </a:r>
-            <a:endParaRPr lang="en-GB" altLang="en-US"/>
-          </a:p>
-          <a:p>
-            <a:endParaRPr lang="en-GB" altLang="en-US"/>
-          </a:p>
-        </p:txBody>
-      </p:sp>
-    </p:spTree>
-  </p:cSld>
-  <p:clrMapOvr>
-    <a:masterClrMapping/>
-  </p:clrMapOvr>
-</p:sld>
-</file>
-
-<file path=ppt/slides/slide20.xml><?xml version="1.0" encoding="utf-8"?>
-<p:sld xmlns:a="http://schemas.openxmlformats.org/drawingml/2006/main" xmlns:r="http://schemas.openxmlformats.org/officeDocument/2006/relationships" xmlns:p="http://schemas.openxmlformats.org/presentationml/2006/main">
-  <p:cSld>
-    <p:spTree>
-      <p:nvGrpSpPr>
-        <p:cNvPr id="1" name=""/>
-        <p:cNvGrpSpPr/>
-        <p:nvPr/>
-      </p:nvGrpSpPr>
-      <p:grpSpPr/>
-      <p:sp>
-        <p:nvSpPr>
-          <p:cNvPr id="2" name="Title 1"/>
-          <p:cNvSpPr>
-            <a:spLocks noGrp="1"/>
-          </p:cNvSpPr>
-          <p:nvPr>
-            <p:ph type="title"/>
-          </p:nvPr>
-        </p:nvSpPr>
-        <p:spPr/>
-        <p:txBody>
-          <a:bodyPr/>
-          <a:p>
-            <a:endParaRPr lang="en-GB" altLang="en-US"/>
-          </a:p>
-        </p:txBody>
-      </p:sp>
-      <p:sp>
-        <p:nvSpPr>
-          <p:cNvPr id="3" name="Content Placeholder 2"/>
-          <p:cNvSpPr>
-            <a:spLocks noGrp="1"/>
-          </p:cNvSpPr>
-          <p:nvPr>
-            <p:ph idx="1"/>
-          </p:nvPr>
-        </p:nvSpPr>
-        <p:spPr/>
-        <p:txBody>
-          <a:bodyPr/>
-          <a:p>
-            <a:endParaRPr lang="en-GB" altLang="en-US"/>
-          </a:p>
-        </p:txBody>
-      </p:sp>
-    </p:spTree>
-  </p:cSld>
-  <p:clrMapOvr>
-    <a:masterClrMapping/>
-  </p:clrMapOvr>
-</p:sld>
-</file>
-
-<file path=ppt/slides/slide21.xml><?xml version="1.0" encoding="utf-8"?>
-<p:sld xmlns:a="http://schemas.openxmlformats.org/drawingml/2006/main" xmlns:r="http://schemas.openxmlformats.org/officeDocument/2006/relationships" xmlns:p="http://schemas.openxmlformats.org/presentationml/2006/main">
-  <p:cSld>
-    <p:spTree>
-      <p:nvGrpSpPr>
-        <p:cNvPr id="1" name=""/>
-        <p:cNvGrpSpPr/>
-        <p:nvPr/>
-      </p:nvGrpSpPr>
-      <p:grpSpPr/>
-      <p:sp>
-        <p:nvSpPr>
-          <p:cNvPr id="2" name="Title 1"/>
-          <p:cNvSpPr>
-            <a:spLocks noGrp="1"/>
-          </p:cNvSpPr>
-          <p:nvPr>
-            <p:ph type="title"/>
-          </p:nvPr>
-        </p:nvSpPr>
-        <p:spPr/>
-        <p:txBody>
-          <a:bodyPr/>
-          <a:p>
-            <a:endParaRPr lang="en-GB" altLang="en-US"/>
-          </a:p>
-        </p:txBody>
-      </p:sp>
-      <p:sp>
-        <p:nvSpPr>
-          <p:cNvPr id="3" name="Content Placeholder 2"/>
-          <p:cNvSpPr>
-            <a:spLocks noGrp="1"/>
-          </p:cNvSpPr>
-          <p:nvPr>
-            <p:ph idx="1"/>
-          </p:nvPr>
-        </p:nvSpPr>
-        <p:spPr/>
-        <p:txBody>
-          <a:bodyPr/>
-          <a:p>
-            <a:endParaRPr lang="en-GB" altLang="en-US"/>
-          </a:p>
-        </p:txBody>
-      </p:sp>
-    </p:spTree>
-  </p:cSld>
-  <p:clrMapOvr>
-    <a:masterClrMapping/>
-  </p:clrMapOvr>
-</p:sld>
-</file>
-
-<file path=ppt/slides/slide22.xml><?xml version="1.0" encoding="utf-8"?>
-<p:sld xmlns:a="http://schemas.openxmlformats.org/drawingml/2006/main" xmlns:r="http://schemas.openxmlformats.org/officeDocument/2006/relationships" xmlns:p="http://schemas.openxmlformats.org/presentationml/2006/main">
-  <p:cSld>
-    <p:spTree>
-      <p:nvGrpSpPr>
-        <p:cNvPr id="1" name=""/>
-        <p:cNvGrpSpPr/>
-        <p:nvPr/>
-      </p:nvGrpSpPr>
-      <p:grpSpPr/>
-      <p:sp>
-        <p:nvSpPr>
-          <p:cNvPr id="2" name="Title 1"/>
-          <p:cNvSpPr>
-            <a:spLocks noGrp="1"/>
-          </p:cNvSpPr>
-          <p:nvPr>
-            <p:ph type="title"/>
-          </p:nvPr>
-        </p:nvSpPr>
-        <p:spPr/>
-        <p:txBody>
-          <a:bodyPr/>
-          <a:p>
-            <a:endParaRPr lang="en-GB" altLang="en-US"/>
-          </a:p>
-        </p:txBody>
-      </p:sp>
-      <p:sp>
-        <p:nvSpPr>
-          <p:cNvPr id="3" name="Content Placeholder 2"/>
-          <p:cNvSpPr>
-            <a:spLocks noGrp="1"/>
-          </p:cNvSpPr>
-          <p:nvPr>
-            <p:ph idx="1"/>
-          </p:nvPr>
-        </p:nvSpPr>
-        <p:spPr/>
-        <p:txBody>
-          <a:bodyPr/>
-          <a:p>
+          <a:p>
+            <a:pPr marL="0" indent="0">
+              <a:buNone/>
+            </a:pPr>
             <a:endParaRPr lang="en-GB" altLang="en-US"/>
           </a:p>
         </p:txBody>
@@ -3815,48 +3776,141 @@
       <p:grpSpPr/>
       <p:sp>
         <p:nvSpPr>
-          <p:cNvPr id="2" name="Title 1"/>
-          <p:cNvSpPr>
-            <a:spLocks noGrp="1"/>
-          </p:cNvSpPr>
-          <p:nvPr>
-            <p:ph type="title"/>
-          </p:nvPr>
-        </p:nvSpPr>
-        <p:spPr/>
-        <p:txBody>
-          <a:bodyPr/>
+          <p:cNvPr id="3" name="Content Placeholder 2"/>
+          <p:cNvSpPr>
+            <a:spLocks noGrp="1"/>
+          </p:cNvSpPr>
+          <p:nvPr>
+            <p:ph idx="1"/>
+          </p:nvPr>
+        </p:nvSpPr>
+        <p:spPr>
+          <a:xfrm>
+            <a:off x="386080" y="362585"/>
+            <a:ext cx="6415405" cy="1902460"/>
+          </a:xfrm>
+        </p:spPr>
+        <p:txBody>
+          <a:bodyPr>
+            <a:normAutofit fontScale="50000"/>
+          </a:bodyPr>
           <a:p>
             <a:r>
               <a:rPr lang="en-GB" altLang="en-US"/>
-              <a:t>SOFTWARE USED</a:t>
+              <a:t>Data exploration is used as the 1st step of preprocessing.</a:t>
             </a:r>
             <a:endParaRPr lang="en-GB" altLang="en-US"/>
           </a:p>
-        </p:txBody>
-      </p:sp>
-      <p:sp>
-        <p:nvSpPr>
-          <p:cNvPr id="3" name="Content Placeholder 2"/>
-          <p:cNvSpPr>
-            <a:spLocks noGrp="1"/>
-          </p:cNvSpPr>
-          <p:nvPr>
-            <p:ph idx="1"/>
-          </p:nvPr>
-        </p:nvSpPr>
-        <p:spPr/>
-        <p:txBody>
-          <a:bodyPr/>
           <a:p>
             <a:r>
               <a:rPr lang="en-GB" altLang="en-US"/>
-              <a:t>I used google colab to do the file.</a:t>
+              <a:t>I used describe() and info() </a:t>
             </a:r>
             <a:endParaRPr lang="en-GB" altLang="en-US"/>
           </a:p>
-        </p:txBody>
-      </p:sp>
+          <a:p>
+            <a:r>
+              <a:rPr lang="en-GB" altLang="en-US"/>
+              <a:t>.shape command to find the no of rows and columns.</a:t>
+            </a:r>
+            <a:endParaRPr lang="en-GB" altLang="en-US"/>
+          </a:p>
+          <a:p>
+            <a:r>
+              <a:rPr lang="en-GB" altLang="en-US"/>
+              <a:t>The purpose of data exploration is to gather more details about the dataset. </a:t>
+            </a:r>
+            <a:endParaRPr lang="en-GB" altLang="en-US"/>
+          </a:p>
+          <a:p>
+            <a:pPr marL="0" indent="0">
+              <a:buNone/>
+            </a:pPr>
+            <a:endParaRPr lang="en-GB" altLang="en-US"/>
+          </a:p>
+          <a:p>
+            <a:pPr marL="0" indent="0">
+              <a:buNone/>
+            </a:pPr>
+            <a:endParaRPr lang="en-GB" altLang="en-US"/>
+          </a:p>
+          <a:p>
+            <a:endParaRPr lang="en-GB" altLang="en-US"/>
+          </a:p>
+        </p:txBody>
+      </p:sp>
+      <p:pic>
+        <p:nvPicPr>
+          <p:cNvPr id="7" name="Picture 6"/>
+          <p:cNvPicPr>
+            <a:picLocks noChangeAspect="1"/>
+          </p:cNvPicPr>
+          <p:nvPr/>
+        </p:nvPicPr>
+        <p:blipFill>
+          <a:blip r:embed="rId1"/>
+          <a:stretch>
+            <a:fillRect/>
+          </a:stretch>
+        </p:blipFill>
+        <p:spPr>
+          <a:xfrm>
+            <a:off x="691515" y="1931670"/>
+            <a:ext cx="4024630" cy="817880"/>
+          </a:xfrm>
+          <a:prstGeom prst="rect">
+            <a:avLst/>
+          </a:prstGeom>
+        </p:spPr>
+      </p:pic>
+      <p:pic>
+        <p:nvPicPr>
+          <p:cNvPr id="8" name="Picture 7"/>
+          <p:cNvPicPr>
+            <a:picLocks noChangeAspect="1"/>
+          </p:cNvPicPr>
+          <p:nvPr/>
+        </p:nvPicPr>
+        <p:blipFill>
+          <a:blip r:embed="rId2"/>
+          <a:stretch>
+            <a:fillRect/>
+          </a:stretch>
+        </p:blipFill>
+        <p:spPr>
+          <a:xfrm>
+            <a:off x="1241425" y="3129915"/>
+            <a:ext cx="3162935" cy="3495040"/>
+          </a:xfrm>
+          <a:prstGeom prst="rect">
+            <a:avLst/>
+          </a:prstGeom>
+        </p:spPr>
+      </p:pic>
+      <p:pic>
+        <p:nvPicPr>
+          <p:cNvPr id="9" name="Picture 8" descr="Screenshot 2023-10-25 174556- null values"/>
+          <p:cNvPicPr>
+            <a:picLocks noChangeAspect="1"/>
+          </p:cNvPicPr>
+          <p:nvPr/>
+        </p:nvPicPr>
+        <p:blipFill>
+          <a:blip r:embed="rId3"/>
+          <a:stretch>
+            <a:fillRect/>
+          </a:stretch>
+        </p:blipFill>
+        <p:spPr>
+          <a:xfrm>
+            <a:off x="5842635" y="2411095"/>
+            <a:ext cx="3143250" cy="4053205"/>
+          </a:xfrm>
+          <a:prstGeom prst="rect">
+            <a:avLst/>
+          </a:prstGeom>
+        </p:spPr>
+      </p:pic>
     </p:spTree>
   </p:cSld>
   <p:clrMapOvr>
@@ -3877,64 +3931,94 @@
       <p:grpSpPr/>
       <p:sp>
         <p:nvSpPr>
-          <p:cNvPr id="2" name="Title 1"/>
-          <p:cNvSpPr>
-            <a:spLocks noGrp="1"/>
-          </p:cNvSpPr>
-          <p:nvPr>
-            <p:ph type="title"/>
-          </p:nvPr>
-        </p:nvSpPr>
-        <p:spPr/>
-        <p:txBody>
-          <a:bodyPr/>
+          <p:cNvPr id="3" name="Content Placeholder 2"/>
+          <p:cNvSpPr>
+            <a:spLocks noGrp="1"/>
+          </p:cNvSpPr>
+          <p:nvPr>
+            <p:ph idx="1"/>
+          </p:nvPr>
+        </p:nvSpPr>
+        <p:spPr>
+          <a:xfrm>
+            <a:off x="560705" y="323215"/>
+            <a:ext cx="11200765" cy="1743075"/>
+          </a:xfrm>
+        </p:spPr>
+        <p:txBody>
+          <a:bodyPr>
+            <a:normAutofit fontScale="70000"/>
+          </a:bodyPr>
           <a:p>
             <a:r>
               <a:rPr lang="en-GB" altLang="en-US"/>
-              <a:t>1st step data exploration</a:t>
+              <a:t>2nd step of preprocessing is the handling of null values and duplicates.  The reason is that missing values can disturb the overall performance of the dataset. Based on the null values and duplicates we identify them by using isna() and duplicates().  These are the insights which i gathered for this project. </a:t>
             </a:r>
             <a:endParaRPr lang="en-GB" altLang="en-US"/>
           </a:p>
-        </p:txBody>
-      </p:sp>
-      <p:sp>
-        <p:nvSpPr>
-          <p:cNvPr id="3" name="Content Placeholder 2"/>
-          <p:cNvSpPr>
-            <a:spLocks noGrp="1"/>
-          </p:cNvSpPr>
-          <p:nvPr>
-            <p:ph idx="1"/>
-          </p:nvPr>
-        </p:nvSpPr>
-        <p:spPr/>
-        <p:txBody>
-          <a:bodyPr/>
           <a:p>
             <a:r>
               <a:rPr lang="en-GB" altLang="en-US"/>
-              <a:t>I used data.describe() and data .info()</a:t>
+              <a:t>insight i gathered is  the null values for some columns are present on the same rows. so we need to use the dropna to remove them. There are no duplicates.</a:t>
             </a:r>
             <a:endParaRPr lang="en-GB" altLang="en-US"/>
           </a:p>
           <a:p>
-            <a:r>
-              <a:rPr lang="en-GB" altLang="en-US"/>
-              <a:t>data.shape</a:t>
-            </a:r>
             <a:endParaRPr lang="en-GB" altLang="en-US"/>
           </a:p>
           <a:p>
-            <a:pPr marL="0" indent="0">
-              <a:buNone/>
-            </a:pPr>
             <a:endParaRPr lang="en-GB" altLang="en-US"/>
           </a:p>
-          <a:p>
-            <a:endParaRPr lang="en-GB" altLang="en-US"/>
-          </a:p>
-        </p:txBody>
-      </p:sp>
+        </p:txBody>
+      </p:sp>
+      <p:pic>
+        <p:nvPicPr>
+          <p:cNvPr id="5" name="Picture 4"/>
+          <p:cNvPicPr>
+            <a:picLocks noChangeAspect="1"/>
+          </p:cNvPicPr>
+          <p:nvPr/>
+        </p:nvPicPr>
+        <p:blipFill>
+          <a:blip r:embed="rId1"/>
+          <a:stretch>
+            <a:fillRect/>
+          </a:stretch>
+        </p:blipFill>
+        <p:spPr>
+          <a:xfrm>
+            <a:off x="528320" y="3429000"/>
+            <a:ext cx="4145915" cy="898525"/>
+          </a:xfrm>
+          <a:prstGeom prst="rect">
+            <a:avLst/>
+          </a:prstGeom>
+        </p:spPr>
+      </p:pic>
+      <p:pic>
+        <p:nvPicPr>
+          <p:cNvPr id="4" name="Picture 3"/>
+          <p:cNvPicPr>
+            <a:picLocks noChangeAspect="1"/>
+          </p:cNvPicPr>
+          <p:nvPr/>
+        </p:nvPicPr>
+        <p:blipFill>
+          <a:blip r:embed="rId2"/>
+          <a:stretch>
+            <a:fillRect/>
+          </a:stretch>
+        </p:blipFill>
+        <p:spPr>
+          <a:xfrm>
+            <a:off x="5504815" y="3241040"/>
+            <a:ext cx="6099175" cy="3383280"/>
+          </a:xfrm>
+          <a:prstGeom prst="rect">
+            <a:avLst/>
+          </a:prstGeom>
+        </p:spPr>
+      </p:pic>
     </p:spTree>
   </p:cSld>
   <p:clrMapOvr>
@@ -3965,37 +4049,28 @@
         </p:nvSpPr>
         <p:spPr>
           <a:xfrm>
-            <a:off x="838200" y="805180"/>
-            <a:ext cx="10515600" cy="5372100"/>
+            <a:off x="356870" y="805180"/>
+            <a:ext cx="10996930" cy="2147570"/>
           </a:xfrm>
         </p:spPr>
         <p:txBody>
           <a:bodyPr>
-            <a:normAutofit/>
+            <a:normAutofit fontScale="40000"/>
           </a:bodyPr>
           <a:p>
-            <a:r>
-              <a:rPr lang="en-GB" altLang="en-US">
-                <a:sym typeface="+mn-ea"/>
-              </a:rPr>
-              <a:t>2nd step  handling null values and duplicates</a:t>
+            <a:pPr marL="0" indent="0">
+              <a:buNone/>
+            </a:pPr>
+            <a:r>
+              <a:rPr lang="en-GB" altLang="en-US"/>
+              <a:t>3rd step i used text error correction to correct all the values and change the values  for easier analysing and classification of some columns and thier rows.</a:t>
             </a:r>
             <a:endParaRPr lang="en-GB" altLang="en-US"/>
           </a:p>
           <a:p>
-            <a:endParaRPr lang="en-GB" altLang="en-US"/>
-          </a:p>
-          <a:p>
             <a:r>
               <a:rPr lang="en-GB" altLang="en-US"/>
-              <a:t>3rd step i used text error correction to correct all the values and change the values </a:t>
-            </a:r>
-            <a:endParaRPr lang="en-GB" altLang="en-US"/>
-          </a:p>
-          <a:p>
-            <a:r>
-              <a:rPr lang="en-GB" altLang="en-US"/>
-              <a:t>I classified the numbers of (fico range high and low )ranges in this for mat</a:t>
+              <a:t>I classified the numbers of (fico range high and fico low range in this for mat</a:t>
             </a:r>
             <a:endParaRPr lang="en-GB" altLang="en-US"/>
           </a:p>
@@ -4045,12 +4120,36 @@
             </a:pPr>
             <a:r>
               <a:rPr lang="en-GB" altLang="en-US"/>
-              <a:t>I have deleted the columns like subgrade, purpose,emp_title and title</a:t>
+              <a:t>I have deleted the columns like subgrade, purpose,emp_title and title because t.hese columns are not essential.</a:t>
             </a:r>
             <a:endParaRPr lang="en-GB" altLang="en-US"/>
           </a:p>
         </p:txBody>
       </p:sp>
+      <p:pic>
+        <p:nvPicPr>
+          <p:cNvPr id="2" name="Picture 1"/>
+          <p:cNvPicPr>
+            <a:picLocks noChangeAspect="1"/>
+          </p:cNvPicPr>
+          <p:nvPr/>
+        </p:nvPicPr>
+        <p:blipFill>
+          <a:blip r:embed="rId1"/>
+          <a:stretch>
+            <a:fillRect/>
+          </a:stretch>
+        </p:blipFill>
+        <p:spPr>
+          <a:xfrm>
+            <a:off x="643255" y="3288665"/>
+            <a:ext cx="6177915" cy="3346450"/>
+          </a:xfrm>
+          <a:prstGeom prst="rect">
+            <a:avLst/>
+          </a:prstGeom>
+        </p:spPr>
+      </p:pic>
     </p:spTree>
   </p:cSld>
   <p:clrMapOvr>
@@ -4082,7 +4181,7 @@
         <p:spPr>
           <a:xfrm>
             <a:off x="313055" y="309245"/>
-            <a:ext cx="11638915" cy="6233160"/>
+            <a:ext cx="11638915" cy="3213735"/>
           </a:xfrm>
         </p:spPr>
         <p:txBody>
@@ -4091,40 +4190,6 @@
             <a:r>
               <a:rPr lang="en-GB" altLang="en-US"/>
               <a:t>for verification status there were 3 unique values Source verified, verified and not verified. So what i did was i converted ‘Source verified’ as verified by using replace command.</a:t>
-            </a:r>
-            <a:endParaRPr lang="en-GB" altLang="en-US"/>
-          </a:p>
-          <a:p>
-            <a:r>
-              <a:rPr lang="en-GB" altLang="en-US"/>
-              <a:t>in earliest _cr_line they have given the format as Jul-1997 so i Seperated this into 2 seperate columns like </a:t>
-            </a:r>
-            <a:r>
-              <a:rPr lang="en-GB" altLang="en-US">
-                <a:sym typeface="+mn-ea"/>
-              </a:rPr>
-              <a:t>earliest _cr_linein yrs and earliest _cr_linein mths by using commandas like .apply(lambda x:x.split()[0]) and </a:t>
-            </a:r>
-            <a:r>
-              <a:rPr lang="en-GB" altLang="en-US">
-                <a:sym typeface="+mn-ea"/>
-              </a:rPr>
-              <a:t>.apply(lambda x:x.split()[0]). I used this command even for the column term in months.</a:t>
-            </a:r>
-            <a:endParaRPr lang="en-GB" altLang="en-US">
-              <a:sym typeface="+mn-ea"/>
-            </a:endParaRPr>
-          </a:p>
-          <a:p>
-            <a:r>
-              <a:rPr lang="en-GB" altLang="en-US"/>
-              <a:t>for </a:t>
-            </a:r>
-            <a:r>
-              <a:rPr lang="en-GB" altLang="en-US">
-                <a:sym typeface="+mn-ea"/>
-              </a:rPr>
-              <a:t>earliest _cr_linein yrs i classified into 4 different groups '1951-2000', '2001-2010', '2011-2020', '1901-1950'. for better understanding and clarity.</a:t>
             </a:r>
             <a:endParaRPr lang="en-GB" altLang="en-US">
               <a:sym typeface="+mn-ea"/>
@@ -4192,138 +4257,99 @@
         </p:nvSpPr>
         <p:spPr>
           <a:xfrm>
-            <a:off x="838200" y="410845"/>
-            <a:ext cx="10515600" cy="5766435"/>
+            <a:off x="619125" y="527050"/>
+            <a:ext cx="10515600" cy="1842770"/>
           </a:xfrm>
         </p:spPr>
         <p:txBody>
           <a:bodyPr>
-            <a:normAutofit lnSpcReduction="20000"/>
+            <a:normAutofit fontScale="50000"/>
           </a:bodyPr>
           <a:p>
             <a:r>
-              <a:rPr lang="en-GB" altLang="en-US"/>
-              <a:t>I seperated the train dataset in to 2 columns number dataset and categorical dataset.</a:t>
-            </a:r>
+              <a:rPr lang="en-GB" altLang="en-US">
+                <a:sym typeface="+mn-ea"/>
+              </a:rPr>
+              <a:t>in earliest _cr_line they have given the format as Jul-1997 so i Seperated this into 2 seperate columns like </a:t>
+            </a:r>
+            <a:r>
+              <a:rPr lang="en-GB" altLang="en-US">
+                <a:sym typeface="+mn-ea"/>
+              </a:rPr>
+              <a:t>earliest _cr_linein yrs and earliest _cr_linein mths by using commandas like .apply(lambda x:x.split()[0]) and .apply(lambda x:x.split()[0]). I used this command even for the column term in months.</a:t>
+            </a:r>
+            <a:endParaRPr lang="en-GB" altLang="en-US">
+              <a:sym typeface="+mn-ea"/>
+            </a:endParaRPr>
+          </a:p>
+          <a:p>
+            <a:r>
+              <a:rPr lang="en-GB" altLang="en-US">
+                <a:sym typeface="+mn-ea"/>
+              </a:rPr>
+              <a:t>for </a:t>
+            </a:r>
+            <a:r>
+              <a:rPr lang="en-GB" altLang="en-US">
+                <a:sym typeface="+mn-ea"/>
+              </a:rPr>
+              <a:t>earliest _cr_linein yrs i classified into 4 different groups '1951-2000', '2001-2010', '2011-2020', '1901-1950'. for better understanding and clarity.</a:t>
+            </a:r>
+            <a:endParaRPr lang="en-GB" altLang="en-US">
+              <a:sym typeface="+mn-ea"/>
+            </a:endParaRPr>
+          </a:p>
+          <a:p>
+            <a:r>
+              <a:rPr lang="en-GB" altLang="en-US">
+                <a:sym typeface="+mn-ea"/>
+              </a:rPr>
+              <a:t>for emp length we have to convert the &gt;10 yrs as 10 as an integer and same for other nos ranging from 0-10.</a:t>
+            </a:r>
+            <a:endParaRPr lang="en-GB" altLang="en-US">
+              <a:sym typeface="+mn-ea"/>
+            </a:endParaRPr>
+          </a:p>
+          <a:p>
+            <a:r>
+              <a:rPr lang="en-GB" altLang="en-US">
+                <a:sym typeface="+mn-ea"/>
+              </a:rPr>
+              <a:t>we have to convert some columns like pub_rec,pub_recbankruptcies as int because it was in float. </a:t>
+            </a:r>
+            <a:endParaRPr lang="en-GB" altLang="en-US">
+              <a:sym typeface="+mn-ea"/>
+            </a:endParaRPr>
+          </a:p>
+          <a:p>
             <a:endParaRPr lang="en-GB" altLang="en-US"/>
           </a:p>
-          <a:p>
-            <a:r>
-              <a:rPr lang="en-GB" altLang="en-US"/>
-              <a:t>I did eda analysis for all the columns by using pie chart command. </a:t>
-            </a:r>
-            <a:endParaRPr lang="en-GB" altLang="en-US"/>
-          </a:p>
-          <a:p>
-            <a:pPr marL="0" indent="0">
-              <a:buNone/>
-            </a:pPr>
-            <a:r>
-              <a:rPr lang="en-GB" altLang="en-US"/>
-              <a:t>nrows=4</a:t>
-            </a:r>
-            <a:endParaRPr lang="en-GB" altLang="en-US"/>
-          </a:p>
-          <a:p>
-            <a:pPr marL="0" indent="0">
-              <a:buNone/>
-            </a:pPr>
-            <a:r>
-              <a:rPr lang="en-GB" altLang="en-US"/>
-              <a:t>ncols=4</a:t>
-            </a:r>
-            <a:endParaRPr lang="en-GB" altLang="en-US"/>
-          </a:p>
-          <a:p>
-            <a:pPr marL="0" indent="0">
-              <a:buNone/>
-            </a:pPr>
-            <a:r>
-              <a:rPr lang="en-GB" altLang="en-US"/>
-              <a:t>itr=1</a:t>
-            </a:r>
-            <a:endParaRPr lang="en-GB" altLang="en-US"/>
-          </a:p>
-          <a:p>
-            <a:pPr marL="0" indent="0">
-              <a:buNone/>
-            </a:pPr>
-            <a:r>
-              <a:rPr lang="en-GB" altLang="en-US"/>
-              <a:t>plt.figure(figsize=(15,15))</a:t>
-            </a:r>
-            <a:endParaRPr lang="en-GB" altLang="en-US"/>
-          </a:p>
-          <a:p>
-            <a:pPr marL="0" indent="0">
-              <a:buNone/>
-            </a:pPr>
-            <a:endParaRPr lang="en-GB" altLang="en-US"/>
-          </a:p>
-          <a:p>
-            <a:pPr marL="0" indent="0">
-              <a:buNone/>
-            </a:pPr>
-            <a:r>
-              <a:rPr lang="en-GB" altLang="en-US"/>
-              <a:t>for i in cat_cols:</a:t>
-            </a:r>
-            <a:endParaRPr lang="en-GB" altLang="en-US"/>
-          </a:p>
-          <a:p>
-            <a:pPr marL="0" indent="0">
-              <a:buNone/>
-            </a:pPr>
-            <a:r>
-              <a:rPr lang="en-GB" altLang="en-US"/>
-              <a:t>  plt.subplot(nrows,ncols,itr)</a:t>
-            </a:r>
-            <a:endParaRPr lang="en-GB" altLang="en-US"/>
-          </a:p>
-          <a:p>
-            <a:pPr marL="0" indent="0">
-              <a:buNone/>
-            </a:pPr>
-            <a:r>
-              <a:rPr lang="en-GB" altLang="en-US"/>
-              <a:t>  a=train[i].value_counts().plot.pie(autopct='%1.1f%%')</a:t>
-            </a:r>
-            <a:endParaRPr lang="en-GB" altLang="en-US"/>
-          </a:p>
-          <a:p>
-            <a:pPr marL="0" indent="0">
-              <a:buNone/>
-            </a:pPr>
-            <a:r>
-              <a:rPr lang="en-GB" altLang="en-US"/>
-              <a:t>  itr+=1</a:t>
-            </a:r>
-            <a:endParaRPr lang="en-GB" altLang="en-US"/>
-          </a:p>
-          <a:p>
-            <a:pPr marL="0" indent="0">
-              <a:buNone/>
-            </a:pPr>
-            <a:r>
-              <a:rPr lang="en-GB" altLang="en-US"/>
-              <a:t>plt.show()</a:t>
-            </a:r>
-            <a:endParaRPr lang="en-GB" altLang="en-US"/>
-          </a:p>
-          <a:p>
-            <a:pPr marL="0" indent="0">
-              <a:buNone/>
-            </a:pPr>
-            <a:endParaRPr lang="en-GB" altLang="en-US"/>
-          </a:p>
-          <a:p>
-            <a:endParaRPr lang="en-GB" altLang="en-US"/>
-          </a:p>
-          <a:p>
-            <a:endParaRPr lang="en-GB" altLang="en-US"/>
-          </a:p>
-        </p:txBody>
-      </p:sp>
+        </p:txBody>
+      </p:sp>
+      <p:pic>
+        <p:nvPicPr>
+          <p:cNvPr id="5" name="Picture 4"/>
+          <p:cNvPicPr>
+            <a:picLocks noChangeAspect="1"/>
+          </p:cNvPicPr>
+          <p:nvPr/>
+        </p:nvPicPr>
+        <p:blipFill>
+          <a:blip r:embed="rId1"/>
+          <a:stretch>
+            <a:fillRect/>
+          </a:stretch>
+        </p:blipFill>
+        <p:spPr>
+          <a:xfrm>
+            <a:off x="942975" y="2579370"/>
+            <a:ext cx="8380730" cy="3114040"/>
+          </a:xfrm>
+          <a:prstGeom prst="rect">
+            <a:avLst/>
+          </a:prstGeom>
+        </p:spPr>
+      </p:pic>
     </p:spTree>
   </p:cSld>
   <p:clrMapOvr>
@@ -4354,60 +4380,41 @@
         </p:nvSpPr>
         <p:spPr>
           <a:xfrm>
-            <a:off x="838200" y="395605"/>
-            <a:ext cx="10515600" cy="5781675"/>
+            <a:off x="838200" y="410845"/>
+            <a:ext cx="10515600" cy="1316355"/>
           </a:xfrm>
         </p:spPr>
         <p:txBody>
-          <a:bodyPr/>
+          <a:bodyPr>
+            <a:normAutofit fontScale="90000"/>
+          </a:bodyPr>
           <a:p>
             <a:r>
               <a:rPr lang="en-GB" altLang="en-US"/>
-              <a:t>I had to do pipelining for both cat_cols and num_cols.</a:t>
+              <a:t>I seperated the train dataset in to 2 columns number dataset and categorical dataset.</a:t>
             </a:r>
             <a:endParaRPr lang="en-GB" altLang="en-US"/>
           </a:p>
           <a:p>
             <a:r>
               <a:rPr lang="en-GB" altLang="en-US"/>
-              <a:t>Before doing pipelining based on logistic regression and polynomial features i had to convert  for both the unique values Charged and fully paid of </a:t>
-            </a:r>
-            <a:r>
-              <a:rPr lang="en-GB" altLang="en-US">
-                <a:sym typeface="+mn-ea"/>
-              </a:rPr>
-              <a:t>the loan status columns as 0 and 1 for finding the net log loss of logistic regression.</a:t>
-            </a:r>
-            <a:endParaRPr lang="en-GB" altLang="en-US">
-              <a:sym typeface="+mn-ea"/>
-            </a:endParaRPr>
-          </a:p>
-          <a:p>
-            <a:r>
-              <a:rPr lang="en-GB" altLang="en-US"/>
-              <a:t>I did find out logistic regression , polynomial features degree 2 using  pipelining.</a:t>
+              <a:t>I did eda analysis for analysing all the columns by using pie chart command. </a:t>
             </a:r>
             <a:endParaRPr lang="en-GB" altLang="en-US"/>
           </a:p>
           <a:p>
-            <a:r>
-              <a:rPr lang="en-GB" altLang="en-US"/>
-              <a:t>I found out the confusion matrix, classification report and accuracy score and net log loss and true positive rate or F1 score for both </a:t>
-            </a:r>
+            <a:pPr marL="0" indent="0">
+              <a:buNone/>
+            </a:pPr>
             <a:endParaRPr lang="en-GB" altLang="en-US"/>
           </a:p>
           <a:p>
-            <a:r>
-              <a:rPr lang="en-GB" altLang="en-US"/>
-              <a:t>I plotted the graph of logistic regression</a:t>
-            </a:r>
+            <a:pPr marL="0" indent="0">
+              <a:buNone/>
+            </a:pPr>
             <a:endParaRPr lang="en-GB" altLang="en-US"/>
           </a:p>
           <a:p>
-            <a:r>
-              <a:rPr lang="en-GB" altLang="en-US"/>
-              <a:t>I did multi model pipelining for logistic regression, random forest classifier, decisiontree classifier, Kneighbors classifiers, and then I did grid search and hyper parameter tuning based on these 4.</a:t>
-            </a:r>
             <a:endParaRPr lang="en-GB" altLang="en-US"/>
           </a:p>
           <a:p>
@@ -4415,6 +4422,30 @@
           </a:p>
         </p:txBody>
       </p:sp>
+      <p:pic>
+        <p:nvPicPr>
+          <p:cNvPr id="2" name="Picture 1"/>
+          <p:cNvPicPr>
+            <a:picLocks noChangeAspect="1"/>
+          </p:cNvPicPr>
+          <p:nvPr/>
+        </p:nvPicPr>
+        <p:blipFill>
+          <a:blip r:embed="rId1"/>
+          <a:stretch>
+            <a:fillRect/>
+          </a:stretch>
+        </p:blipFill>
+        <p:spPr>
+          <a:xfrm>
+            <a:off x="707390" y="1916430"/>
+            <a:ext cx="6663055" cy="4715510"/>
+          </a:xfrm>
+          <a:prstGeom prst="rect">
+            <a:avLst/>
+          </a:prstGeom>
+        </p:spPr>
+      </p:pic>
     </p:spTree>
   </p:cSld>
   <p:clrMapOvr>
@@ -4445,8 +4476,14 @@
         </p:nvSpPr>
         <p:spPr/>
         <p:txBody>
-          <a:bodyPr/>
-          <a:p>
+          <a:bodyPr>
+            <a:normAutofit/>
+          </a:bodyPr>
+          <a:p>
+            <a:r>
+              <a:rPr lang="en-GB" altLang="en-US"/>
+              <a:t>	To be done for classification</a:t>
+            </a:r>
             <a:endParaRPr lang="en-GB" altLang="en-US"/>
           </a:p>
         </p:txBody>
@@ -4461,9 +4498,54 @@
             <p:ph idx="1"/>
           </p:nvPr>
         </p:nvSpPr>
-        <p:spPr/>
-        <p:txBody>
-          <a:bodyPr/>
+        <p:spPr>
+          <a:xfrm>
+            <a:off x="838200" y="1825625"/>
+            <a:ext cx="10515600" cy="2352675"/>
+          </a:xfrm>
+        </p:spPr>
+        <p:txBody>
+          <a:bodyPr>
+            <a:normAutofit lnSpcReduction="20000"/>
+          </a:bodyPr>
+          <a:p>
+            <a:pPr marL="0" indent="0">
+              <a:buNone/>
+            </a:pPr>
+            <a:r>
+              <a:rPr lang="en-GB" altLang="en-US"/>
+              <a:t>Supervised learning algorithms: </a:t>
+            </a:r>
+            <a:endParaRPr lang="en-GB" altLang="en-US"/>
+          </a:p>
+          <a:p>
+            <a:r>
+              <a:rPr lang="en-GB" altLang="en-US"/>
+              <a:t>KNN (kd tree algorithm) classifier</a:t>
+            </a:r>
+            <a:endParaRPr lang="en-GB" altLang="en-US"/>
+          </a:p>
+          <a:p>
+            <a:r>
+              <a:rPr lang="en-GB" altLang="en-US"/>
+              <a:t>decision tree classifier</a:t>
+            </a:r>
+            <a:endParaRPr lang="en-GB" altLang="en-US"/>
+          </a:p>
+          <a:p>
+            <a:r>
+              <a:rPr lang="en-GB" altLang="en-US"/>
+              <a:t>random forest classifier</a:t>
+            </a:r>
+            <a:endParaRPr lang="en-GB" altLang="en-US"/>
+          </a:p>
+          <a:p>
+            <a:r>
+              <a:rPr lang="en-GB" altLang="en-US"/>
+              <a:t>logistic regression</a:t>
+            </a:r>
+            <a:endParaRPr lang="en-GB" altLang="en-US"/>
+          </a:p>
           <a:p>
             <a:endParaRPr lang="en-GB" altLang="en-US"/>
           </a:p>
@@ -4478,116 +4560,56 @@
 </file>
 
 <file path=ppt/theme/theme1.xml><?xml version="1.0" encoding="utf-8"?>
-<a:theme xmlns:a="http://schemas.openxmlformats.org/drawingml/2006/main" name="Office Theme">
+<a:theme xmlns:a="http://schemas.openxmlformats.org/drawingml/2006/main" name="Blue Waves">
   <a:themeElements>
-    <a:clrScheme name="Office">
+    <a:clrScheme name="Blue Waves 13">
       <a:dk1>
-        <a:sysClr val="windowText" lastClr="000000"/>
+        <a:srgbClr val="000000"/>
       </a:dk1>
       <a:lt1>
-        <a:sysClr val="window" lastClr="FFFFFF"/>
+        <a:srgbClr val="FFFFFF"/>
       </a:lt1>
       <a:dk2>
-        <a:srgbClr val="44546A"/>
+        <a:srgbClr val="000000"/>
       </a:dk2>
       <a:lt2>
-        <a:srgbClr val="E7E6E6"/>
+        <a:srgbClr val="969696"/>
       </a:lt2>
       <a:accent1>
-        <a:srgbClr val="5B9BD5"/>
+        <a:srgbClr val="0066CC"/>
       </a:accent1>
       <a:accent2>
-        <a:srgbClr val="ED7D31"/>
+        <a:srgbClr val="3399FF"/>
       </a:accent2>
       <a:accent3>
-        <a:srgbClr val="A5A5A5"/>
+        <a:srgbClr val="FFFFFF"/>
       </a:accent3>
       <a:accent4>
-        <a:srgbClr val="FFC000"/>
+        <a:srgbClr val="000000"/>
       </a:accent4>
       <a:accent5>
-        <a:srgbClr val="4472C4"/>
+        <a:srgbClr val="AAB8E2"/>
       </a:accent5>
       <a:accent6>
-        <a:srgbClr val="70AD47"/>
+        <a:srgbClr val="2D8AE7"/>
       </a:accent6>
       <a:hlink>
-        <a:srgbClr val="0563C1"/>
+        <a:srgbClr val="CC3300"/>
       </a:hlink>
       <a:folHlink>
-        <a:srgbClr val="954F72"/>
+        <a:srgbClr val="996600"/>
       </a:folHlink>
     </a:clrScheme>
-    <a:fontScheme name="Office">
+    <a:fontScheme name="Blue Waves">
       <a:majorFont>
-        <a:latin typeface="Calibri Light"/>
-        <a:ea typeface=""/>
+        <a:latin typeface="Arial"/>
+        <a:ea typeface="SimSun"/>
         <a:cs typeface=""/>
-        <a:font script="Jpan" typeface="ＭＳ Ｐゴシック"/>
-        <a:font script="Hang" typeface="맑은 고딕"/>
-        <a:font script="Hans" typeface="宋体"/>
-        <a:font script="Hant" typeface="新細明體"/>
-        <a:font script="Arab" typeface="Times New Roman"/>
-        <a:font script="Hebr" typeface="Times New Roman"/>
-        <a:font script="Thai" typeface="Angsana New"/>
-        <a:font script="Ethi" typeface="Nyala"/>
-        <a:font script="Beng" typeface="Vrinda"/>
-        <a:font script="Gujr" typeface="Shruti"/>
-        <a:font script="Khmr" typeface="MoolBoran"/>
-        <a:font script="Knda" typeface="Tunga"/>
-        <a:font script="Guru" typeface="Raavi"/>
-        <a:font script="Cans" typeface="Euphemia"/>
-        <a:font script="Cher" typeface="Plantagenet Cherokee"/>
-        <a:font script="Yiii" typeface="Microsoft Yi Baiti"/>
-        <a:font script="Tibt" typeface="Microsoft Himalaya"/>
-        <a:font script="Thaa" typeface="MV Boli"/>
-        <a:font script="Deva" typeface="Mangal"/>
-        <a:font script="Telu" typeface="Gautami"/>
-        <a:font script="Taml" typeface="Latha"/>
-        <a:font script="Syrc" typeface="Estrangelo Edessa"/>
-        <a:font script="Orya" typeface="Kalinga"/>
-        <a:font script="Mlym" typeface="Kartika"/>
-        <a:font script="Laoo" typeface="DokChampa"/>
-        <a:font script="Sinh" typeface="Iskoola Pota"/>
-        <a:font script="Mong" typeface="Mongolian Baiti"/>
-        <a:font script="Viet" typeface="Times New Roman"/>
-        <a:font script="Uigh" typeface="Microsoft Uighur"/>
-        <a:font script="Geor" typeface="Sylfaen"/>
       </a:majorFont>
       <a:minorFont>
-        <a:latin typeface="Calibri"/>
-        <a:ea typeface=""/>
+        <a:latin typeface="Arial"/>
+        <a:ea typeface="SimSun"/>
         <a:cs typeface=""/>
-        <a:font script="Jpan" typeface="ＭＳ Ｐゴシック"/>
-        <a:font script="Hang" typeface="맑은 고딕"/>
-        <a:font script="Hans" typeface="宋体"/>
-        <a:font script="Hant" typeface="新細明體"/>
-        <a:font script="Arab" typeface="Arial"/>
-        <a:font script="Hebr" typeface="Arial"/>
-        <a:font script="Thai" typeface="Cordia New"/>
-        <a:font script="Ethi" typeface="Nyala"/>
-        <a:font script="Beng" typeface="Vrinda"/>
-        <a:font script="Gujr" typeface="Shruti"/>
-        <a:font script="Khmr" typeface="DaunPenh"/>
-        <a:font script="Knda" typeface="Tunga"/>
-        <a:font script="Guru" typeface="Raavi"/>
-        <a:font script="Cans" typeface="Euphemia"/>
-        <a:font script="Cher" typeface="Plantagenet Cherokee"/>
-        <a:font script="Yiii" typeface="Microsoft Yi Baiti"/>
-        <a:font script="Tibt" typeface="Microsoft Himalaya"/>
-        <a:font script="Thaa" typeface="MV Boli"/>
-        <a:font script="Deva" typeface="Mangal"/>
-        <a:font script="Telu" typeface="Gautami"/>
-        <a:font script="Taml" typeface="Latha"/>
-        <a:font script="Syrc" typeface="Estrangelo Edessa"/>
-        <a:font script="Orya" typeface="Kalinga"/>
-        <a:font script="Mlym" typeface="Kartika"/>
-        <a:font script="Laoo" typeface="DokChampa"/>
-        <a:font script="Sinh" typeface="Iskoola Pota"/>
-        <a:font script="Mong" typeface="Mongolian Baiti"/>
-        <a:font script="Viet" typeface="Arial"/>
-        <a:font script="Uigh" typeface="Microsoft Uighur"/>
-        <a:font script="Geor" typeface="Sylfaen"/>
       </a:minorFont>
     </a:fontScheme>
     <a:fmtScheme name="Office">
@@ -4728,6 +4750,673 @@
       </a:bgFillStyleLst>
     </a:fmtScheme>
   </a:themeElements>
+  <a:objectDefaults>
+    <a:spDef>
+      <a:spPr bwMode="auto">
+        <a:xfrm>
+          <a:off x="0" y="0"/>
+          <a:ext cx="1" cy="1"/>
+        </a:xfrm>
+        <a:custGeom>
+          <a:avLst/>
+          <a:gdLst/>
+          <a:ahLst/>
+          <a:cxnLst/>
+          <a:rect l="0" t="0" r="0" b="0"/>
+          <a:pathLst/>
+        </a:custGeom>
+        <a:gradFill rotWithShape="0">
+          <a:gsLst>
+            <a:gs pos="0">
+              <a:schemeClr val="accent1"/>
+            </a:gs>
+            <a:gs pos="100000">
+              <a:schemeClr val="accent2"/>
+            </a:gs>
+          </a:gsLst>
+          <a:lin ang="5400000" scaled="1"/>
+        </a:gradFill>
+        <a:ln w="9525" cap="flat" cmpd="sng" algn="ctr">
+          <a:solidFill>
+            <a:schemeClr val="accent1"/>
+          </a:solidFill>
+          <a:prstDash val="solid"/>
+          <a:round/>
+          <a:headEnd type="none" w="med" len="med"/>
+          <a:tailEnd type="none" w="med" len="med"/>
+        </a:ln>
+      </a:spPr>
+      <a:bodyPr vert="horz" wrap="none" lIns="91440" tIns="45720" rIns="91440" bIns="45720" numCol="1" anchor="ctr" anchorCtr="0" compatLnSpc="1"/>
+      <a:lstStyle>
+        <a:defPPr marL="0" marR="0" indent="0" algn="l" defTabSz="914400" rtl="0" eaLnBrk="1" fontAlgn="base" latinLnBrk="0" hangingPunct="1">
+          <a:lnSpc>
+            <a:spcPct val="100000"/>
+          </a:lnSpc>
+          <a:spcBef>
+            <a:spcPct val="0"/>
+          </a:spcBef>
+          <a:spcAft>
+            <a:spcPct val="0"/>
+          </a:spcAft>
+          <a:buClrTx/>
+          <a:buSzTx/>
+          <a:buFontTx/>
+          <a:buNone/>
+          <a:defRPr kumimoji="0" lang="zh-CN" altLang="en-US" sz="1800" b="0" i="0" u="none" strike="noStrike" cap="none" normalizeH="0" baseline="0" smtClean="0">
+            <a:ln>
+              <a:noFill/>
+            </a:ln>
+            <a:solidFill>
+              <a:schemeClr val="tx1"/>
+            </a:solidFill>
+            <a:effectLst/>
+            <a:latin typeface="Arial" panose="020B0604020202020204" pitchFamily="34" charset="0"/>
+            <a:ea typeface="SimSun" panose="02010600030101010101" pitchFamily="2" charset="-122"/>
+          </a:defRPr>
+        </a:defPPr>
+      </a:lstStyle>
+    </a:spDef>
+    <a:lnDef>
+      <a:spPr bwMode="auto">
+        <a:xfrm>
+          <a:off x="0" y="0"/>
+          <a:ext cx="1" cy="1"/>
+        </a:xfrm>
+        <a:custGeom>
+          <a:avLst/>
+          <a:gdLst/>
+          <a:ahLst/>
+          <a:cxnLst/>
+          <a:rect l="0" t="0" r="0" b="0"/>
+          <a:pathLst/>
+        </a:custGeom>
+        <a:gradFill rotWithShape="0">
+          <a:gsLst>
+            <a:gs pos="0">
+              <a:schemeClr val="accent1"/>
+            </a:gs>
+            <a:gs pos="100000">
+              <a:schemeClr val="accent2"/>
+            </a:gs>
+          </a:gsLst>
+          <a:lin ang="5400000" scaled="1"/>
+        </a:gradFill>
+        <a:ln w="9525" cap="flat" cmpd="sng" algn="ctr">
+          <a:solidFill>
+            <a:schemeClr val="accent1"/>
+          </a:solidFill>
+          <a:prstDash val="solid"/>
+          <a:round/>
+          <a:headEnd type="none" w="med" len="med"/>
+          <a:tailEnd type="none" w="med" len="med"/>
+        </a:ln>
+      </a:spPr>
+      <a:bodyPr vert="horz" wrap="none" lIns="91440" tIns="45720" rIns="91440" bIns="45720" numCol="1" anchor="ctr" anchorCtr="0" compatLnSpc="1"/>
+      <a:lstStyle>
+        <a:defPPr marL="0" marR="0" indent="0" algn="l" defTabSz="914400" rtl="0" eaLnBrk="1" fontAlgn="base" latinLnBrk="0" hangingPunct="1">
+          <a:lnSpc>
+            <a:spcPct val="100000"/>
+          </a:lnSpc>
+          <a:spcBef>
+            <a:spcPct val="0"/>
+          </a:spcBef>
+          <a:spcAft>
+            <a:spcPct val="0"/>
+          </a:spcAft>
+          <a:buClrTx/>
+          <a:buSzTx/>
+          <a:buFontTx/>
+          <a:buNone/>
+          <a:defRPr kumimoji="0" lang="zh-CN" altLang="en-US" sz="1800" b="0" i="0" u="none" strike="noStrike" cap="none" normalizeH="0" baseline="0" smtClean="0">
+            <a:ln>
+              <a:noFill/>
+            </a:ln>
+            <a:solidFill>
+              <a:schemeClr val="tx1"/>
+            </a:solidFill>
+            <a:effectLst/>
+            <a:latin typeface="Arial" panose="020B0604020202020204" pitchFamily="34" charset="0"/>
+            <a:ea typeface="SimSun" panose="02010600030101010101" pitchFamily="2" charset="-122"/>
+          </a:defRPr>
+        </a:defPPr>
+      </a:lstStyle>
+    </a:lnDef>
+  </a:objectDefaults>
+  <a:extraClrSchemeLst>
+    <a:extraClrScheme>
+      <a:clrScheme name="Blue Waves 1">
+        <a:dk1>
+          <a:srgbClr val="000000"/>
+        </a:dk1>
+        <a:lt1>
+          <a:srgbClr val="FFFFFF"/>
+        </a:lt1>
+        <a:dk2>
+          <a:srgbClr val="000000"/>
+        </a:dk2>
+        <a:lt2>
+          <a:srgbClr val="808080"/>
+        </a:lt2>
+        <a:accent1>
+          <a:srgbClr val="BBE0E3"/>
+        </a:accent1>
+        <a:accent2>
+          <a:srgbClr val="333399"/>
+        </a:accent2>
+        <a:accent3>
+          <a:srgbClr val="FFFFFF"/>
+        </a:accent3>
+        <a:accent4>
+          <a:srgbClr val="000000"/>
+        </a:accent4>
+        <a:accent5>
+          <a:srgbClr val="DAEDEF"/>
+        </a:accent5>
+        <a:accent6>
+          <a:srgbClr val="2D2D8A"/>
+        </a:accent6>
+        <a:hlink>
+          <a:srgbClr val="009999"/>
+        </a:hlink>
+        <a:folHlink>
+          <a:srgbClr val="99CC00"/>
+        </a:folHlink>
+      </a:clrScheme>
+      <a:clrMap bg1="lt1" tx1="dk1" bg2="lt2" tx2="dk2" accent1="accent1" accent2="accent2" accent3="accent3" accent4="accent4" accent5="accent5" accent6="accent6" hlink="hlink" folHlink="folHlink"/>
+    </a:extraClrScheme>
+    <a:extraClrScheme>
+      <a:clrScheme name="Blue Waves 2">
+        <a:dk1>
+          <a:srgbClr val="000000"/>
+        </a:dk1>
+        <a:lt1>
+          <a:srgbClr val="FFFFFF"/>
+        </a:lt1>
+        <a:dk2>
+          <a:srgbClr val="000000"/>
+        </a:dk2>
+        <a:lt2>
+          <a:srgbClr val="969696"/>
+        </a:lt2>
+        <a:accent1>
+          <a:srgbClr val="FBDF53"/>
+        </a:accent1>
+        <a:accent2>
+          <a:srgbClr val="FF9966"/>
+        </a:accent2>
+        <a:accent3>
+          <a:srgbClr val="FFFFFF"/>
+        </a:accent3>
+        <a:accent4>
+          <a:srgbClr val="000000"/>
+        </a:accent4>
+        <a:accent5>
+          <a:srgbClr val="FDECB3"/>
+        </a:accent5>
+        <a:accent6>
+          <a:srgbClr val="E78A5C"/>
+        </a:accent6>
+        <a:hlink>
+          <a:srgbClr val="CC3300"/>
+        </a:hlink>
+        <a:folHlink>
+          <a:srgbClr val="996600"/>
+        </a:folHlink>
+      </a:clrScheme>
+      <a:clrMap bg1="lt1" tx1="dk1" bg2="lt2" tx2="dk2" accent1="accent1" accent2="accent2" accent3="accent3" accent4="accent4" accent5="accent5" accent6="accent6" hlink="hlink" folHlink="folHlink"/>
+    </a:extraClrScheme>
+    <a:extraClrScheme>
+      <a:clrScheme name="Blue Waves 3">
+        <a:dk1>
+          <a:srgbClr val="000000"/>
+        </a:dk1>
+        <a:lt1>
+          <a:srgbClr val="FFFFFF"/>
+        </a:lt1>
+        <a:dk2>
+          <a:srgbClr val="000000"/>
+        </a:dk2>
+        <a:lt2>
+          <a:srgbClr val="808080"/>
+        </a:lt2>
+        <a:accent1>
+          <a:srgbClr val="99CCFF"/>
+        </a:accent1>
+        <a:accent2>
+          <a:srgbClr val="CCCCFF"/>
+        </a:accent2>
+        <a:accent3>
+          <a:srgbClr val="FFFFFF"/>
+        </a:accent3>
+        <a:accent4>
+          <a:srgbClr val="000000"/>
+        </a:accent4>
+        <a:accent5>
+          <a:srgbClr val="CAE2FF"/>
+        </a:accent5>
+        <a:accent6>
+          <a:srgbClr val="B9B9E7"/>
+        </a:accent6>
+        <a:hlink>
+          <a:srgbClr val="3333CC"/>
+        </a:hlink>
+        <a:folHlink>
+          <a:srgbClr val="AF67FF"/>
+        </a:folHlink>
+      </a:clrScheme>
+      <a:clrMap bg1="lt1" tx1="dk1" bg2="lt2" tx2="dk2" accent1="accent1" accent2="accent2" accent3="accent3" accent4="accent4" accent5="accent5" accent6="accent6" hlink="hlink" folHlink="folHlink"/>
+    </a:extraClrScheme>
+    <a:extraClrScheme>
+      <a:clrScheme name="Blue Waves 4">
+        <a:dk1>
+          <a:srgbClr val="000000"/>
+        </a:dk1>
+        <a:lt1>
+          <a:srgbClr val="DEF6F1"/>
+        </a:lt1>
+        <a:dk2>
+          <a:srgbClr val="000000"/>
+        </a:dk2>
+        <a:lt2>
+          <a:srgbClr val="969696"/>
+        </a:lt2>
+        <a:accent1>
+          <a:srgbClr val="FFFFFF"/>
+        </a:accent1>
+        <a:accent2>
+          <a:srgbClr val="8DC6FF"/>
+        </a:accent2>
+        <a:accent3>
+          <a:srgbClr val="ECFAF7"/>
+        </a:accent3>
+        <a:accent4>
+          <a:srgbClr val="000000"/>
+        </a:accent4>
+        <a:accent5>
+          <a:srgbClr val="FFFFFF"/>
+        </a:accent5>
+        <a:accent6>
+          <a:srgbClr val="7FB3E7"/>
+        </a:accent6>
+        <a:hlink>
+          <a:srgbClr val="0066CC"/>
+        </a:hlink>
+        <a:folHlink>
+          <a:srgbClr val="00A800"/>
+        </a:folHlink>
+      </a:clrScheme>
+      <a:clrMap bg1="lt1" tx1="dk1" bg2="lt2" tx2="dk2" accent1="accent1" accent2="accent2" accent3="accent3" accent4="accent4" accent5="accent5" accent6="accent6" hlink="hlink" folHlink="folHlink"/>
+    </a:extraClrScheme>
+    <a:extraClrScheme>
+      <a:clrScheme name="Blue Waves 5">
+        <a:dk1>
+          <a:srgbClr val="000000"/>
+        </a:dk1>
+        <a:lt1>
+          <a:srgbClr val="FFFFD9"/>
+        </a:lt1>
+        <a:dk2>
+          <a:srgbClr val="000000"/>
+        </a:dk2>
+        <a:lt2>
+          <a:srgbClr val="777777"/>
+        </a:lt2>
+        <a:accent1>
+          <a:srgbClr val="FFFFF7"/>
+        </a:accent1>
+        <a:accent2>
+          <a:srgbClr val="33CCCC"/>
+        </a:accent2>
+        <a:accent3>
+          <a:srgbClr val="FFFFE9"/>
+        </a:accent3>
+        <a:accent4>
+          <a:srgbClr val="000000"/>
+        </a:accent4>
+        <a:accent5>
+          <a:srgbClr val="FFFFFA"/>
+        </a:accent5>
+        <a:accent6>
+          <a:srgbClr val="2DB9B9"/>
+        </a:accent6>
+        <a:hlink>
+          <a:srgbClr val="FF5050"/>
+        </a:hlink>
+        <a:folHlink>
+          <a:srgbClr val="FF9900"/>
+        </a:folHlink>
+      </a:clrScheme>
+      <a:clrMap bg1="lt1" tx1="dk1" bg2="lt2" tx2="dk2" accent1="accent1" accent2="accent2" accent3="accent3" accent4="accent4" accent5="accent5" accent6="accent6" hlink="hlink" folHlink="folHlink"/>
+    </a:extraClrScheme>
+    <a:extraClrScheme>
+      <a:clrScheme name="Blue Waves 6">
+        <a:dk1>
+          <a:srgbClr val="005A58"/>
+        </a:dk1>
+        <a:lt1>
+          <a:srgbClr val="FFFFFF"/>
+        </a:lt1>
+        <a:dk2>
+          <a:srgbClr val="008080"/>
+        </a:dk2>
+        <a:lt2>
+          <a:srgbClr val="FFFF99"/>
+        </a:lt2>
+        <a:accent1>
+          <a:srgbClr val="006462"/>
+        </a:accent1>
+        <a:accent2>
+          <a:srgbClr val="6D6FC7"/>
+        </a:accent2>
+        <a:accent3>
+          <a:srgbClr val="AAC0C0"/>
+        </a:accent3>
+        <a:accent4>
+          <a:srgbClr val="DADADA"/>
+        </a:accent4>
+        <a:accent5>
+          <a:srgbClr val="AAB8B7"/>
+        </a:accent5>
+        <a:accent6>
+          <a:srgbClr val="6264B4"/>
+        </a:accent6>
+        <a:hlink>
+          <a:srgbClr val="00FFFF"/>
+        </a:hlink>
+        <a:folHlink>
+          <a:srgbClr val="00FF00"/>
+        </a:folHlink>
+      </a:clrScheme>
+      <a:clrMap bg1="dk2" tx1="lt1" bg2="dk1" tx2="lt2" accent1="accent1" accent2="accent2" accent3="accent3" accent4="accent4" accent5="accent5" accent6="accent6" hlink="hlink" folHlink="folHlink"/>
+    </a:extraClrScheme>
+    <a:extraClrScheme>
+      <a:clrScheme name="Blue Waves 7">
+        <a:dk1>
+          <a:srgbClr val="5C1F00"/>
+        </a:dk1>
+        <a:lt1>
+          <a:srgbClr val="FFFFFF"/>
+        </a:lt1>
+        <a:dk2>
+          <a:srgbClr val="800000"/>
+        </a:dk2>
+        <a:lt2>
+          <a:srgbClr val="DFD293"/>
+        </a:lt2>
+        <a:accent1>
+          <a:srgbClr val="CC3300"/>
+        </a:accent1>
+        <a:accent2>
+          <a:srgbClr val="BE7960"/>
+        </a:accent2>
+        <a:accent3>
+          <a:srgbClr val="C0AAAA"/>
+        </a:accent3>
+        <a:accent4>
+          <a:srgbClr val="DADADA"/>
+        </a:accent4>
+        <a:accent5>
+          <a:srgbClr val="E2ADAA"/>
+        </a:accent5>
+        <a:accent6>
+          <a:srgbClr val="AC6D56"/>
+        </a:accent6>
+        <a:hlink>
+          <a:srgbClr val="FFFF99"/>
+        </a:hlink>
+        <a:folHlink>
+          <a:srgbClr val="D3A219"/>
+        </a:folHlink>
+      </a:clrScheme>
+      <a:clrMap bg1="dk2" tx1="lt1" bg2="dk1" tx2="lt2" accent1="accent1" accent2="accent2" accent3="accent3" accent4="accent4" accent5="accent5" accent6="accent6" hlink="hlink" folHlink="folHlink"/>
+    </a:extraClrScheme>
+    <a:extraClrScheme>
+      <a:clrScheme name="Blue Waves 8">
+        <a:dk1>
+          <a:srgbClr val="003366"/>
+        </a:dk1>
+        <a:lt1>
+          <a:srgbClr val="FFFFFF"/>
+        </a:lt1>
+        <a:dk2>
+          <a:srgbClr val="000099"/>
+        </a:dk2>
+        <a:lt2>
+          <a:srgbClr val="CCFFFF"/>
+        </a:lt2>
+        <a:accent1>
+          <a:srgbClr val="3366CC"/>
+        </a:accent1>
+        <a:accent2>
+          <a:srgbClr val="00B000"/>
+        </a:accent2>
+        <a:accent3>
+          <a:srgbClr val="AAAACA"/>
+        </a:accent3>
+        <a:accent4>
+          <a:srgbClr val="DADADA"/>
+        </a:accent4>
+        <a:accent5>
+          <a:srgbClr val="ADB8E2"/>
+        </a:accent5>
+        <a:accent6>
+          <a:srgbClr val="009F00"/>
+        </a:accent6>
+        <a:hlink>
+          <a:srgbClr val="66CCFF"/>
+        </a:hlink>
+        <a:folHlink>
+          <a:srgbClr val="FFE701"/>
+        </a:folHlink>
+      </a:clrScheme>
+      <a:clrMap bg1="dk2" tx1="lt1" bg2="dk1" tx2="lt2" accent1="accent1" accent2="accent2" accent3="accent3" accent4="accent4" accent5="accent5" accent6="accent6" hlink="hlink" folHlink="folHlink"/>
+    </a:extraClrScheme>
+    <a:extraClrScheme>
+      <a:clrScheme name="Blue Waves 9">
+        <a:dk1>
+          <a:srgbClr val="336699"/>
+        </a:dk1>
+        <a:lt1>
+          <a:srgbClr val="FFFFFF"/>
+        </a:lt1>
+        <a:dk2>
+          <a:srgbClr val="000000"/>
+        </a:dk2>
+        <a:lt2>
+          <a:srgbClr val="E3EBF1"/>
+        </a:lt2>
+        <a:accent1>
+          <a:srgbClr val="003399"/>
+        </a:accent1>
+        <a:accent2>
+          <a:srgbClr val="468A4B"/>
+        </a:accent2>
+        <a:accent3>
+          <a:srgbClr val="AAAAAA"/>
+        </a:accent3>
+        <a:accent4>
+          <a:srgbClr val="DADADA"/>
+        </a:accent4>
+        <a:accent5>
+          <a:srgbClr val="AAADCA"/>
+        </a:accent5>
+        <a:accent6>
+          <a:srgbClr val="3F7D43"/>
+        </a:accent6>
+        <a:hlink>
+          <a:srgbClr val="66CCFF"/>
+        </a:hlink>
+        <a:folHlink>
+          <a:srgbClr val="F0E500"/>
+        </a:folHlink>
+      </a:clrScheme>
+      <a:clrMap bg1="dk2" tx1="lt1" bg2="dk1" tx2="lt2" accent1="accent1" accent2="accent2" accent3="accent3" accent4="accent4" accent5="accent5" accent6="accent6" hlink="hlink" folHlink="folHlink"/>
+    </a:extraClrScheme>
+    <a:extraClrScheme>
+      <a:clrScheme name="Blue Waves 10">
+        <a:dk1>
+          <a:srgbClr val="777777"/>
+        </a:dk1>
+        <a:lt1>
+          <a:srgbClr val="FFFFFF"/>
+        </a:lt1>
+        <a:dk2>
+          <a:srgbClr val="686B5D"/>
+        </a:dk2>
+        <a:lt2>
+          <a:srgbClr val="D1D1CB"/>
+        </a:lt2>
+        <a:accent1>
+          <a:srgbClr val="909082"/>
+        </a:accent1>
+        <a:accent2>
+          <a:srgbClr val="809EA8"/>
+        </a:accent2>
+        <a:accent3>
+          <a:srgbClr val="B9BAB6"/>
+        </a:accent3>
+        <a:accent4>
+          <a:srgbClr val="DADADA"/>
+        </a:accent4>
+        <a:accent5>
+          <a:srgbClr val="C6C6C1"/>
+        </a:accent5>
+        <a:accent6>
+          <a:srgbClr val="738F98"/>
+        </a:accent6>
+        <a:hlink>
+          <a:srgbClr val="FFCC66"/>
+        </a:hlink>
+        <a:folHlink>
+          <a:srgbClr val="E9DCB9"/>
+        </a:folHlink>
+      </a:clrScheme>
+      <a:clrMap bg1="dk2" tx1="lt1" bg2="dk1" tx2="lt2" accent1="accent1" accent2="accent2" accent3="accent3" accent4="accent4" accent5="accent5" accent6="accent6" hlink="hlink" folHlink="folHlink"/>
+    </a:extraClrScheme>
+    <a:extraClrScheme>
+      <a:clrScheme name="Blue Waves 11">
+        <a:dk1>
+          <a:srgbClr val="3E3E5C"/>
+        </a:dk1>
+        <a:lt1>
+          <a:srgbClr val="FFFFFF"/>
+        </a:lt1>
+        <a:dk2>
+          <a:srgbClr val="666699"/>
+        </a:dk2>
+        <a:lt2>
+          <a:srgbClr val="FFFFFF"/>
+        </a:lt2>
+        <a:accent1>
+          <a:srgbClr val="60597B"/>
+        </a:accent1>
+        <a:accent2>
+          <a:srgbClr val="6666FF"/>
+        </a:accent2>
+        <a:accent3>
+          <a:srgbClr val="B8B8CA"/>
+        </a:accent3>
+        <a:accent4>
+          <a:srgbClr val="DADADA"/>
+        </a:accent4>
+        <a:accent5>
+          <a:srgbClr val="B6B5BF"/>
+        </a:accent5>
+        <a:accent6>
+          <a:srgbClr val="5C5CE7"/>
+        </a:accent6>
+        <a:hlink>
+          <a:srgbClr val="99CCFF"/>
+        </a:hlink>
+        <a:folHlink>
+          <a:srgbClr val="FFFF99"/>
+        </a:folHlink>
+      </a:clrScheme>
+      <a:clrMap bg1="dk2" tx1="lt1" bg2="dk1" tx2="lt2" accent1="accent1" accent2="accent2" accent3="accent3" accent4="accent4" accent5="accent5" accent6="accent6" hlink="hlink" folHlink="folHlink"/>
+    </a:extraClrScheme>
+    <a:extraClrScheme>
+      <a:clrScheme name="Blue Waves 12">
+        <a:dk1>
+          <a:srgbClr val="2D2015"/>
+        </a:dk1>
+        <a:lt1>
+          <a:srgbClr val="FFFFFF"/>
+        </a:lt1>
+        <a:dk2>
+          <a:srgbClr val="523E26"/>
+        </a:dk2>
+        <a:lt2>
+          <a:srgbClr val="DFC08D"/>
+        </a:lt2>
+        <a:accent1>
+          <a:srgbClr val="8C7B70"/>
+        </a:accent1>
+        <a:accent2>
+          <a:srgbClr val="8F5F2F"/>
+        </a:accent2>
+        <a:accent3>
+          <a:srgbClr val="B3AFAC"/>
+        </a:accent3>
+        <a:accent4>
+          <a:srgbClr val="DADADA"/>
+        </a:accent4>
+        <a:accent5>
+          <a:srgbClr val="C5BFBB"/>
+        </a:accent5>
+        <a:accent6>
+          <a:srgbClr val="81552A"/>
+        </a:accent6>
+        <a:hlink>
+          <a:srgbClr val="CCB400"/>
+        </a:hlink>
+        <a:folHlink>
+          <a:srgbClr val="8C9EA0"/>
+        </a:folHlink>
+      </a:clrScheme>
+      <a:clrMap bg1="dk2" tx1="lt1" bg2="dk1" tx2="lt2" accent1="accent1" accent2="accent2" accent3="accent3" accent4="accent4" accent5="accent5" accent6="accent6" hlink="hlink" folHlink="folHlink"/>
+    </a:extraClrScheme>
+    <a:extraClrScheme>
+      <a:clrScheme name="Blue Waves 13">
+        <a:dk1>
+          <a:srgbClr val="000000"/>
+        </a:dk1>
+        <a:lt1>
+          <a:srgbClr val="FFFFFF"/>
+        </a:lt1>
+        <a:dk2>
+          <a:srgbClr val="000000"/>
+        </a:dk2>
+        <a:lt2>
+          <a:srgbClr val="969696"/>
+        </a:lt2>
+        <a:accent1>
+          <a:srgbClr val="0066CC"/>
+        </a:accent1>
+        <a:accent2>
+          <a:srgbClr val="3399FF"/>
+        </a:accent2>
+        <a:accent3>
+          <a:srgbClr val="FFFFFF"/>
+        </a:accent3>
+        <a:accent4>
+          <a:srgbClr val="000000"/>
+        </a:accent4>
+        <a:accent5>
+          <a:srgbClr val="AAB8E2"/>
+        </a:accent5>
+        <a:accent6>
+          <a:srgbClr val="2D8AE7"/>
+        </a:accent6>
+        <a:hlink>
+          <a:srgbClr val="CC3300"/>
+        </a:hlink>
+        <a:folHlink>
+          <a:srgbClr val="996600"/>
+        </a:folHlink>
+      </a:clrScheme>
+      <a:clrMap bg1="lt1" tx1="dk1" bg2="lt2" tx2="dk2" accent1="accent1" accent2="accent2" accent3="accent3" accent4="accent4" accent5="accent5" accent6="accent6" hlink="hlink" folHlink="folHlink"/>
+    </a:extraClrScheme>
+  </a:extraClrSchemeLst>
   <a:extLst>
     <a:ext uri="{05A4C25C-085E-4340-85A3-A5531E510DB2}">
       <thm15:themeFamily xmlns:thm15="http://schemas.microsoft.com/office/thememl/2012/main" name="Office Theme" id="{62F939B6-93AF-4DB8-9C6B-D6C7DFDC589F}" vid="{4A3C46E8-61CC-4603-A589-7422A47A8E4A}"/>

--- a/Hackathon workshop.pptx
+++ b/Hackathon workshop.pptx
@@ -3268,7 +3268,7 @@
             </a:br>
             <a:r>
               <a:rPr lang="en-GB" altLang="en-US"/>
-              <a:t>Credit fintech</a:t>
+              <a:t>Credit fintech industry</a:t>
             </a:r>
             <a:br>
               <a:rPr lang="en-GB" altLang="en-US"/>
@@ -3406,8 +3406,8 @@
         </p:blipFill>
         <p:spPr>
           <a:xfrm>
-            <a:off x="342265" y="4356735"/>
-            <a:ext cx="4305300" cy="1866900"/>
+            <a:off x="342265" y="3830955"/>
+            <a:ext cx="5517515" cy="2392680"/>
           </a:xfrm>
           <a:prstGeom prst="rect">
             <a:avLst/>
@@ -3430,8 +3430,8 @@
         </p:blipFill>
         <p:spPr>
           <a:xfrm>
-            <a:off x="8603615" y="494665"/>
-            <a:ext cx="3402965" cy="1820545"/>
+            <a:off x="7651750" y="381635"/>
+            <a:ext cx="4354830" cy="2297430"/>
           </a:xfrm>
           <a:prstGeom prst="rect">
             <a:avLst/>
@@ -3454,8 +3454,8 @@
         </p:blipFill>
         <p:spPr>
           <a:xfrm>
-            <a:off x="6210300" y="3362960"/>
-            <a:ext cx="4842510" cy="3290570"/>
+            <a:off x="6210300" y="3202305"/>
+            <a:ext cx="5249545" cy="3567430"/>
           </a:xfrm>
           <a:prstGeom prst="rect">
             <a:avLst/>
@@ -3589,6 +3589,10 @@
         <p:txBody>
           <a:bodyPr/>
           <a:p>
+            <a:r>
+              <a:rPr lang="en-GB" altLang="en-US"/>
+              <a:t>things which i was not able to work on</a:t>
+            </a:r>
             <a:endParaRPr lang="en-GB" altLang="en-US"/>
           </a:p>
         </p:txBody>
@@ -3607,6 +3611,10 @@
         <p:txBody>
           <a:bodyPr/>
           <a:p>
+            <a:r>
+              <a:rPr lang="en-GB" altLang="en-US"/>
+              <a:t>I was not able to work on boosting because the reason is that the dataset consists of over 900000 samples which is highly complicated. Even by doing random sampling, under sampling also it did not work it is over complicated to do boosting method.</a:t>
+            </a:r>
             <a:endParaRPr lang="en-GB" altLang="en-US"/>
           </a:p>
         </p:txBody>
@@ -3643,6 +3651,10 @@
         <p:txBody>
           <a:bodyPr/>
           <a:p>
+            <a:r>
+              <a:rPr lang="en-GB" altLang="en-US"/>
+              <a:t>Lessons which i learnt from this hackathon</a:t>
+            </a:r>
             <a:endParaRPr lang="en-GB" altLang="en-US"/>
           </a:p>
         </p:txBody>
@@ -3660,6 +3672,27 @@
         <p:spPr/>
         <p:txBody>
           <a:bodyPr/>
+          <a:p>
+            <a:r>
+              <a:rPr lang="en-GB" altLang="en-US"/>
+              <a:t>The lesson which i learnt is that i had to use very less no of rows for producing correct results for all supervised learning algorithms except the boosting method</a:t>
+            </a:r>
+            <a:endParaRPr lang="en-GB" altLang="en-US"/>
+          </a:p>
+          <a:p>
+            <a:r>
+              <a:rPr lang="en-GB" altLang="en-US"/>
+              <a:t>The decision for selection of columns which  has to be choosen or deleted out of 28 columns</a:t>
+            </a:r>
+            <a:endParaRPr lang="en-GB" altLang="en-US"/>
+          </a:p>
+          <a:p>
+            <a:r>
+              <a:rPr lang="en-GB" altLang="en-US"/>
+              <a:t>The reason for using very less no of rows is that it consists of more than 9 lkh rows because of which many instances has happened like for instance computer got crashed while doing grid search and parameter tuning and boosting.</a:t>
+            </a:r>
+            <a:endParaRPr lang="en-GB" altLang="en-US"/>
+          </a:p>
           <a:p>
             <a:endParaRPr lang="en-GB" altLang="en-US"/>
           </a:p>
@@ -3706,7 +3739,7 @@
           <a:p>
             <a:r>
               <a:rPr lang="en-GB" altLang="en-US" sz="13200"/>
-              <a:t>  The agenda for this project is to predict the loan_status i.ie. to find out whether the loan_status is charged and fully paid for all the rows.</a:t>
+              <a:t>  The agenda for this project is to predict the loan_status i.ie. to find out whether the loan_status is charged and fully paid for all the rows or samples in the dataset.</a:t>
             </a:r>
             <a:endParaRPr lang="en-GB" altLang="en-US" sz="13200"/>
           </a:p>
@@ -3722,11 +3755,6 @@
             </a:endParaRPr>
           </a:p>
           <a:p>
-            <a:endParaRPr lang="en-GB" altLang="en-US" sz="13200">
-              <a:sym typeface="+mn-ea"/>
-            </a:endParaRPr>
-          </a:p>
-          <a:p>
             <a:r>
               <a:rPr lang="en-GB" altLang="en-US" sz="13200">
                 <a:sym typeface="+mn-ea"/>
@@ -3738,6 +3766,11 @@
             </a:endParaRPr>
           </a:p>
           <a:p>
+            <a:endParaRPr lang="en-GB" altLang="en-US" sz="13200">
+              <a:sym typeface="+mn-ea"/>
+            </a:endParaRPr>
+          </a:p>
+          <a:p>
             <a:endParaRPr lang="en-GB" altLang="en-US">
               <a:sym typeface="+mn-ea"/>
             </a:endParaRPr>
@@ -3756,6 +3789,59 @@
           </a:p>
         </p:txBody>
       </p:sp>
+      <p:graphicFrame>
+        <p:nvGraphicFramePr>
+          <p:cNvPr id="6" name="Object 5">
+            <a:hlinkClick r:id="" action="ppaction://ole?verb="/>
+          </p:cNvPr>
+          <p:cNvGraphicFramePr>
+            <a:graphicFrameLocks noChangeAspect="1"/>
+          </p:cNvGraphicFramePr>
+          <p:nvPr/>
+        </p:nvGraphicFramePr>
+        <p:xfrm>
+          <a:off x="5249545" y="3180080"/>
+          <a:ext cx="1692910" cy="497840"/>
+        </p:xfrm>
+        <a:graphic>
+          <a:graphicData uri="http://schemas.openxmlformats.org/presentationml/2006/ole">
+            <mc:AlternateContent xmlns:mc="http://schemas.openxmlformats.org/markup-compatibility/2006">
+              <mc:Choice xmlns:v="urn:schemas-microsoft-com:vml" Requires="v">
+                <p:oleObj spid="_x0000_s1025" name="" r:id="rId1" imgW="1692910" imgH="497840" progId="Package">
+                  <p:embed/>
+                </p:oleObj>
+              </mc:Choice>
+              <mc:Fallback>
+                <p:oleObj name="" r:id="rId1" imgW="1692910" imgH="497840" progId="Package">
+                  <p:embed/>
+                  <p:pic>
+                    <p:nvPicPr>
+                      <p:cNvPr id="0" name="Picture 1024"/>
+                      <p:cNvPicPr/>
+                      <p:nvPr/>
+                    </p:nvPicPr>
+                    <p:blipFill>
+                      <a:blip r:embed="rId2"/>
+                      <a:stretch>
+                        <a:fillRect/>
+                      </a:stretch>
+                    </p:blipFill>
+                    <p:spPr>
+                      <a:xfrm>
+                        <a:off x="5249545" y="3180080"/>
+                        <a:ext cx="1692910" cy="497840"/>
+                      </a:xfrm>
+                      <a:prstGeom prst="rect">
+                        <a:avLst/>
+                      </a:prstGeom>
+                    </p:spPr>
+                  </p:pic>
+                </p:oleObj>
+              </mc:Fallback>
+            </mc:AlternateContent>
+          </a:graphicData>
+        </a:graphic>
+      </p:graphicFrame>
     </p:spTree>
   </p:cSld>
   <p:clrMapOvr>
@@ -3818,7 +3904,14 @@
           <a:p>
             <a:r>
               <a:rPr lang="en-GB" altLang="en-US"/>
-              <a:t>The purpose of data exploration is to gather more details about the dataset. </a:t>
+              <a:t>The purpose of data exploration is to gather more details about the dataset.  </a:t>
+            </a:r>
+            <a:endParaRPr lang="en-GB" altLang="en-US"/>
+          </a:p>
+          <a:p>
+            <a:r>
+              <a:rPr lang="en-GB" altLang="en-US"/>
+              <a:t>These are insights</a:t>
             </a:r>
             <a:endParaRPr lang="en-GB" altLang="en-US"/>
           </a:p>
@@ -3855,7 +3948,7 @@
         </p:blipFill>
         <p:spPr>
           <a:xfrm>
-            <a:off x="691515" y="1931670"/>
+            <a:off x="691515" y="2265045"/>
             <a:ext cx="4024630" cy="817880"/>
           </a:xfrm>
           <a:prstGeom prst="rect">
@@ -3879,7 +3972,7 @@
         </p:blipFill>
         <p:spPr>
           <a:xfrm>
-            <a:off x="1241425" y="3129915"/>
+            <a:off x="1241425" y="3261360"/>
             <a:ext cx="3162935" cy="3495040"/>
           </a:xfrm>
           <a:prstGeom prst="rect">
@@ -3947,7 +4040,7 @@
         </p:spPr>
         <p:txBody>
           <a:bodyPr>
-            <a:normAutofit fontScale="70000"/>
+            <a:normAutofit fontScale="50000"/>
           </a:bodyPr>
           <a:p>
             <a:r>
@@ -3959,7 +4052,7 @@
           <a:p>
             <a:r>
               <a:rPr lang="en-GB" altLang="en-US"/>
-              <a:t>insight i gathered is  the null values for some columns are present on the same rows. so we need to use the dropna to remove them. There are no duplicates.</a:t>
+              <a:t>insight i gathered is  the null values for some columns are present on the same rows. so we need to use the dropna to remove them. There are no duplicates. Below are the following for the insights.</a:t>
             </a:r>
             <a:endParaRPr lang="en-GB" altLang="en-US"/>
           </a:p>
@@ -3987,7 +4080,7 @@
         </p:blipFill>
         <p:spPr>
           <a:xfrm>
-            <a:off x="528320" y="3429000"/>
+            <a:off x="528320" y="2980055"/>
             <a:ext cx="4145915" cy="898525"/>
           </a:xfrm>
           <a:prstGeom prst="rect">
@@ -4011,7 +4104,7 @@
         </p:blipFill>
         <p:spPr>
           <a:xfrm>
-            <a:off x="5504815" y="3241040"/>
+            <a:off x="5052695" y="2365375"/>
             <a:ext cx="6099175" cy="3383280"/>
           </a:xfrm>
           <a:prstGeom prst="rect">
@@ -4070,7 +4163,7 @@
           <a:p>
             <a:r>
               <a:rPr lang="en-GB" altLang="en-US"/>
-              <a:t>I classified the numbers of (fico range high and fico low range in this for mat</a:t>
+              <a:t>I classified the numbers of (fico range high and fico low range in this format</a:t>
             </a:r>
             <a:endParaRPr lang="en-GB" altLang="en-US"/>
           </a:p>
@@ -4080,7 +4173,7 @@
             </a:pPr>
             <a:r>
               <a:rPr lang="en-GB" altLang="en-US"/>
-              <a:t>classification or grouping of fico range: </a:t>
+              <a:t>                                                classification or grouping of fico range: </a:t>
             </a:r>
             <a:endParaRPr lang="en-GB" altLang="en-US"/>
           </a:p>
@@ -4342,8 +4435,8 @@
         </p:blipFill>
         <p:spPr>
           <a:xfrm>
-            <a:off x="942975" y="2579370"/>
-            <a:ext cx="8380730" cy="3114040"/>
+            <a:off x="417830" y="2579370"/>
+            <a:ext cx="7068185" cy="3114040"/>
           </a:xfrm>
           <a:prstGeom prst="rect">
             <a:avLst/>
@@ -4381,12 +4474,12 @@
         <p:spPr>
           <a:xfrm>
             <a:off x="838200" y="410845"/>
-            <a:ext cx="10515600" cy="1316355"/>
+            <a:ext cx="10515600" cy="1083310"/>
           </a:xfrm>
         </p:spPr>
         <p:txBody>
           <a:bodyPr>
-            <a:normAutofit fontScale="90000"/>
+            <a:normAutofit fontScale="60000"/>
           </a:bodyPr>
           <a:p>
             <a:r>
@@ -4398,7 +4491,7 @@
           <a:p>
             <a:r>
               <a:rPr lang="en-GB" altLang="en-US"/>
-              <a:t>I did eda analysis for analysing all the columns by using pie chart command. </a:t>
+              <a:t>Used eda analysis for analysing all the columns by using pie chart command. </a:t>
             </a:r>
             <a:endParaRPr lang="en-GB" altLang="en-US"/>
           </a:p>
@@ -4438,8 +4531,8 @@
         </p:blipFill>
         <p:spPr>
           <a:xfrm>
-            <a:off x="707390" y="1916430"/>
-            <a:ext cx="6663055" cy="4715510"/>
+            <a:off x="1554480" y="1475740"/>
+            <a:ext cx="8210550" cy="5236210"/>
           </a:xfrm>
           <a:prstGeom prst="rect">
             <a:avLst/>
